--- a/Projekt_4Aay_DustinWalker.pptx
+++ b/Projekt_4Aay_DustinWalker.pptx
@@ -5,7 +5,7 @@
     <p:sldMasterId id="2147483660" r:id="rId1"/>
   </p:sldMasterIdLst>
   <p:notesMasterIdLst>
-    <p:notesMasterId r:id="rId8"/>
+    <p:notesMasterId r:id="rId18"/>
   </p:notesMasterIdLst>
   <p:sldIdLst>
     <p:sldId id="256" r:id="rId2"/>
@@ -14,6 +14,16 @@
     <p:sldId id="259" r:id="rId5"/>
     <p:sldId id="260" r:id="rId6"/>
     <p:sldId id="261" r:id="rId7"/>
+    <p:sldId id="262" r:id="rId8"/>
+    <p:sldId id="263" r:id="rId9"/>
+    <p:sldId id="264" r:id="rId10"/>
+    <p:sldId id="265" r:id="rId11"/>
+    <p:sldId id="266" r:id="rId12"/>
+    <p:sldId id="267" r:id="rId13"/>
+    <p:sldId id="268" r:id="rId14"/>
+    <p:sldId id="269" r:id="rId15"/>
+    <p:sldId id="270" r:id="rId16"/>
+    <p:sldId id="271" r:id="rId17"/>
   </p:sldIdLst>
   <p:sldSz cx="12192000" cy="6858000"/>
   <p:notesSz cx="6858000" cy="9144000"/>
@@ -508,28 +518,7 @@
           <a:bodyPr/>
           <a:lstStyle/>
           <a:p>
-            <a:r>
-              <a:rPr lang="de-DE" dirty="0"/>
-              <a:t>Das System soll in Simulink Modelliert werden</a:t>
-            </a:r>
-          </a:p>
-          <a:p>
             <a:endParaRPr lang="de-DE" dirty="0"/>
-          </a:p>
-          <a:p>
-            <a:r>
-              <a:rPr lang="de-DE" dirty="0"/>
-              <a:t>Dazu sind 2 einfache Schritte notwendig</a:t>
-            </a:r>
-          </a:p>
-          <a:p>
-            <a:endParaRPr lang="de-DE" dirty="0"/>
-          </a:p>
-          <a:p>
-            <a:r>
-              <a:rPr lang="de-DE" dirty="0"/>
-              <a:t>1. Aufstellen der Differentialgleichung</a:t>
-            </a:r>
           </a:p>
         </p:txBody>
       </p:sp>
@@ -550,7 +539,7 @@
           <a:p>
             <a:fld id="{2110C309-CD17-44EF-AC7C-D105D54C99EB}" type="slidenum">
               <a:rPr lang="de-DE" smtClean="0"/>
-              <a:t>4</a:t>
+              <a:t>2</a:t>
             </a:fld>
             <a:endParaRPr lang="de-DE"/>
           </a:p>
@@ -559,7 +548,621 @@
     </p:spTree>
     <p:extLst>
       <p:ext uri="{BB962C8B-B14F-4D97-AF65-F5344CB8AC3E}">
-        <p14:creationId xmlns:p14="http://schemas.microsoft.com/office/powerpoint/2010/main" val="2599051649"/>
+        <p14:creationId xmlns:p14="http://schemas.microsoft.com/office/powerpoint/2010/main" val="3527890546"/>
+      </p:ext>
+    </p:extLst>
+  </p:cSld>
+  <p:clrMapOvr>
+    <a:masterClrMapping/>
+  </p:clrMapOvr>
+</p:notes>
+</file>
+
+<file path=ppt/notesSlides/notesSlide10.xml><?xml version="1.0" encoding="utf-8"?>
+<p:notes xmlns:a="http://schemas.openxmlformats.org/drawingml/2006/main" xmlns:r="http://schemas.openxmlformats.org/officeDocument/2006/relationships" xmlns:p="http://schemas.openxmlformats.org/presentationml/2006/main">
+  <p:cSld>
+    <p:spTree>
+      <p:nvGrpSpPr>
+        <p:cNvPr id="1" name=""/>
+        <p:cNvGrpSpPr/>
+        <p:nvPr/>
+      </p:nvGrpSpPr>
+      <p:grpSpPr>
+        <a:xfrm>
+          <a:off x="0" y="0"/>
+          <a:ext cx="0" cy="0"/>
+          <a:chOff x="0" y="0"/>
+          <a:chExt cx="0" cy="0"/>
+        </a:xfrm>
+      </p:grpSpPr>
+      <p:sp>
+        <p:nvSpPr>
+          <p:cNvPr id="2" name="Folienbildplatzhalter 1"/>
+          <p:cNvSpPr>
+            <a:spLocks noGrp="1" noRot="1" noChangeAspect="1"/>
+          </p:cNvSpPr>
+          <p:nvPr>
+            <p:ph type="sldImg"/>
+          </p:nvPr>
+        </p:nvSpPr>
+        <p:spPr/>
+      </p:sp>
+      <p:sp>
+        <p:nvSpPr>
+          <p:cNvPr id="3" name="Notizenplatzhalter 2"/>
+          <p:cNvSpPr>
+            <a:spLocks noGrp="1"/>
+          </p:cNvSpPr>
+          <p:nvPr>
+            <p:ph type="body" idx="1"/>
+          </p:nvPr>
+        </p:nvSpPr>
+        <p:spPr/>
+        <p:txBody>
+          <a:bodyPr/>
+          <a:lstStyle/>
+          <a:p>
+            <a:r>
+              <a:rPr lang="de-DE" dirty="0"/>
+              <a:t>Dieses Regelverhalten sieht Ziemlich unglaublich aus</a:t>
+            </a:r>
+            <a:br>
+              <a:rPr lang="de-DE" dirty="0"/>
+            </a:br>
+            <a:br>
+              <a:rPr lang="de-DE" dirty="0"/>
+            </a:br>
+            <a:r>
+              <a:rPr lang="de-DE" dirty="0"/>
+              <a:t>Aber das wollen wir gar nicht</a:t>
+            </a:r>
+          </a:p>
+          <a:p>
+            <a:endParaRPr lang="de-DE" dirty="0"/>
+          </a:p>
+          <a:p>
+            <a:r>
+              <a:rPr lang="de-DE" dirty="0"/>
+              <a:t>Beschleunigung von bis zu 40.000 g </a:t>
+            </a:r>
+          </a:p>
+          <a:p>
+            <a:endParaRPr lang="de-DE" dirty="0"/>
+          </a:p>
+          <a:p>
+            <a:r>
+              <a:rPr lang="de-DE" dirty="0"/>
+              <a:t>Mensch wird bei 5g Bewusstlos</a:t>
+            </a:r>
+          </a:p>
+          <a:p>
+            <a:endParaRPr lang="de-DE" dirty="0"/>
+          </a:p>
+          <a:p>
+            <a:r>
+              <a:rPr lang="de-DE" dirty="0"/>
+              <a:t>Und der Ladung tut das auch nicht gut </a:t>
+            </a:r>
+          </a:p>
+        </p:txBody>
+      </p:sp>
+      <p:sp>
+        <p:nvSpPr>
+          <p:cNvPr id="4" name="Foliennummernplatzhalter 3"/>
+          <p:cNvSpPr>
+            <a:spLocks noGrp="1"/>
+          </p:cNvSpPr>
+          <p:nvPr>
+            <p:ph type="sldNum" sz="quarter" idx="5"/>
+          </p:nvPr>
+        </p:nvSpPr>
+        <p:spPr/>
+        <p:txBody>
+          <a:bodyPr/>
+          <a:lstStyle/>
+          <a:p>
+            <a:fld id="{2110C309-CD17-44EF-AC7C-D105D54C99EB}" type="slidenum">
+              <a:rPr lang="de-DE" smtClean="0"/>
+              <a:t>11</a:t>
+            </a:fld>
+            <a:endParaRPr lang="de-DE"/>
+          </a:p>
+        </p:txBody>
+      </p:sp>
+    </p:spTree>
+    <p:extLst>
+      <p:ext uri="{BB962C8B-B14F-4D97-AF65-F5344CB8AC3E}">
+        <p14:creationId xmlns:p14="http://schemas.microsoft.com/office/powerpoint/2010/main" val="4033318021"/>
+      </p:ext>
+    </p:extLst>
+  </p:cSld>
+  <p:clrMapOvr>
+    <a:masterClrMapping/>
+  </p:clrMapOvr>
+</p:notes>
+</file>
+
+<file path=ppt/notesSlides/notesSlide11.xml><?xml version="1.0" encoding="utf-8"?>
+<p:notes xmlns:a="http://schemas.openxmlformats.org/drawingml/2006/main" xmlns:r="http://schemas.openxmlformats.org/officeDocument/2006/relationships" xmlns:p="http://schemas.openxmlformats.org/presentationml/2006/main">
+  <p:cSld>
+    <p:spTree>
+      <p:nvGrpSpPr>
+        <p:cNvPr id="1" name=""/>
+        <p:cNvGrpSpPr/>
+        <p:nvPr/>
+      </p:nvGrpSpPr>
+      <p:grpSpPr>
+        <a:xfrm>
+          <a:off x="0" y="0"/>
+          <a:ext cx="0" cy="0"/>
+          <a:chOff x="0" y="0"/>
+          <a:chExt cx="0" cy="0"/>
+        </a:xfrm>
+      </p:grpSpPr>
+      <p:sp>
+        <p:nvSpPr>
+          <p:cNvPr id="2" name="Folienbildplatzhalter 1"/>
+          <p:cNvSpPr>
+            <a:spLocks noGrp="1" noRot="1" noChangeAspect="1"/>
+          </p:cNvSpPr>
+          <p:nvPr>
+            <p:ph type="sldImg"/>
+          </p:nvPr>
+        </p:nvSpPr>
+        <p:spPr/>
+      </p:sp>
+      <p:sp>
+        <p:nvSpPr>
+          <p:cNvPr id="3" name="Notizenplatzhalter 2"/>
+          <p:cNvSpPr>
+            <a:spLocks noGrp="1"/>
+          </p:cNvSpPr>
+          <p:nvPr>
+            <p:ph type="body" idx="1"/>
+          </p:nvPr>
+        </p:nvSpPr>
+        <p:spPr/>
+        <p:txBody>
+          <a:bodyPr/>
+          <a:lstStyle/>
+          <a:p>
+            <a:r>
+              <a:rPr lang="de-DE" dirty="0"/>
+              <a:t>Beschränkung der Beschleunigung auf 0,5g</a:t>
+            </a:r>
+          </a:p>
+          <a:p>
+            <a:endParaRPr lang="de-DE" dirty="0"/>
+          </a:p>
+          <a:p>
+            <a:r>
+              <a:rPr lang="de-DE" dirty="0"/>
+              <a:t>Dafür muss </a:t>
+            </a:r>
+            <a:r>
+              <a:rPr lang="de-DE" dirty="0" err="1"/>
+              <a:t>F_a</a:t>
+            </a:r>
+            <a:r>
+              <a:rPr lang="de-DE" dirty="0"/>
+              <a:t> beschränkt werden</a:t>
+            </a:r>
+          </a:p>
+        </p:txBody>
+      </p:sp>
+      <p:sp>
+        <p:nvSpPr>
+          <p:cNvPr id="4" name="Foliennummernplatzhalter 3"/>
+          <p:cNvSpPr>
+            <a:spLocks noGrp="1"/>
+          </p:cNvSpPr>
+          <p:nvPr>
+            <p:ph type="sldNum" sz="quarter" idx="5"/>
+          </p:nvPr>
+        </p:nvSpPr>
+        <p:spPr/>
+        <p:txBody>
+          <a:bodyPr/>
+          <a:lstStyle/>
+          <a:p>
+            <a:fld id="{2110C309-CD17-44EF-AC7C-D105D54C99EB}" type="slidenum">
+              <a:rPr lang="de-DE" smtClean="0"/>
+              <a:t>12</a:t>
+            </a:fld>
+            <a:endParaRPr lang="de-DE"/>
+          </a:p>
+        </p:txBody>
+      </p:sp>
+    </p:spTree>
+    <p:extLst>
+      <p:ext uri="{BB962C8B-B14F-4D97-AF65-F5344CB8AC3E}">
+        <p14:creationId xmlns:p14="http://schemas.microsoft.com/office/powerpoint/2010/main" val="1200759942"/>
+      </p:ext>
+    </p:extLst>
+  </p:cSld>
+  <p:clrMapOvr>
+    <a:masterClrMapping/>
+  </p:clrMapOvr>
+</p:notes>
+</file>
+
+<file path=ppt/notesSlides/notesSlide12.xml><?xml version="1.0" encoding="utf-8"?>
+<p:notes xmlns:a="http://schemas.openxmlformats.org/drawingml/2006/main" xmlns:r="http://schemas.openxmlformats.org/officeDocument/2006/relationships" xmlns:p="http://schemas.openxmlformats.org/presentationml/2006/main">
+  <p:cSld>
+    <p:spTree>
+      <p:nvGrpSpPr>
+        <p:cNvPr id="1" name=""/>
+        <p:cNvGrpSpPr/>
+        <p:nvPr/>
+      </p:nvGrpSpPr>
+      <p:grpSpPr>
+        <a:xfrm>
+          <a:off x="0" y="0"/>
+          <a:ext cx="0" cy="0"/>
+          <a:chOff x="0" y="0"/>
+          <a:chExt cx="0" cy="0"/>
+        </a:xfrm>
+      </p:grpSpPr>
+      <p:sp>
+        <p:nvSpPr>
+          <p:cNvPr id="2" name="Folienbildplatzhalter 1"/>
+          <p:cNvSpPr>
+            <a:spLocks noGrp="1" noRot="1" noChangeAspect="1"/>
+          </p:cNvSpPr>
+          <p:nvPr>
+            <p:ph type="sldImg"/>
+          </p:nvPr>
+        </p:nvSpPr>
+        <p:spPr/>
+      </p:sp>
+      <p:sp>
+        <p:nvSpPr>
+          <p:cNvPr id="3" name="Notizenplatzhalter 2"/>
+          <p:cNvSpPr>
+            <a:spLocks noGrp="1"/>
+          </p:cNvSpPr>
+          <p:nvPr>
+            <p:ph type="body" idx="1"/>
+          </p:nvPr>
+        </p:nvSpPr>
+        <p:spPr/>
+        <p:txBody>
+          <a:bodyPr/>
+          <a:lstStyle/>
+          <a:p>
+            <a:r>
+              <a:rPr lang="de-DE" b="0" i="0" dirty="0">
+                <a:effectLst/>
+                <a:latin typeface="Arial" panose="020B0604020202020204" pitchFamily="34" charset="0"/>
+              </a:rPr>
+              <a:t>Nun ist mir eine Idee gekommen. Die Beschleunigung </a:t>
+            </a:r>
+            <a:r>
+              <a:rPr lang="de-DE" b="0" i="0" dirty="0" err="1">
+                <a:effectLst/>
+                <a:latin typeface="Arial" panose="020B0604020202020204" pitchFamily="34" charset="0"/>
+              </a:rPr>
+              <a:t>desLaderaums</a:t>
+            </a:r>
+            <a:r>
+              <a:rPr lang="de-DE" b="0" i="0" dirty="0">
+                <a:effectLst/>
+                <a:latin typeface="Arial" panose="020B0604020202020204" pitchFamily="34" charset="0"/>
+              </a:rPr>
+              <a:t> und die ̈</a:t>
+            </a:r>
+            <a:r>
+              <a:rPr lang="de-DE" b="0" i="0" dirty="0" err="1">
+                <a:effectLst/>
+                <a:latin typeface="Arial" panose="020B0604020202020204" pitchFamily="34" charset="0"/>
+              </a:rPr>
+              <a:t>Uberwindung</a:t>
+            </a:r>
+            <a:r>
+              <a:rPr lang="de-DE" b="0" i="0" dirty="0">
+                <a:effectLst/>
+                <a:latin typeface="Arial" panose="020B0604020202020204" pitchFamily="34" charset="0"/>
+              </a:rPr>
+              <a:t> der Feder-R ̈</a:t>
+            </a:r>
+            <a:r>
+              <a:rPr lang="de-DE" b="0" i="0" dirty="0" err="1">
+                <a:effectLst/>
+                <a:latin typeface="Arial" panose="020B0604020202020204" pitchFamily="34" charset="0"/>
+              </a:rPr>
+              <a:t>uckstellkraftkann</a:t>
+            </a:r>
+            <a:r>
+              <a:rPr lang="de-DE" b="0" i="0" dirty="0">
+                <a:effectLst/>
+                <a:latin typeface="Arial" panose="020B0604020202020204" pitchFamily="34" charset="0"/>
+              </a:rPr>
+              <a:t> </a:t>
+            </a:r>
+            <a:r>
+              <a:rPr lang="de-DE" b="0" i="0" dirty="0" err="1">
+                <a:effectLst/>
+                <a:latin typeface="Arial" panose="020B0604020202020204" pitchFamily="34" charset="0"/>
+              </a:rPr>
+              <a:t>unabh</a:t>
+            </a:r>
+            <a:r>
+              <a:rPr lang="de-DE" b="0" i="0" dirty="0">
+                <a:effectLst/>
+                <a:latin typeface="Arial" panose="020B0604020202020204" pitchFamily="34" charset="0"/>
+              </a:rPr>
+              <a:t> ̈</a:t>
+            </a:r>
+            <a:r>
+              <a:rPr lang="de-DE" b="0" i="0" dirty="0" err="1">
+                <a:effectLst/>
+                <a:latin typeface="Arial" panose="020B0604020202020204" pitchFamily="34" charset="0"/>
+              </a:rPr>
+              <a:t>angig</a:t>
+            </a:r>
+            <a:r>
+              <a:rPr lang="de-DE" b="0" i="0" dirty="0">
+                <a:effectLst/>
+                <a:latin typeface="Arial" panose="020B0604020202020204" pitchFamily="34" charset="0"/>
+              </a:rPr>
+              <a:t> voneinander sein. In jedem beliebigen Ar-</a:t>
+            </a:r>
+            <a:r>
+              <a:rPr lang="de-DE" b="0" i="0" dirty="0" err="1">
+                <a:effectLst/>
+                <a:latin typeface="Arial" panose="020B0604020202020204" pitchFamily="34" charset="0"/>
+              </a:rPr>
+              <a:t>beitspunkt</a:t>
+            </a:r>
+            <a:r>
+              <a:rPr lang="de-DE" b="0" i="0" dirty="0">
+                <a:effectLst/>
+                <a:latin typeface="Arial" panose="020B0604020202020204" pitchFamily="34" charset="0"/>
+              </a:rPr>
+              <a:t> kann die Kraft der Feder berechnet werden, </a:t>
+            </a:r>
+            <a:r>
+              <a:rPr lang="de-DE" b="0" i="0" dirty="0" err="1">
+                <a:effectLst/>
+                <a:latin typeface="Arial" panose="020B0604020202020204" pitchFamily="34" charset="0"/>
+              </a:rPr>
+              <a:t>undauf</a:t>
+            </a:r>
+            <a:r>
+              <a:rPr lang="de-DE" b="0" i="0" dirty="0">
+                <a:effectLst/>
+                <a:latin typeface="Arial" panose="020B0604020202020204" pitchFamily="34" charset="0"/>
+              </a:rPr>
+              <a:t> die </a:t>
+            </a:r>
+            <a:r>
+              <a:rPr lang="de-DE" b="0" i="0" dirty="0" err="1">
+                <a:effectLst/>
+                <a:latin typeface="Arial" panose="020B0604020202020204" pitchFamily="34" charset="0"/>
+              </a:rPr>
+              <a:t>Stellgr</a:t>
+            </a:r>
+            <a:r>
+              <a:rPr lang="de-DE" b="0" i="0" dirty="0">
+                <a:effectLst/>
+                <a:latin typeface="Arial" panose="020B0604020202020204" pitchFamily="34" charset="0"/>
+              </a:rPr>
+              <a:t> ̈</a:t>
+            </a:r>
+            <a:r>
+              <a:rPr lang="de-DE" b="0" i="0" dirty="0" err="1">
+                <a:effectLst/>
+                <a:latin typeface="Arial" panose="020B0604020202020204" pitchFamily="34" charset="0"/>
+              </a:rPr>
+              <a:t>oße</a:t>
+            </a:r>
+            <a:r>
+              <a:rPr lang="de-DE" b="0" i="0" dirty="0">
+                <a:effectLst/>
+                <a:latin typeface="Arial" panose="020B0604020202020204" pitchFamily="34" charset="0"/>
+              </a:rPr>
+              <a:t> oben drauf gerechnet werden. So kann </a:t>
+            </a:r>
+            <a:r>
+              <a:rPr lang="de-DE" b="0" i="0" dirty="0" err="1">
+                <a:effectLst/>
+                <a:latin typeface="Arial" panose="020B0604020202020204" pitchFamily="34" charset="0"/>
+              </a:rPr>
+              <a:t>sichder</a:t>
+            </a:r>
+            <a:r>
+              <a:rPr lang="de-DE" b="0" i="0" dirty="0">
+                <a:effectLst/>
+                <a:latin typeface="Arial" panose="020B0604020202020204" pitchFamily="34" charset="0"/>
+              </a:rPr>
+              <a:t> Regler auf </a:t>
+            </a:r>
+            <a:r>
+              <a:rPr lang="de-DE" b="0" i="0" dirty="0" err="1">
+                <a:effectLst/>
+                <a:latin typeface="Arial" panose="020B0604020202020204" pitchFamily="34" charset="0"/>
+              </a:rPr>
+              <a:t>dei</a:t>
+            </a:r>
+            <a:r>
+              <a:rPr lang="de-DE" b="0" i="0" dirty="0">
+                <a:effectLst/>
+                <a:latin typeface="Arial" panose="020B0604020202020204" pitchFamily="34" charset="0"/>
+              </a:rPr>
+              <a:t> Beschleunigung der Masse konzentrieren.</a:t>
+            </a:r>
+          </a:p>
+          <a:p>
+            <a:endParaRPr lang="de-DE" b="0" i="0" dirty="0">
+              <a:effectLst/>
+              <a:latin typeface="Arial" panose="020B0604020202020204" pitchFamily="34" charset="0"/>
+            </a:endParaRPr>
+          </a:p>
+          <a:p>
+            <a:r>
+              <a:rPr lang="de-DE" b="0" i="0" dirty="0">
+                <a:effectLst/>
+                <a:latin typeface="Arial" panose="020B0604020202020204" pitchFamily="34" charset="0"/>
+              </a:rPr>
+              <a:t>Parameter manuell optimiert</a:t>
+            </a:r>
+          </a:p>
+          <a:p>
+            <a:endParaRPr lang="de-DE" b="0" i="0" dirty="0">
+              <a:effectLst/>
+              <a:latin typeface="Arial" panose="020B0604020202020204" pitchFamily="34" charset="0"/>
+            </a:endParaRPr>
+          </a:p>
+          <a:p>
+            <a:r>
+              <a:rPr lang="de-DE" b="0" i="0" dirty="0">
+                <a:effectLst/>
+                <a:latin typeface="Arial" panose="020B0604020202020204" pitchFamily="34" charset="0"/>
+              </a:rPr>
+              <a:t>Back-</a:t>
+            </a:r>
+            <a:r>
+              <a:rPr lang="de-DE" b="0" i="0" dirty="0" err="1">
+                <a:effectLst/>
+                <a:latin typeface="Arial" panose="020B0604020202020204" pitchFamily="34" charset="0"/>
+              </a:rPr>
+              <a:t>calculation</a:t>
+            </a:r>
+            <a:r>
+              <a:rPr lang="de-DE" b="0" i="0" dirty="0">
+                <a:effectLst/>
+                <a:latin typeface="Arial" panose="020B0604020202020204" pitchFamily="34" charset="0"/>
+              </a:rPr>
+              <a:t> Methode für Anti </a:t>
+            </a:r>
+            <a:r>
+              <a:rPr lang="de-DE" b="0" i="0" dirty="0" err="1">
+                <a:effectLst/>
+                <a:latin typeface="Arial" panose="020B0604020202020204" pitchFamily="34" charset="0"/>
+              </a:rPr>
+              <a:t>Windup</a:t>
+            </a:r>
+            <a:endParaRPr lang="de-DE" dirty="0"/>
+          </a:p>
+        </p:txBody>
+      </p:sp>
+      <p:sp>
+        <p:nvSpPr>
+          <p:cNvPr id="4" name="Foliennummernplatzhalter 3"/>
+          <p:cNvSpPr>
+            <a:spLocks noGrp="1"/>
+          </p:cNvSpPr>
+          <p:nvPr>
+            <p:ph type="sldNum" sz="quarter" idx="5"/>
+          </p:nvPr>
+        </p:nvSpPr>
+        <p:spPr/>
+        <p:txBody>
+          <a:bodyPr/>
+          <a:lstStyle/>
+          <a:p>
+            <a:fld id="{2110C309-CD17-44EF-AC7C-D105D54C99EB}" type="slidenum">
+              <a:rPr lang="de-DE" smtClean="0"/>
+              <a:t>13</a:t>
+            </a:fld>
+            <a:endParaRPr lang="de-DE"/>
+          </a:p>
+        </p:txBody>
+      </p:sp>
+    </p:spTree>
+    <p:extLst>
+      <p:ext uri="{BB962C8B-B14F-4D97-AF65-F5344CB8AC3E}">
+        <p14:creationId xmlns:p14="http://schemas.microsoft.com/office/powerpoint/2010/main" val="3065817936"/>
+      </p:ext>
+    </p:extLst>
+  </p:cSld>
+  <p:clrMapOvr>
+    <a:masterClrMapping/>
+  </p:clrMapOvr>
+</p:notes>
+</file>
+
+<file path=ppt/notesSlides/notesSlide13.xml><?xml version="1.0" encoding="utf-8"?>
+<p:notes xmlns:a="http://schemas.openxmlformats.org/drawingml/2006/main" xmlns:r="http://schemas.openxmlformats.org/officeDocument/2006/relationships" xmlns:p="http://schemas.openxmlformats.org/presentationml/2006/main">
+  <p:cSld>
+    <p:spTree>
+      <p:nvGrpSpPr>
+        <p:cNvPr id="1" name=""/>
+        <p:cNvGrpSpPr/>
+        <p:nvPr/>
+      </p:nvGrpSpPr>
+      <p:grpSpPr>
+        <a:xfrm>
+          <a:off x="0" y="0"/>
+          <a:ext cx="0" cy="0"/>
+          <a:chOff x="0" y="0"/>
+          <a:chExt cx="0" cy="0"/>
+        </a:xfrm>
+      </p:grpSpPr>
+      <p:sp>
+        <p:nvSpPr>
+          <p:cNvPr id="2" name="Folienbildplatzhalter 1"/>
+          <p:cNvSpPr>
+            <a:spLocks noGrp="1" noRot="1" noChangeAspect="1"/>
+          </p:cNvSpPr>
+          <p:nvPr>
+            <p:ph type="sldImg"/>
+          </p:nvPr>
+        </p:nvSpPr>
+        <p:spPr/>
+      </p:sp>
+      <p:sp>
+        <p:nvSpPr>
+          <p:cNvPr id="3" name="Notizenplatzhalter 2"/>
+          <p:cNvSpPr>
+            <a:spLocks noGrp="1"/>
+          </p:cNvSpPr>
+          <p:nvPr>
+            <p:ph type="body" idx="1"/>
+          </p:nvPr>
+        </p:nvSpPr>
+        <p:spPr/>
+        <p:txBody>
+          <a:bodyPr/>
+          <a:lstStyle/>
+          <a:p>
+            <a:r>
+              <a:rPr lang="de-DE" dirty="0"/>
+              <a:t>Beschleunigung kann eingestellt werden in Stellglied</a:t>
+            </a:r>
+          </a:p>
+          <a:p>
+            <a:endParaRPr lang="de-DE" dirty="0"/>
+          </a:p>
+        </p:txBody>
+      </p:sp>
+      <p:sp>
+        <p:nvSpPr>
+          <p:cNvPr id="4" name="Foliennummernplatzhalter 3"/>
+          <p:cNvSpPr>
+            <a:spLocks noGrp="1"/>
+          </p:cNvSpPr>
+          <p:nvPr>
+            <p:ph type="sldNum" sz="quarter" idx="5"/>
+          </p:nvPr>
+        </p:nvSpPr>
+        <p:spPr/>
+        <p:txBody>
+          <a:bodyPr/>
+          <a:lstStyle/>
+          <a:p>
+            <a:fld id="{2110C309-CD17-44EF-AC7C-D105D54C99EB}" type="slidenum">
+              <a:rPr lang="de-DE" smtClean="0"/>
+              <a:t>14</a:t>
+            </a:fld>
+            <a:endParaRPr lang="de-DE"/>
+          </a:p>
+        </p:txBody>
+      </p:sp>
+    </p:spTree>
+    <p:extLst>
+      <p:ext uri="{BB962C8B-B14F-4D97-AF65-F5344CB8AC3E}">
+        <p14:creationId xmlns:p14="http://schemas.microsoft.com/office/powerpoint/2010/main" val="1686228199"/>
       </p:ext>
     </p:extLst>
   </p:cSld>
@@ -615,22 +1218,19 @@
           <a:p>
             <a:r>
               <a:rPr lang="de-DE" dirty="0"/>
-              <a:t>2. Schritt</a:t>
-            </a:r>
-          </a:p>
-          <a:p>
-            <a:endParaRPr lang="de-DE" dirty="0"/>
+              <a:t>X (0; 1m)</a:t>
+            </a:r>
           </a:p>
           <a:p>
             <a:r>
               <a:rPr lang="de-DE" dirty="0"/>
-              <a:t>- Auflösen nach höchster Ableitung von x</a:t>
+              <a:t>Begrenzte Beschleunigung</a:t>
             </a:r>
           </a:p>
           <a:p>
             <a:r>
               <a:rPr lang="de-DE" dirty="0"/>
-              <a:t>- Nachbauen in Simulink</a:t>
+              <a:t>Kein Überschwingen</a:t>
             </a:r>
           </a:p>
         </p:txBody>
@@ -652,7 +1252,7 @@
           <a:p>
             <a:fld id="{2110C309-CD17-44EF-AC7C-D105D54C99EB}" type="slidenum">
               <a:rPr lang="de-DE" smtClean="0"/>
-              <a:t>5</a:t>
+              <a:t>3</a:t>
             </a:fld>
             <a:endParaRPr lang="de-DE"/>
           </a:p>
@@ -661,7 +1261,7 @@
     </p:spTree>
     <p:extLst>
       <p:ext uri="{BB962C8B-B14F-4D97-AF65-F5344CB8AC3E}">
-        <p14:creationId xmlns:p14="http://schemas.microsoft.com/office/powerpoint/2010/main" val="1097126756"/>
+        <p14:creationId xmlns:p14="http://schemas.microsoft.com/office/powerpoint/2010/main" val="2579471523"/>
       </p:ext>
     </p:extLst>
   </p:cSld>
@@ -716,6 +1316,213 @@
           <a:lstStyle/>
           <a:p>
             <a:r>
+              <a:rPr lang="de-DE" dirty="0"/>
+              <a:t>Das System soll in Simulink Modelliert werden</a:t>
+            </a:r>
+          </a:p>
+          <a:p>
+            <a:endParaRPr lang="de-DE" dirty="0"/>
+          </a:p>
+          <a:p>
+            <a:r>
+              <a:rPr lang="de-DE" dirty="0"/>
+              <a:t>Dazu sind 2 einfache Schritte notwendig</a:t>
+            </a:r>
+          </a:p>
+          <a:p>
+            <a:endParaRPr lang="de-DE" dirty="0"/>
+          </a:p>
+          <a:p>
+            <a:r>
+              <a:rPr lang="de-DE" dirty="0"/>
+              <a:t>1. Aufstellen der Differentialgleichung</a:t>
+            </a:r>
+          </a:p>
+        </p:txBody>
+      </p:sp>
+      <p:sp>
+        <p:nvSpPr>
+          <p:cNvPr id="4" name="Foliennummernplatzhalter 3"/>
+          <p:cNvSpPr>
+            <a:spLocks noGrp="1"/>
+          </p:cNvSpPr>
+          <p:nvPr>
+            <p:ph type="sldNum" sz="quarter" idx="5"/>
+          </p:nvPr>
+        </p:nvSpPr>
+        <p:spPr/>
+        <p:txBody>
+          <a:bodyPr/>
+          <a:lstStyle/>
+          <a:p>
+            <a:fld id="{2110C309-CD17-44EF-AC7C-D105D54C99EB}" type="slidenum">
+              <a:rPr lang="de-DE" smtClean="0"/>
+              <a:t>4</a:t>
+            </a:fld>
+            <a:endParaRPr lang="de-DE"/>
+          </a:p>
+        </p:txBody>
+      </p:sp>
+    </p:spTree>
+    <p:extLst>
+      <p:ext uri="{BB962C8B-B14F-4D97-AF65-F5344CB8AC3E}">
+        <p14:creationId xmlns:p14="http://schemas.microsoft.com/office/powerpoint/2010/main" val="2599051649"/>
+      </p:ext>
+    </p:extLst>
+  </p:cSld>
+  <p:clrMapOvr>
+    <a:masterClrMapping/>
+  </p:clrMapOvr>
+</p:notes>
+</file>
+
+<file path=ppt/notesSlides/notesSlide4.xml><?xml version="1.0" encoding="utf-8"?>
+<p:notes xmlns:a="http://schemas.openxmlformats.org/drawingml/2006/main" xmlns:r="http://schemas.openxmlformats.org/officeDocument/2006/relationships" xmlns:p="http://schemas.openxmlformats.org/presentationml/2006/main">
+  <p:cSld>
+    <p:spTree>
+      <p:nvGrpSpPr>
+        <p:cNvPr id="1" name=""/>
+        <p:cNvGrpSpPr/>
+        <p:nvPr/>
+      </p:nvGrpSpPr>
+      <p:grpSpPr>
+        <a:xfrm>
+          <a:off x="0" y="0"/>
+          <a:ext cx="0" cy="0"/>
+          <a:chOff x="0" y="0"/>
+          <a:chExt cx="0" cy="0"/>
+        </a:xfrm>
+      </p:grpSpPr>
+      <p:sp>
+        <p:nvSpPr>
+          <p:cNvPr id="2" name="Folienbildplatzhalter 1"/>
+          <p:cNvSpPr>
+            <a:spLocks noGrp="1" noRot="1" noChangeAspect="1"/>
+          </p:cNvSpPr>
+          <p:nvPr>
+            <p:ph type="sldImg"/>
+          </p:nvPr>
+        </p:nvSpPr>
+        <p:spPr/>
+      </p:sp>
+      <p:sp>
+        <p:nvSpPr>
+          <p:cNvPr id="3" name="Notizenplatzhalter 2"/>
+          <p:cNvSpPr>
+            <a:spLocks noGrp="1"/>
+          </p:cNvSpPr>
+          <p:nvPr>
+            <p:ph type="body" idx="1"/>
+          </p:nvPr>
+        </p:nvSpPr>
+        <p:spPr/>
+        <p:txBody>
+          <a:bodyPr/>
+          <a:lstStyle/>
+          <a:p>
+            <a:r>
+              <a:rPr lang="de-DE" dirty="0"/>
+              <a:t>2. Schritt</a:t>
+            </a:r>
+          </a:p>
+          <a:p>
+            <a:endParaRPr lang="de-DE" dirty="0"/>
+          </a:p>
+          <a:p>
+            <a:r>
+              <a:rPr lang="de-DE" dirty="0"/>
+              <a:t>- Auflösen nach höchster Ableitung von x</a:t>
+            </a:r>
+          </a:p>
+          <a:p>
+            <a:r>
+              <a:rPr lang="de-DE" dirty="0"/>
+              <a:t>- Nachbauen in Simulink</a:t>
+            </a:r>
+          </a:p>
+        </p:txBody>
+      </p:sp>
+      <p:sp>
+        <p:nvSpPr>
+          <p:cNvPr id="4" name="Foliennummernplatzhalter 3"/>
+          <p:cNvSpPr>
+            <a:spLocks noGrp="1"/>
+          </p:cNvSpPr>
+          <p:nvPr>
+            <p:ph type="sldNum" sz="quarter" idx="5"/>
+          </p:nvPr>
+        </p:nvSpPr>
+        <p:spPr/>
+        <p:txBody>
+          <a:bodyPr/>
+          <a:lstStyle/>
+          <a:p>
+            <a:fld id="{2110C309-CD17-44EF-AC7C-D105D54C99EB}" type="slidenum">
+              <a:rPr lang="de-DE" smtClean="0"/>
+              <a:t>5</a:t>
+            </a:fld>
+            <a:endParaRPr lang="de-DE"/>
+          </a:p>
+        </p:txBody>
+      </p:sp>
+    </p:spTree>
+    <p:extLst>
+      <p:ext uri="{BB962C8B-B14F-4D97-AF65-F5344CB8AC3E}">
+        <p14:creationId xmlns:p14="http://schemas.microsoft.com/office/powerpoint/2010/main" val="1097126756"/>
+      </p:ext>
+    </p:extLst>
+  </p:cSld>
+  <p:clrMapOvr>
+    <a:masterClrMapping/>
+  </p:clrMapOvr>
+</p:notes>
+</file>
+
+<file path=ppt/notesSlides/notesSlide5.xml><?xml version="1.0" encoding="utf-8"?>
+<p:notes xmlns:a="http://schemas.openxmlformats.org/drawingml/2006/main" xmlns:r="http://schemas.openxmlformats.org/officeDocument/2006/relationships" xmlns:p="http://schemas.openxmlformats.org/presentationml/2006/main">
+  <p:cSld>
+    <p:spTree>
+      <p:nvGrpSpPr>
+        <p:cNvPr id="1" name=""/>
+        <p:cNvGrpSpPr/>
+        <p:nvPr/>
+      </p:nvGrpSpPr>
+      <p:grpSpPr>
+        <a:xfrm>
+          <a:off x="0" y="0"/>
+          <a:ext cx="0" cy="0"/>
+          <a:chOff x="0" y="0"/>
+          <a:chExt cx="0" cy="0"/>
+        </a:xfrm>
+      </p:grpSpPr>
+      <p:sp>
+        <p:nvSpPr>
+          <p:cNvPr id="2" name="Folienbildplatzhalter 1"/>
+          <p:cNvSpPr>
+            <a:spLocks noGrp="1" noRot="1" noChangeAspect="1"/>
+          </p:cNvSpPr>
+          <p:nvPr>
+            <p:ph type="sldImg"/>
+          </p:nvPr>
+        </p:nvSpPr>
+        <p:spPr/>
+      </p:sp>
+      <p:sp>
+        <p:nvSpPr>
+          <p:cNvPr id="3" name="Notizenplatzhalter 2"/>
+          <p:cNvSpPr>
+            <a:spLocks noGrp="1"/>
+          </p:cNvSpPr>
+          <p:nvPr>
+            <p:ph type="body" idx="1"/>
+          </p:nvPr>
+        </p:nvSpPr>
+        <p:spPr/>
+        <p:txBody>
+          <a:bodyPr/>
+          <a:lstStyle/>
+          <a:p>
+            <a:r>
               <a:rPr lang="de-DE" b="0" i="0" dirty="0">
                 <a:effectLst/>
                 <a:latin typeface="Arial" panose="020B0604020202020204" pitchFamily="34" charset="0"/>
@@ -753,6 +1560,485 @@
     <p:extLst>
       <p:ext uri="{BB962C8B-B14F-4D97-AF65-F5344CB8AC3E}">
         <p14:creationId xmlns:p14="http://schemas.microsoft.com/office/powerpoint/2010/main" val="3454296189"/>
+      </p:ext>
+    </p:extLst>
+  </p:cSld>
+  <p:clrMapOvr>
+    <a:masterClrMapping/>
+  </p:clrMapOvr>
+</p:notes>
+</file>
+
+<file path=ppt/notesSlides/notesSlide6.xml><?xml version="1.0" encoding="utf-8"?>
+<p:notes xmlns:a="http://schemas.openxmlformats.org/drawingml/2006/main" xmlns:r="http://schemas.openxmlformats.org/officeDocument/2006/relationships" xmlns:p="http://schemas.openxmlformats.org/presentationml/2006/main">
+  <p:cSld>
+    <p:spTree>
+      <p:nvGrpSpPr>
+        <p:cNvPr id="1" name=""/>
+        <p:cNvGrpSpPr/>
+        <p:nvPr/>
+      </p:nvGrpSpPr>
+      <p:grpSpPr>
+        <a:xfrm>
+          <a:off x="0" y="0"/>
+          <a:ext cx="0" cy="0"/>
+          <a:chOff x="0" y="0"/>
+          <a:chExt cx="0" cy="0"/>
+        </a:xfrm>
+      </p:grpSpPr>
+      <p:sp>
+        <p:nvSpPr>
+          <p:cNvPr id="2" name="Folienbildplatzhalter 1"/>
+          <p:cNvSpPr>
+            <a:spLocks noGrp="1" noRot="1" noChangeAspect="1"/>
+          </p:cNvSpPr>
+          <p:nvPr>
+            <p:ph type="sldImg"/>
+          </p:nvPr>
+        </p:nvSpPr>
+        <p:spPr/>
+      </p:sp>
+      <p:sp>
+        <p:nvSpPr>
+          <p:cNvPr id="3" name="Notizenplatzhalter 2"/>
+          <p:cNvSpPr>
+            <a:spLocks noGrp="1"/>
+          </p:cNvSpPr>
+          <p:nvPr>
+            <p:ph type="body" idx="1"/>
+          </p:nvPr>
+        </p:nvSpPr>
+        <p:spPr/>
+        <p:txBody>
+          <a:bodyPr/>
+          <a:lstStyle/>
+          <a:p>
+            <a:r>
+              <a:rPr lang="de-DE" dirty="0"/>
+              <a:t>Analoger Wert des Sensors wird von einem Sensor ausgelesen und digitalisiert.</a:t>
+            </a:r>
+          </a:p>
+        </p:txBody>
+      </p:sp>
+      <p:sp>
+        <p:nvSpPr>
+          <p:cNvPr id="4" name="Foliennummernplatzhalter 3"/>
+          <p:cNvSpPr>
+            <a:spLocks noGrp="1"/>
+          </p:cNvSpPr>
+          <p:nvPr>
+            <p:ph type="sldNum" sz="quarter" idx="5"/>
+          </p:nvPr>
+        </p:nvSpPr>
+        <p:spPr/>
+        <p:txBody>
+          <a:bodyPr/>
+          <a:lstStyle/>
+          <a:p>
+            <a:fld id="{2110C309-CD17-44EF-AC7C-D105D54C99EB}" type="slidenum">
+              <a:rPr lang="de-DE" smtClean="0"/>
+              <a:t>7</a:t>
+            </a:fld>
+            <a:endParaRPr lang="de-DE"/>
+          </a:p>
+        </p:txBody>
+      </p:sp>
+    </p:spTree>
+    <p:extLst>
+      <p:ext uri="{BB962C8B-B14F-4D97-AF65-F5344CB8AC3E}">
+        <p14:creationId xmlns:p14="http://schemas.microsoft.com/office/powerpoint/2010/main" val="2608792631"/>
+      </p:ext>
+    </p:extLst>
+  </p:cSld>
+  <p:clrMapOvr>
+    <a:masterClrMapping/>
+  </p:clrMapOvr>
+</p:notes>
+</file>
+
+<file path=ppt/notesSlides/notesSlide7.xml><?xml version="1.0" encoding="utf-8"?>
+<p:notes xmlns:a="http://schemas.openxmlformats.org/drawingml/2006/main" xmlns:r="http://schemas.openxmlformats.org/officeDocument/2006/relationships" xmlns:p="http://schemas.openxmlformats.org/presentationml/2006/main">
+  <p:cSld>
+    <p:spTree>
+      <p:nvGrpSpPr>
+        <p:cNvPr id="1" name=""/>
+        <p:cNvGrpSpPr/>
+        <p:nvPr/>
+      </p:nvGrpSpPr>
+      <p:grpSpPr>
+        <a:xfrm>
+          <a:off x="0" y="0"/>
+          <a:ext cx="0" cy="0"/>
+          <a:chOff x="0" y="0"/>
+          <a:chExt cx="0" cy="0"/>
+        </a:xfrm>
+      </p:grpSpPr>
+      <p:sp>
+        <p:nvSpPr>
+          <p:cNvPr id="2" name="Folienbildplatzhalter 1"/>
+          <p:cNvSpPr>
+            <a:spLocks noGrp="1" noRot="1" noChangeAspect="1"/>
+          </p:cNvSpPr>
+          <p:nvPr>
+            <p:ph type="sldImg"/>
+          </p:nvPr>
+        </p:nvSpPr>
+        <p:spPr/>
+      </p:sp>
+      <p:sp>
+        <p:nvSpPr>
+          <p:cNvPr id="3" name="Notizenplatzhalter 2"/>
+          <p:cNvSpPr>
+            <a:spLocks noGrp="1"/>
+          </p:cNvSpPr>
+          <p:nvPr>
+            <p:ph type="body" idx="1"/>
+          </p:nvPr>
+        </p:nvSpPr>
+        <p:spPr/>
+        <p:txBody>
+          <a:bodyPr/>
+          <a:lstStyle/>
+          <a:p>
+            <a:r>
+              <a:rPr lang="de-DE" b="0" i="0" dirty="0">
+                <a:effectLst/>
+                <a:latin typeface="Arial" panose="020B0604020202020204" pitchFamily="34" charset="0"/>
+              </a:rPr>
+              <a:t>Da es in dieser Simulation keine St ̈</a:t>
+            </a:r>
+            <a:r>
+              <a:rPr lang="de-DE" b="0" i="0" dirty="0" err="1">
+                <a:effectLst/>
+                <a:latin typeface="Arial" panose="020B0604020202020204" pitchFamily="34" charset="0"/>
+              </a:rPr>
+              <a:t>orun</a:t>
+            </a:r>
+            <a:r>
+              <a:rPr lang="de-DE" b="0" i="0" dirty="0">
+                <a:effectLst/>
+                <a:latin typeface="Arial" panose="020B0604020202020204" pitchFamily="34" charset="0"/>
+              </a:rPr>
+              <a:t>-gen gibt, w ̈</a:t>
+            </a:r>
+            <a:r>
+              <a:rPr lang="de-DE" b="0" i="0" dirty="0" err="1">
+                <a:effectLst/>
+                <a:latin typeface="Arial" panose="020B0604020202020204" pitchFamily="34" charset="0"/>
+              </a:rPr>
+              <a:t>are</a:t>
+            </a:r>
+            <a:r>
+              <a:rPr lang="de-DE" b="0" i="0" dirty="0">
+                <a:effectLst/>
+                <a:latin typeface="Arial" panose="020B0604020202020204" pitchFamily="34" charset="0"/>
+              </a:rPr>
+              <a:t> kein Anti-Aliasing-Filter notwendig.</a:t>
+            </a:r>
+          </a:p>
+          <a:p>
+            <a:endParaRPr lang="de-DE" b="0" i="0" dirty="0">
+              <a:effectLst/>
+              <a:latin typeface="Arial" panose="020B0604020202020204" pitchFamily="34" charset="0"/>
+            </a:endParaRPr>
+          </a:p>
+          <a:p>
+            <a:r>
+              <a:rPr lang="de-DE" b="0" i="0" dirty="0" err="1">
+                <a:effectLst/>
+                <a:latin typeface="Arial" panose="020B0604020202020204" pitchFamily="34" charset="0"/>
+              </a:rPr>
+              <a:t>Nyquist</a:t>
+            </a:r>
+            <a:r>
+              <a:rPr lang="de-DE" b="0" i="0" dirty="0">
+                <a:effectLst/>
+                <a:latin typeface="Arial" panose="020B0604020202020204" pitchFamily="34" charset="0"/>
+              </a:rPr>
+              <a:t>-Shannon-Abtasttheorems besagt</a:t>
+            </a:r>
+          </a:p>
+          <a:p>
+            <a:endParaRPr lang="de-DE" b="0" i="0" dirty="0">
+              <a:effectLst/>
+              <a:latin typeface="Arial" panose="020B0604020202020204" pitchFamily="34" charset="0"/>
+            </a:endParaRPr>
+          </a:p>
+          <a:p>
+            <a:r>
+              <a:rPr lang="de-DE" b="0" i="0" dirty="0">
+                <a:effectLst/>
+                <a:latin typeface="Arial" panose="020B0604020202020204" pitchFamily="34" charset="0"/>
+              </a:rPr>
+              <a:t>Maximal Vorkommende Frequenz in Signal muss kleiner sein als die Hälfte der Abtastfrequenz</a:t>
+            </a:r>
+          </a:p>
+          <a:p>
+            <a:endParaRPr lang="de-DE" b="0" i="0" dirty="0">
+              <a:effectLst/>
+              <a:latin typeface="Arial" panose="020B0604020202020204" pitchFamily="34" charset="0"/>
+            </a:endParaRPr>
+          </a:p>
+          <a:p>
+            <a:r>
+              <a:rPr lang="de-DE" b="0" i="0" dirty="0">
+                <a:effectLst/>
+                <a:latin typeface="Arial" panose="020B0604020202020204" pitchFamily="34" charset="0"/>
+              </a:rPr>
+              <a:t>Tiefpass 1.Ordnung</a:t>
+            </a:r>
+            <a:endParaRPr lang="de-DE" dirty="0"/>
+          </a:p>
+        </p:txBody>
+      </p:sp>
+      <p:sp>
+        <p:nvSpPr>
+          <p:cNvPr id="4" name="Foliennummernplatzhalter 3"/>
+          <p:cNvSpPr>
+            <a:spLocks noGrp="1"/>
+          </p:cNvSpPr>
+          <p:nvPr>
+            <p:ph type="sldNum" sz="quarter" idx="5"/>
+          </p:nvPr>
+        </p:nvSpPr>
+        <p:spPr/>
+        <p:txBody>
+          <a:bodyPr/>
+          <a:lstStyle/>
+          <a:p>
+            <a:fld id="{2110C309-CD17-44EF-AC7C-D105D54C99EB}" type="slidenum">
+              <a:rPr lang="de-DE" smtClean="0"/>
+              <a:t>8</a:t>
+            </a:fld>
+            <a:endParaRPr lang="de-DE"/>
+          </a:p>
+        </p:txBody>
+      </p:sp>
+    </p:spTree>
+    <p:extLst>
+      <p:ext uri="{BB962C8B-B14F-4D97-AF65-F5344CB8AC3E}">
+        <p14:creationId xmlns:p14="http://schemas.microsoft.com/office/powerpoint/2010/main" val="1860561650"/>
+      </p:ext>
+    </p:extLst>
+  </p:cSld>
+  <p:clrMapOvr>
+    <a:masterClrMapping/>
+  </p:clrMapOvr>
+</p:notes>
+</file>
+
+<file path=ppt/notesSlides/notesSlide8.xml><?xml version="1.0" encoding="utf-8"?>
+<p:notes xmlns:a="http://schemas.openxmlformats.org/drawingml/2006/main" xmlns:r="http://schemas.openxmlformats.org/officeDocument/2006/relationships" xmlns:p="http://schemas.openxmlformats.org/presentationml/2006/main">
+  <p:cSld>
+    <p:spTree>
+      <p:nvGrpSpPr>
+        <p:cNvPr id="1" name=""/>
+        <p:cNvGrpSpPr/>
+        <p:nvPr/>
+      </p:nvGrpSpPr>
+      <p:grpSpPr>
+        <a:xfrm>
+          <a:off x="0" y="0"/>
+          <a:ext cx="0" cy="0"/>
+          <a:chOff x="0" y="0"/>
+          <a:chExt cx="0" cy="0"/>
+        </a:xfrm>
+      </p:grpSpPr>
+      <p:sp>
+        <p:nvSpPr>
+          <p:cNvPr id="2" name="Folienbildplatzhalter 1"/>
+          <p:cNvSpPr>
+            <a:spLocks noGrp="1" noRot="1" noChangeAspect="1"/>
+          </p:cNvSpPr>
+          <p:nvPr>
+            <p:ph type="sldImg"/>
+          </p:nvPr>
+        </p:nvSpPr>
+        <p:spPr/>
+      </p:sp>
+      <p:sp>
+        <p:nvSpPr>
+          <p:cNvPr id="3" name="Notizenplatzhalter 2"/>
+          <p:cNvSpPr>
+            <a:spLocks noGrp="1"/>
+          </p:cNvSpPr>
+          <p:nvPr>
+            <p:ph type="body" idx="1"/>
+          </p:nvPr>
+        </p:nvSpPr>
+        <p:spPr/>
+        <p:txBody>
+          <a:bodyPr/>
+          <a:lstStyle/>
+          <a:p>
+            <a:r>
+              <a:rPr lang="de-DE" b="0" i="0" dirty="0">
+                <a:effectLst/>
+                <a:latin typeface="Arial" panose="020B0604020202020204" pitchFamily="34" charset="0"/>
+              </a:rPr>
+              <a:t>PARAMETER-BERECHNUNG NACH ZIEGLER-NICHOLS</a:t>
+            </a:r>
+            <a:endParaRPr lang="de-DE" dirty="0"/>
+          </a:p>
+        </p:txBody>
+      </p:sp>
+      <p:sp>
+        <p:nvSpPr>
+          <p:cNvPr id="4" name="Foliennummernplatzhalter 3"/>
+          <p:cNvSpPr>
+            <a:spLocks noGrp="1"/>
+          </p:cNvSpPr>
+          <p:nvPr>
+            <p:ph type="sldNum" sz="quarter" idx="5"/>
+          </p:nvPr>
+        </p:nvSpPr>
+        <p:spPr/>
+        <p:txBody>
+          <a:bodyPr/>
+          <a:lstStyle/>
+          <a:p>
+            <a:fld id="{2110C309-CD17-44EF-AC7C-D105D54C99EB}" type="slidenum">
+              <a:rPr lang="de-DE" smtClean="0"/>
+              <a:t>9</a:t>
+            </a:fld>
+            <a:endParaRPr lang="de-DE"/>
+          </a:p>
+        </p:txBody>
+      </p:sp>
+    </p:spTree>
+    <p:extLst>
+      <p:ext uri="{BB962C8B-B14F-4D97-AF65-F5344CB8AC3E}">
+        <p14:creationId xmlns:p14="http://schemas.microsoft.com/office/powerpoint/2010/main" val="3845467691"/>
+      </p:ext>
+    </p:extLst>
+  </p:cSld>
+  <p:clrMapOvr>
+    <a:masterClrMapping/>
+  </p:clrMapOvr>
+</p:notes>
+</file>
+
+<file path=ppt/notesSlides/notesSlide9.xml><?xml version="1.0" encoding="utf-8"?>
+<p:notes xmlns:a="http://schemas.openxmlformats.org/drawingml/2006/main" xmlns:r="http://schemas.openxmlformats.org/officeDocument/2006/relationships" xmlns:p="http://schemas.openxmlformats.org/presentationml/2006/main">
+  <p:cSld>
+    <p:spTree>
+      <p:nvGrpSpPr>
+        <p:cNvPr id="1" name=""/>
+        <p:cNvGrpSpPr/>
+        <p:nvPr/>
+      </p:nvGrpSpPr>
+      <p:grpSpPr>
+        <a:xfrm>
+          <a:off x="0" y="0"/>
+          <a:ext cx="0" cy="0"/>
+          <a:chOff x="0" y="0"/>
+          <a:chExt cx="0" cy="0"/>
+        </a:xfrm>
+      </p:grpSpPr>
+      <p:sp>
+        <p:nvSpPr>
+          <p:cNvPr id="2" name="Folienbildplatzhalter 1"/>
+          <p:cNvSpPr>
+            <a:spLocks noGrp="1" noRot="1" noChangeAspect="1"/>
+          </p:cNvSpPr>
+          <p:nvPr>
+            <p:ph type="sldImg"/>
+          </p:nvPr>
+        </p:nvSpPr>
+        <p:spPr/>
+      </p:sp>
+      <p:sp>
+        <p:nvSpPr>
+          <p:cNvPr id="3" name="Notizenplatzhalter 2"/>
+          <p:cNvSpPr>
+            <a:spLocks noGrp="1"/>
+          </p:cNvSpPr>
+          <p:nvPr>
+            <p:ph type="body" idx="1"/>
+          </p:nvPr>
+        </p:nvSpPr>
+        <p:spPr/>
+        <p:txBody>
+          <a:bodyPr/>
+          <a:lstStyle/>
+          <a:p>
+            <a:r>
+              <a:rPr lang="de-DE" b="0" i="0" dirty="0">
+                <a:effectLst/>
+                <a:latin typeface="Arial" panose="020B0604020202020204" pitchFamily="34" charset="0"/>
+              </a:rPr>
+              <a:t>Optimalerweise sollte ein Aperiodische Regelverhalten er-reicht werden</a:t>
+            </a:r>
+          </a:p>
+          <a:p>
+            <a:endParaRPr lang="de-DE" b="0" i="0" dirty="0">
+              <a:effectLst/>
+              <a:latin typeface="Arial" panose="020B0604020202020204" pitchFamily="34" charset="0"/>
+            </a:endParaRPr>
+          </a:p>
+          <a:p>
+            <a:r>
+              <a:rPr lang="de-DE" b="0" i="0" dirty="0">
+                <a:effectLst/>
+                <a:latin typeface="Arial" panose="020B0604020202020204" pitchFamily="34" charset="0"/>
+              </a:rPr>
+              <a:t>Verringern der Geschwindigkeit und damit verringern der Schwingung</a:t>
+            </a:r>
+          </a:p>
+          <a:p>
+            <a:endParaRPr lang="de-DE" b="0" i="0" dirty="0">
+              <a:effectLst/>
+              <a:latin typeface="Arial" panose="020B0604020202020204" pitchFamily="34" charset="0"/>
+            </a:endParaRPr>
+          </a:p>
+          <a:p>
+            <a:r>
+              <a:rPr lang="de-DE" b="0" i="0" dirty="0">
+                <a:effectLst/>
+                <a:latin typeface="Arial" panose="020B0604020202020204" pitchFamily="34" charset="0"/>
+              </a:rPr>
+              <a:t>Erhöhen des D-Anteils  …. </a:t>
+            </a:r>
+          </a:p>
+          <a:p>
+            <a:r>
+              <a:rPr lang="de-DE" b="0" i="0" dirty="0">
+                <a:effectLst/>
+                <a:latin typeface="Arial" panose="020B0604020202020204" pitchFamily="34" charset="0"/>
+              </a:rPr>
+              <a:t>Um Faktor 10</a:t>
+            </a:r>
+            <a:endParaRPr lang="de-DE" dirty="0"/>
+          </a:p>
+        </p:txBody>
+      </p:sp>
+      <p:sp>
+        <p:nvSpPr>
+          <p:cNvPr id="4" name="Foliennummernplatzhalter 3"/>
+          <p:cNvSpPr>
+            <a:spLocks noGrp="1"/>
+          </p:cNvSpPr>
+          <p:nvPr>
+            <p:ph type="sldNum" sz="quarter" idx="5"/>
+          </p:nvPr>
+        </p:nvSpPr>
+        <p:spPr/>
+        <p:txBody>
+          <a:bodyPr/>
+          <a:lstStyle/>
+          <a:p>
+            <a:fld id="{2110C309-CD17-44EF-AC7C-D105D54C99EB}" type="slidenum">
+              <a:rPr lang="de-DE" smtClean="0"/>
+              <a:t>10</a:t>
+            </a:fld>
+            <a:endParaRPr lang="de-DE"/>
+          </a:p>
+        </p:txBody>
+      </p:sp>
+    </p:spTree>
+    <p:extLst>
+      <p:ext uri="{BB962C8B-B14F-4D97-AF65-F5344CB8AC3E}">
+        <p14:creationId xmlns:p14="http://schemas.microsoft.com/office/powerpoint/2010/main" val="3900030094"/>
       </p:ext>
     </p:extLst>
   </p:cSld>
@@ -3734,6 +5020,1258 @@
 </p:sld>
 </file>
 
+<file path=ppt/slides/slide10.xml><?xml version="1.0" encoding="utf-8"?>
+<p:sld xmlns:a="http://schemas.openxmlformats.org/drawingml/2006/main" xmlns:r="http://schemas.openxmlformats.org/officeDocument/2006/relationships" xmlns:p="http://schemas.openxmlformats.org/presentationml/2006/main">
+  <p:cSld>
+    <p:spTree>
+      <p:nvGrpSpPr>
+        <p:cNvPr id="1" name=""/>
+        <p:cNvGrpSpPr/>
+        <p:nvPr/>
+      </p:nvGrpSpPr>
+      <p:grpSpPr>
+        <a:xfrm>
+          <a:off x="0" y="0"/>
+          <a:ext cx="0" cy="0"/>
+          <a:chOff x="0" y="0"/>
+          <a:chExt cx="0" cy="0"/>
+        </a:xfrm>
+      </p:grpSpPr>
+      <p:sp>
+        <p:nvSpPr>
+          <p:cNvPr id="2" name="Titel 1">
+            <a:extLst>
+              <a:ext uri="{FF2B5EF4-FFF2-40B4-BE49-F238E27FC236}">
+                <a16:creationId xmlns:a16="http://schemas.microsoft.com/office/drawing/2014/main" id="{3A9D6DC3-7C1B-47F5-9E07-C5B70BDD327C}"/>
+              </a:ext>
+            </a:extLst>
+          </p:cNvPr>
+          <p:cNvSpPr>
+            <a:spLocks noGrp="1"/>
+          </p:cNvSpPr>
+          <p:nvPr>
+            <p:ph type="title"/>
+          </p:nvPr>
+        </p:nvSpPr>
+        <p:spPr>
+          <a:xfrm>
+            <a:off x="838200" y="346075"/>
+            <a:ext cx="10515600" cy="1325563"/>
+          </a:xfrm>
+        </p:spPr>
+        <p:txBody>
+          <a:bodyPr/>
+          <a:lstStyle/>
+          <a:p>
+            <a:pPr algn="ctr"/>
+            <a:r>
+              <a:rPr lang="de-DE" dirty="0"/>
+              <a:t>Regelverhalten nach Ziegler-Nichols</a:t>
+            </a:r>
+          </a:p>
+        </p:txBody>
+      </p:sp>
+      <p:pic>
+        <p:nvPicPr>
+          <p:cNvPr id="7" name="Grafik 6" descr="Ein Bild, das Screenshot, sitzend, Tisch enthält.&#10;&#10;Automatisch generierte Beschreibung">
+            <a:extLst>
+              <a:ext uri="{FF2B5EF4-FFF2-40B4-BE49-F238E27FC236}">
+                <a16:creationId xmlns:a16="http://schemas.microsoft.com/office/drawing/2014/main" id="{9D4F4FDF-735D-4AA0-A511-A36E528321B2}"/>
+              </a:ext>
+            </a:extLst>
+          </p:cNvPr>
+          <p:cNvPicPr>
+            <a:picLocks noChangeAspect="1"/>
+          </p:cNvPicPr>
+          <p:nvPr/>
+        </p:nvPicPr>
+        <p:blipFill>
+          <a:blip r:embed="rId3">
+            <a:extLst>
+              <a:ext uri="{28A0092B-C50C-407E-A947-70E740481C1C}">
+                <a14:useLocalDpi xmlns:a14="http://schemas.microsoft.com/office/drawing/2010/main" val="0"/>
+              </a:ext>
+            </a:extLst>
+          </a:blip>
+          <a:stretch>
+            <a:fillRect/>
+          </a:stretch>
+        </p:blipFill>
+        <p:spPr>
+          <a:xfrm>
+            <a:off x="2008039" y="2086142"/>
+            <a:ext cx="8175922" cy="3736807"/>
+          </a:xfrm>
+          <a:prstGeom prst="rect">
+            <a:avLst/>
+          </a:prstGeom>
+        </p:spPr>
+      </p:pic>
+    </p:spTree>
+    <p:extLst>
+      <p:ext uri="{BB962C8B-B14F-4D97-AF65-F5344CB8AC3E}">
+        <p14:creationId xmlns:p14="http://schemas.microsoft.com/office/powerpoint/2010/main" val="741160130"/>
+      </p:ext>
+    </p:extLst>
+  </p:cSld>
+  <p:clrMapOvr>
+    <a:masterClrMapping/>
+  </p:clrMapOvr>
+</p:sld>
+</file>
+
+<file path=ppt/slides/slide11.xml><?xml version="1.0" encoding="utf-8"?>
+<p:sld xmlns:a="http://schemas.openxmlformats.org/drawingml/2006/main" xmlns:r="http://schemas.openxmlformats.org/officeDocument/2006/relationships" xmlns:p="http://schemas.openxmlformats.org/presentationml/2006/main">
+  <p:cSld>
+    <p:spTree>
+      <p:nvGrpSpPr>
+        <p:cNvPr id="1" name=""/>
+        <p:cNvGrpSpPr/>
+        <p:nvPr/>
+      </p:nvGrpSpPr>
+      <p:grpSpPr>
+        <a:xfrm>
+          <a:off x="0" y="0"/>
+          <a:ext cx="0" cy="0"/>
+          <a:chOff x="0" y="0"/>
+          <a:chExt cx="0" cy="0"/>
+        </a:xfrm>
+      </p:grpSpPr>
+      <p:sp>
+        <p:nvSpPr>
+          <p:cNvPr id="2" name="Titel 1">
+            <a:extLst>
+              <a:ext uri="{FF2B5EF4-FFF2-40B4-BE49-F238E27FC236}">
+                <a16:creationId xmlns:a16="http://schemas.microsoft.com/office/drawing/2014/main" id="{BCC27866-2D65-48BC-B98B-6D5CECE12311}"/>
+              </a:ext>
+            </a:extLst>
+          </p:cNvPr>
+          <p:cNvSpPr>
+            <a:spLocks noGrp="1"/>
+          </p:cNvSpPr>
+          <p:nvPr>
+            <p:ph type="title"/>
+          </p:nvPr>
+        </p:nvSpPr>
+        <p:spPr/>
+        <p:txBody>
+          <a:bodyPr/>
+          <a:lstStyle/>
+          <a:p>
+            <a:pPr algn="ctr"/>
+            <a:r>
+              <a:rPr lang="de-DE" dirty="0"/>
+              <a:t>D-Anteil * 10</a:t>
+            </a:r>
+          </a:p>
+        </p:txBody>
+      </p:sp>
+      <p:pic>
+        <p:nvPicPr>
+          <p:cNvPr id="5" name="Inhaltsplatzhalter 4" descr="Ein Bild, das suchend, sitzend, stehend, Mann enthält.&#10;&#10;Automatisch generierte Beschreibung">
+            <a:extLst>
+              <a:ext uri="{FF2B5EF4-FFF2-40B4-BE49-F238E27FC236}">
+                <a16:creationId xmlns:a16="http://schemas.microsoft.com/office/drawing/2014/main" id="{7857533A-7B35-4543-BD97-98E9A9303184}"/>
+              </a:ext>
+            </a:extLst>
+          </p:cNvPr>
+          <p:cNvPicPr>
+            <a:picLocks noGrp="1" noChangeAspect="1"/>
+          </p:cNvPicPr>
+          <p:nvPr>
+            <p:ph idx="1"/>
+          </p:nvPr>
+        </p:nvPicPr>
+        <p:blipFill>
+          <a:blip r:embed="rId3">
+            <a:extLst>
+              <a:ext uri="{28A0092B-C50C-407E-A947-70E740481C1C}">
+                <a14:useLocalDpi xmlns:a14="http://schemas.microsoft.com/office/drawing/2010/main" val="0"/>
+              </a:ext>
+            </a:extLst>
+          </a:blip>
+          <a:stretch>
+            <a:fillRect/>
+          </a:stretch>
+        </p:blipFill>
+        <p:spPr>
+          <a:xfrm>
+            <a:off x="1260230" y="1884011"/>
+            <a:ext cx="9671539" cy="4420379"/>
+          </a:xfrm>
+        </p:spPr>
+      </p:pic>
+    </p:spTree>
+    <p:extLst>
+      <p:ext uri="{BB962C8B-B14F-4D97-AF65-F5344CB8AC3E}">
+        <p14:creationId xmlns:p14="http://schemas.microsoft.com/office/powerpoint/2010/main" val="439232442"/>
+      </p:ext>
+    </p:extLst>
+  </p:cSld>
+  <p:clrMapOvr>
+    <a:masterClrMapping/>
+  </p:clrMapOvr>
+</p:sld>
+</file>
+
+<file path=ppt/slides/slide12.xml><?xml version="1.0" encoding="utf-8"?>
+<p:sld xmlns:a="http://schemas.openxmlformats.org/drawingml/2006/main" xmlns:r="http://schemas.openxmlformats.org/officeDocument/2006/relationships" xmlns:p="http://schemas.openxmlformats.org/presentationml/2006/main">
+  <p:cSld>
+    <p:spTree>
+      <p:nvGrpSpPr>
+        <p:cNvPr id="1" name=""/>
+        <p:cNvGrpSpPr/>
+        <p:nvPr/>
+      </p:nvGrpSpPr>
+      <p:grpSpPr>
+        <a:xfrm>
+          <a:off x="0" y="0"/>
+          <a:ext cx="0" cy="0"/>
+          <a:chOff x="0" y="0"/>
+          <a:chExt cx="0" cy="0"/>
+        </a:xfrm>
+      </p:grpSpPr>
+      <p:sp>
+        <p:nvSpPr>
+          <p:cNvPr id="2" name="Titel 1">
+            <a:extLst>
+              <a:ext uri="{FF2B5EF4-FFF2-40B4-BE49-F238E27FC236}">
+                <a16:creationId xmlns:a16="http://schemas.microsoft.com/office/drawing/2014/main" id="{9B28D00B-B3E3-47B3-BB4A-7CBABE6941CF}"/>
+              </a:ext>
+            </a:extLst>
+          </p:cNvPr>
+          <p:cNvSpPr>
+            <a:spLocks noGrp="1"/>
+          </p:cNvSpPr>
+          <p:nvPr>
+            <p:ph type="title"/>
+          </p:nvPr>
+        </p:nvSpPr>
+        <p:spPr/>
+        <p:txBody>
+          <a:bodyPr/>
+          <a:lstStyle/>
+          <a:p>
+            <a:pPr algn="ctr"/>
+            <a:r>
+              <a:rPr lang="de-DE" dirty="0"/>
+              <a:t>Limitierung der Stellgröße</a:t>
+            </a:r>
+          </a:p>
+        </p:txBody>
+      </p:sp>
+      <p:pic>
+        <p:nvPicPr>
+          <p:cNvPr id="5" name="Grafik 4">
+            <a:extLst>
+              <a:ext uri="{FF2B5EF4-FFF2-40B4-BE49-F238E27FC236}">
+                <a16:creationId xmlns:a16="http://schemas.microsoft.com/office/drawing/2014/main" id="{EE39A3FA-93E4-4C89-8954-7C64FCBA363F}"/>
+              </a:ext>
+            </a:extLst>
+          </p:cNvPr>
+          <p:cNvPicPr>
+            <a:picLocks noChangeAspect="1"/>
+          </p:cNvPicPr>
+          <p:nvPr/>
+        </p:nvPicPr>
+        <p:blipFill>
+          <a:blip r:embed="rId3"/>
+          <a:stretch>
+            <a:fillRect/>
+          </a:stretch>
+        </p:blipFill>
+        <p:spPr>
+          <a:xfrm>
+            <a:off x="2109785" y="2158364"/>
+            <a:ext cx="7972425" cy="895350"/>
+          </a:xfrm>
+          <a:prstGeom prst="rect">
+            <a:avLst/>
+          </a:prstGeom>
+        </p:spPr>
+      </p:pic>
+      <p:pic>
+        <p:nvPicPr>
+          <p:cNvPr id="7" name="Grafik 6">
+            <a:extLst>
+              <a:ext uri="{FF2B5EF4-FFF2-40B4-BE49-F238E27FC236}">
+                <a16:creationId xmlns:a16="http://schemas.microsoft.com/office/drawing/2014/main" id="{922E54C9-16AB-44CC-9F70-1EDA513876CA}"/>
+              </a:ext>
+            </a:extLst>
+          </p:cNvPr>
+          <p:cNvPicPr>
+            <a:picLocks noChangeAspect="1"/>
+          </p:cNvPicPr>
+          <p:nvPr/>
+        </p:nvPicPr>
+        <p:blipFill>
+          <a:blip r:embed="rId4"/>
+          <a:stretch>
+            <a:fillRect/>
+          </a:stretch>
+        </p:blipFill>
+        <p:spPr>
+          <a:xfrm>
+            <a:off x="2814634" y="4431836"/>
+            <a:ext cx="6562725" cy="1609725"/>
+          </a:xfrm>
+          <a:prstGeom prst="rect">
+            <a:avLst/>
+          </a:prstGeom>
+        </p:spPr>
+      </p:pic>
+    </p:spTree>
+    <p:extLst>
+      <p:ext uri="{BB962C8B-B14F-4D97-AF65-F5344CB8AC3E}">
+        <p14:creationId xmlns:p14="http://schemas.microsoft.com/office/powerpoint/2010/main" val="957634837"/>
+      </p:ext>
+    </p:extLst>
+  </p:cSld>
+  <p:clrMapOvr>
+    <a:masterClrMapping/>
+  </p:clrMapOvr>
+  <p:timing>
+    <p:tnLst>
+      <p:par>
+        <p:cTn id="1" dur="indefinite" restart="never" nodeType="tmRoot">
+          <p:childTnLst>
+            <p:seq concurrent="1" nextAc="seek">
+              <p:cTn id="2" dur="indefinite" nodeType="mainSeq">
+                <p:childTnLst>
+                  <p:par>
+                    <p:cTn id="3" fill="hold">
+                      <p:stCondLst>
+                        <p:cond delay="indefinite"/>
+                      </p:stCondLst>
+                      <p:childTnLst>
+                        <p:par>
+                          <p:cTn id="4" fill="hold">
+                            <p:stCondLst>
+                              <p:cond delay="0"/>
+                            </p:stCondLst>
+                            <p:childTnLst>
+                              <p:par>
+                                <p:cTn id="5" presetID="1" presetClass="entr" presetSubtype="0" fill="hold" nodeType="clickEffect">
+                                  <p:stCondLst>
+                                    <p:cond delay="0"/>
+                                  </p:stCondLst>
+                                  <p:childTnLst>
+                                    <p:set>
+                                      <p:cBhvr>
+                                        <p:cTn id="6" dur="1" fill="hold">
+                                          <p:stCondLst>
+                                            <p:cond delay="0"/>
+                                          </p:stCondLst>
+                                        </p:cTn>
+                                        <p:tgtEl>
+                                          <p:spTgt spid="5"/>
+                                        </p:tgtEl>
+                                        <p:attrNameLst>
+                                          <p:attrName>style.visibility</p:attrName>
+                                        </p:attrNameLst>
+                                      </p:cBhvr>
+                                      <p:to>
+                                        <p:strVal val="visible"/>
+                                      </p:to>
+                                    </p:set>
+                                  </p:childTnLst>
+                                </p:cTn>
+                              </p:par>
+                            </p:childTnLst>
+                          </p:cTn>
+                        </p:par>
+                      </p:childTnLst>
+                    </p:cTn>
+                  </p:par>
+                  <p:par>
+                    <p:cTn id="7" fill="hold">
+                      <p:stCondLst>
+                        <p:cond delay="indefinite"/>
+                      </p:stCondLst>
+                      <p:childTnLst>
+                        <p:par>
+                          <p:cTn id="8" fill="hold">
+                            <p:stCondLst>
+                              <p:cond delay="0"/>
+                            </p:stCondLst>
+                            <p:childTnLst>
+                              <p:par>
+                                <p:cTn id="9" presetID="1" presetClass="entr" presetSubtype="0" fill="hold" nodeType="clickEffect">
+                                  <p:stCondLst>
+                                    <p:cond delay="0"/>
+                                  </p:stCondLst>
+                                  <p:childTnLst>
+                                    <p:set>
+                                      <p:cBhvr>
+                                        <p:cTn id="10" dur="1" fill="hold">
+                                          <p:stCondLst>
+                                            <p:cond delay="0"/>
+                                          </p:stCondLst>
+                                        </p:cTn>
+                                        <p:tgtEl>
+                                          <p:spTgt spid="7"/>
+                                        </p:tgtEl>
+                                        <p:attrNameLst>
+                                          <p:attrName>style.visibility</p:attrName>
+                                        </p:attrNameLst>
+                                      </p:cBhvr>
+                                      <p:to>
+                                        <p:strVal val="visible"/>
+                                      </p:to>
+                                    </p:set>
+                                  </p:childTnLst>
+                                </p:cTn>
+                              </p:par>
+                            </p:childTnLst>
+                          </p:cTn>
+                        </p:par>
+                      </p:childTnLst>
+                    </p:cTn>
+                  </p:par>
+                </p:childTnLst>
+              </p:cTn>
+              <p:prevCondLst>
+                <p:cond evt="onPrev" delay="0">
+                  <p:tgtEl>
+                    <p:sldTgt/>
+                  </p:tgtEl>
+                </p:cond>
+              </p:prevCondLst>
+              <p:nextCondLst>
+                <p:cond evt="onNext" delay="0">
+                  <p:tgtEl>
+                    <p:sldTgt/>
+                  </p:tgtEl>
+                </p:cond>
+              </p:nextCondLst>
+            </p:seq>
+          </p:childTnLst>
+        </p:cTn>
+      </p:par>
+    </p:tnLst>
+  </p:timing>
+</p:sld>
+</file>
+
+<file path=ppt/slides/slide13.xml><?xml version="1.0" encoding="utf-8"?>
+<p:sld xmlns:a="http://schemas.openxmlformats.org/drawingml/2006/main" xmlns:r="http://schemas.openxmlformats.org/officeDocument/2006/relationships" xmlns:p="http://schemas.openxmlformats.org/presentationml/2006/main">
+  <p:cSld>
+    <p:spTree>
+      <p:nvGrpSpPr>
+        <p:cNvPr id="1" name=""/>
+        <p:cNvGrpSpPr/>
+        <p:nvPr/>
+      </p:nvGrpSpPr>
+      <p:grpSpPr>
+        <a:xfrm>
+          <a:off x="0" y="0"/>
+          <a:ext cx="0" cy="0"/>
+          <a:chOff x="0" y="0"/>
+          <a:chExt cx="0" cy="0"/>
+        </a:xfrm>
+      </p:grpSpPr>
+      <p:sp>
+        <p:nvSpPr>
+          <p:cNvPr id="2" name="Titel 1">
+            <a:extLst>
+              <a:ext uri="{FF2B5EF4-FFF2-40B4-BE49-F238E27FC236}">
+                <a16:creationId xmlns:a16="http://schemas.microsoft.com/office/drawing/2014/main" id="{5D854B53-009A-4685-AEAE-9DD8CB1D7684}"/>
+              </a:ext>
+            </a:extLst>
+          </p:cNvPr>
+          <p:cNvSpPr>
+            <a:spLocks noGrp="1"/>
+          </p:cNvSpPr>
+          <p:nvPr>
+            <p:ph type="title"/>
+          </p:nvPr>
+        </p:nvSpPr>
+        <p:spPr>
+          <a:xfrm>
+            <a:off x="838200" y="365125"/>
+            <a:ext cx="10515600" cy="900967"/>
+          </a:xfrm>
+        </p:spPr>
+        <p:txBody>
+          <a:bodyPr>
+            <a:normAutofit/>
+          </a:bodyPr>
+          <a:lstStyle/>
+          <a:p>
+            <a:pPr algn="ctr"/>
+            <a:r>
+              <a:rPr lang="de-DE" dirty="0"/>
+              <a:t>Trennen der Kräfte</a:t>
+            </a:r>
+          </a:p>
+        </p:txBody>
+      </p:sp>
+      <p:pic>
+        <p:nvPicPr>
+          <p:cNvPr id="5" name="Inhaltsplatzhalter 4">
+            <a:extLst>
+              <a:ext uri="{FF2B5EF4-FFF2-40B4-BE49-F238E27FC236}">
+                <a16:creationId xmlns:a16="http://schemas.microsoft.com/office/drawing/2014/main" id="{27276CDC-7BC3-4F47-95B4-FE107E1C0010}"/>
+              </a:ext>
+            </a:extLst>
+          </p:cNvPr>
+          <p:cNvPicPr>
+            <a:picLocks noGrp="1" noChangeAspect="1"/>
+          </p:cNvPicPr>
+          <p:nvPr>
+            <p:ph idx="1"/>
+          </p:nvPr>
+        </p:nvPicPr>
+        <p:blipFill>
+          <a:blip r:embed="rId3">
+            <a:extLst>
+              <a:ext uri="{28A0092B-C50C-407E-A947-70E740481C1C}">
+                <a14:useLocalDpi xmlns:a14="http://schemas.microsoft.com/office/drawing/2010/main" val="0"/>
+              </a:ext>
+            </a:extLst>
+          </a:blip>
+          <a:stretch>
+            <a:fillRect/>
+          </a:stretch>
+        </p:blipFill>
+        <p:spPr>
+          <a:xfrm>
+            <a:off x="600804" y="2100262"/>
+            <a:ext cx="10990391" cy="3120655"/>
+          </a:xfrm>
+        </p:spPr>
+      </p:pic>
+    </p:spTree>
+    <p:extLst>
+      <p:ext uri="{BB962C8B-B14F-4D97-AF65-F5344CB8AC3E}">
+        <p14:creationId xmlns:p14="http://schemas.microsoft.com/office/powerpoint/2010/main" val="1049260285"/>
+      </p:ext>
+    </p:extLst>
+  </p:cSld>
+  <p:clrMapOvr>
+    <a:masterClrMapping/>
+  </p:clrMapOvr>
+  <p:timing>
+    <p:tnLst>
+      <p:par>
+        <p:cTn id="1" dur="indefinite" restart="never" nodeType="tmRoot">
+          <p:childTnLst>
+            <p:seq concurrent="1" nextAc="seek">
+              <p:cTn id="2" dur="indefinite" nodeType="mainSeq">
+                <p:childTnLst>
+                  <p:par>
+                    <p:cTn id="3" fill="hold">
+                      <p:stCondLst>
+                        <p:cond delay="indefinite"/>
+                      </p:stCondLst>
+                      <p:childTnLst>
+                        <p:par>
+                          <p:cTn id="4" fill="hold">
+                            <p:stCondLst>
+                              <p:cond delay="0"/>
+                            </p:stCondLst>
+                            <p:childTnLst>
+                              <p:par>
+                                <p:cTn id="5" presetID="1" presetClass="entr" presetSubtype="0" fill="hold" nodeType="clickEffect">
+                                  <p:stCondLst>
+                                    <p:cond delay="0"/>
+                                  </p:stCondLst>
+                                  <p:childTnLst>
+                                    <p:set>
+                                      <p:cBhvr>
+                                        <p:cTn id="6" dur="1" fill="hold">
+                                          <p:stCondLst>
+                                            <p:cond delay="0"/>
+                                          </p:stCondLst>
+                                        </p:cTn>
+                                        <p:tgtEl>
+                                          <p:spTgt spid="5"/>
+                                        </p:tgtEl>
+                                        <p:attrNameLst>
+                                          <p:attrName>style.visibility</p:attrName>
+                                        </p:attrNameLst>
+                                      </p:cBhvr>
+                                      <p:to>
+                                        <p:strVal val="visible"/>
+                                      </p:to>
+                                    </p:set>
+                                  </p:childTnLst>
+                                </p:cTn>
+                              </p:par>
+                            </p:childTnLst>
+                          </p:cTn>
+                        </p:par>
+                      </p:childTnLst>
+                    </p:cTn>
+                  </p:par>
+                </p:childTnLst>
+              </p:cTn>
+              <p:prevCondLst>
+                <p:cond evt="onPrev" delay="0">
+                  <p:tgtEl>
+                    <p:sldTgt/>
+                  </p:tgtEl>
+                </p:cond>
+              </p:prevCondLst>
+              <p:nextCondLst>
+                <p:cond evt="onNext" delay="0">
+                  <p:tgtEl>
+                    <p:sldTgt/>
+                  </p:tgtEl>
+                </p:cond>
+              </p:nextCondLst>
+            </p:seq>
+          </p:childTnLst>
+        </p:cTn>
+      </p:par>
+    </p:tnLst>
+  </p:timing>
+</p:sld>
+</file>
+
+<file path=ppt/slides/slide14.xml><?xml version="1.0" encoding="utf-8"?>
+<p:sld xmlns:a="http://schemas.openxmlformats.org/drawingml/2006/main" xmlns:r="http://schemas.openxmlformats.org/officeDocument/2006/relationships" xmlns:p="http://schemas.openxmlformats.org/presentationml/2006/main">
+  <p:cSld>
+    <p:spTree>
+      <p:nvGrpSpPr>
+        <p:cNvPr id="1" name=""/>
+        <p:cNvGrpSpPr/>
+        <p:nvPr/>
+      </p:nvGrpSpPr>
+      <p:grpSpPr>
+        <a:xfrm>
+          <a:off x="0" y="0"/>
+          <a:ext cx="0" cy="0"/>
+          <a:chOff x="0" y="0"/>
+          <a:chExt cx="0" cy="0"/>
+        </a:xfrm>
+      </p:grpSpPr>
+      <p:pic>
+        <p:nvPicPr>
+          <p:cNvPr id="5" name="Inhaltsplatzhalter 4" descr="Ein Bild, das Text enthält.&#10;&#10;Automatisch generierte Beschreibung">
+            <a:extLst>
+              <a:ext uri="{FF2B5EF4-FFF2-40B4-BE49-F238E27FC236}">
+                <a16:creationId xmlns:a16="http://schemas.microsoft.com/office/drawing/2014/main" id="{F3AE2512-04B0-4C87-A8D1-C997376F4D8B}"/>
+              </a:ext>
+            </a:extLst>
+          </p:cNvPr>
+          <p:cNvPicPr>
+            <a:picLocks noGrp="1" noChangeAspect="1"/>
+          </p:cNvPicPr>
+          <p:nvPr>
+            <p:ph idx="1"/>
+          </p:nvPr>
+        </p:nvPicPr>
+        <p:blipFill>
+          <a:blip r:embed="rId3">
+            <a:extLst>
+              <a:ext uri="{28A0092B-C50C-407E-A947-70E740481C1C}">
+                <a14:useLocalDpi xmlns:a14="http://schemas.microsoft.com/office/drawing/2010/main" val="0"/>
+              </a:ext>
+            </a:extLst>
+          </a:blip>
+          <a:stretch>
+            <a:fillRect/>
+          </a:stretch>
+        </p:blipFill>
+        <p:spPr>
+          <a:xfrm>
+            <a:off x="6418282" y="1944527"/>
+            <a:ext cx="5390476" cy="2961905"/>
+          </a:xfrm>
+        </p:spPr>
+      </p:pic>
+      <p:pic>
+        <p:nvPicPr>
+          <p:cNvPr id="7" name="Grafik 6" descr="Ein Bild, das Foto, sitzend enthält.&#10;&#10;Automatisch generierte Beschreibung">
+            <a:extLst>
+              <a:ext uri="{FF2B5EF4-FFF2-40B4-BE49-F238E27FC236}">
+                <a16:creationId xmlns:a16="http://schemas.microsoft.com/office/drawing/2014/main" id="{82FC698A-CB0B-4D30-AD5E-BA48577FFBB5}"/>
+              </a:ext>
+            </a:extLst>
+          </p:cNvPr>
+          <p:cNvPicPr>
+            <a:picLocks noChangeAspect="1"/>
+          </p:cNvPicPr>
+          <p:nvPr/>
+        </p:nvPicPr>
+        <p:blipFill>
+          <a:blip r:embed="rId4">
+            <a:extLst>
+              <a:ext uri="{28A0092B-C50C-407E-A947-70E740481C1C}">
+                <a14:useLocalDpi xmlns:a14="http://schemas.microsoft.com/office/drawing/2010/main" val="0"/>
+              </a:ext>
+            </a:extLst>
+          </a:blip>
+          <a:stretch>
+            <a:fillRect/>
+          </a:stretch>
+        </p:blipFill>
+        <p:spPr>
+          <a:xfrm>
+            <a:off x="432479" y="1944527"/>
+            <a:ext cx="5524106" cy="2961905"/>
+          </a:xfrm>
+          <a:prstGeom prst="rect">
+            <a:avLst/>
+          </a:prstGeom>
+        </p:spPr>
+      </p:pic>
+    </p:spTree>
+    <p:extLst>
+      <p:ext uri="{BB962C8B-B14F-4D97-AF65-F5344CB8AC3E}">
+        <p14:creationId xmlns:p14="http://schemas.microsoft.com/office/powerpoint/2010/main" val="843372925"/>
+      </p:ext>
+    </p:extLst>
+  </p:cSld>
+  <p:clrMapOvr>
+    <a:masterClrMapping/>
+  </p:clrMapOvr>
+  <p:timing>
+    <p:tnLst>
+      <p:par>
+        <p:cTn id="1" dur="indefinite" restart="never" nodeType="tmRoot">
+          <p:childTnLst>
+            <p:seq concurrent="1" nextAc="seek">
+              <p:cTn id="2" dur="indefinite" nodeType="mainSeq">
+                <p:childTnLst>
+                  <p:par>
+                    <p:cTn id="3" fill="hold">
+                      <p:stCondLst>
+                        <p:cond delay="indefinite"/>
+                      </p:stCondLst>
+                      <p:childTnLst>
+                        <p:par>
+                          <p:cTn id="4" fill="hold">
+                            <p:stCondLst>
+                              <p:cond delay="0"/>
+                            </p:stCondLst>
+                            <p:childTnLst>
+                              <p:par>
+                                <p:cTn id="5" presetID="1" presetClass="entr" presetSubtype="0" fill="hold" nodeType="clickEffect">
+                                  <p:stCondLst>
+                                    <p:cond delay="0"/>
+                                  </p:stCondLst>
+                                  <p:childTnLst>
+                                    <p:set>
+                                      <p:cBhvr>
+                                        <p:cTn id="6" dur="1" fill="hold">
+                                          <p:stCondLst>
+                                            <p:cond delay="0"/>
+                                          </p:stCondLst>
+                                        </p:cTn>
+                                        <p:tgtEl>
+                                          <p:spTgt spid="5"/>
+                                        </p:tgtEl>
+                                        <p:attrNameLst>
+                                          <p:attrName>style.visibility</p:attrName>
+                                        </p:attrNameLst>
+                                      </p:cBhvr>
+                                      <p:to>
+                                        <p:strVal val="visible"/>
+                                      </p:to>
+                                    </p:set>
+                                  </p:childTnLst>
+                                </p:cTn>
+                              </p:par>
+                            </p:childTnLst>
+                          </p:cTn>
+                        </p:par>
+                      </p:childTnLst>
+                    </p:cTn>
+                  </p:par>
+                </p:childTnLst>
+              </p:cTn>
+              <p:prevCondLst>
+                <p:cond evt="onPrev" delay="0">
+                  <p:tgtEl>
+                    <p:sldTgt/>
+                  </p:tgtEl>
+                </p:cond>
+              </p:prevCondLst>
+              <p:nextCondLst>
+                <p:cond evt="onNext" delay="0">
+                  <p:tgtEl>
+                    <p:sldTgt/>
+                  </p:tgtEl>
+                </p:cond>
+              </p:nextCondLst>
+            </p:seq>
+          </p:childTnLst>
+        </p:cTn>
+      </p:par>
+    </p:tnLst>
+  </p:timing>
+</p:sld>
+</file>
+
+<file path=ppt/slides/slide15.xml><?xml version="1.0" encoding="utf-8"?>
+<p:sld xmlns:a="http://schemas.openxmlformats.org/drawingml/2006/main" xmlns:r="http://schemas.openxmlformats.org/officeDocument/2006/relationships" xmlns:p="http://schemas.openxmlformats.org/presentationml/2006/main">
+  <p:cSld>
+    <p:spTree>
+      <p:nvGrpSpPr>
+        <p:cNvPr id="1" name=""/>
+        <p:cNvGrpSpPr/>
+        <p:nvPr/>
+      </p:nvGrpSpPr>
+      <p:grpSpPr>
+        <a:xfrm>
+          <a:off x="0" y="0"/>
+          <a:ext cx="0" cy="0"/>
+          <a:chOff x="0" y="0"/>
+          <a:chExt cx="0" cy="0"/>
+        </a:xfrm>
+      </p:grpSpPr>
+      <p:sp>
+        <p:nvSpPr>
+          <p:cNvPr id="2" name="Titel 1">
+            <a:extLst>
+              <a:ext uri="{FF2B5EF4-FFF2-40B4-BE49-F238E27FC236}">
+                <a16:creationId xmlns:a16="http://schemas.microsoft.com/office/drawing/2014/main" id="{049DFDFE-7EAE-421A-9968-F9D224621B05}"/>
+              </a:ext>
+            </a:extLst>
+          </p:cNvPr>
+          <p:cNvSpPr>
+            <a:spLocks noGrp="1"/>
+          </p:cNvSpPr>
+          <p:nvPr>
+            <p:ph type="title"/>
+          </p:nvPr>
+        </p:nvSpPr>
+        <p:spPr/>
+        <p:txBody>
+          <a:bodyPr>
+            <a:normAutofit/>
+          </a:bodyPr>
+          <a:lstStyle/>
+          <a:p>
+            <a:r>
+              <a:rPr lang="de-DE" sz="3600" b="0" i="0" dirty="0">
+                <a:effectLst/>
+                <a:latin typeface="Arial" panose="020B0604020202020204" pitchFamily="34" charset="0"/>
+              </a:rPr>
+              <a:t>Beobachtungen und andere Effekte</a:t>
+            </a:r>
+            <a:endParaRPr lang="de-DE" sz="3600" dirty="0"/>
+          </a:p>
+        </p:txBody>
+      </p:sp>
+      <p:sp>
+        <p:nvSpPr>
+          <p:cNvPr id="3" name="Inhaltsplatzhalter 2">
+            <a:extLst>
+              <a:ext uri="{FF2B5EF4-FFF2-40B4-BE49-F238E27FC236}">
+                <a16:creationId xmlns:a16="http://schemas.microsoft.com/office/drawing/2014/main" id="{DE9D08EA-73C1-45AD-B8A4-4D19868C0910}"/>
+              </a:ext>
+            </a:extLst>
+          </p:cNvPr>
+          <p:cNvSpPr>
+            <a:spLocks noGrp="1"/>
+          </p:cNvSpPr>
+          <p:nvPr>
+            <p:ph idx="1"/>
+          </p:nvPr>
+        </p:nvSpPr>
+        <p:spPr/>
+        <p:txBody>
+          <a:bodyPr/>
+          <a:lstStyle/>
+          <a:p>
+            <a:r>
+              <a:rPr lang="de-DE" dirty="0"/>
+              <a:t>Maximieren der Abtastrate !!</a:t>
+            </a:r>
+          </a:p>
+          <a:p>
+            <a:endParaRPr lang="de-DE" dirty="0"/>
+          </a:p>
+          <a:p>
+            <a:endParaRPr lang="de-DE" dirty="0"/>
+          </a:p>
+          <a:p>
+            <a:endParaRPr lang="de-DE" dirty="0"/>
+          </a:p>
+        </p:txBody>
+      </p:sp>
+    </p:spTree>
+    <p:extLst>
+      <p:ext uri="{BB962C8B-B14F-4D97-AF65-F5344CB8AC3E}">
+        <p14:creationId xmlns:p14="http://schemas.microsoft.com/office/powerpoint/2010/main" val="1928678590"/>
+      </p:ext>
+    </p:extLst>
+  </p:cSld>
+  <p:clrMapOvr>
+    <a:masterClrMapping/>
+  </p:clrMapOvr>
+  <p:timing>
+    <p:tnLst>
+      <p:par>
+        <p:cTn id="1" dur="indefinite" restart="never" nodeType="tmRoot">
+          <p:childTnLst>
+            <p:seq concurrent="1" nextAc="seek">
+              <p:cTn id="2" dur="indefinite" nodeType="mainSeq">
+                <p:childTnLst>
+                  <p:par>
+                    <p:cTn id="3" fill="hold">
+                      <p:stCondLst>
+                        <p:cond delay="indefinite"/>
+                      </p:stCondLst>
+                      <p:childTnLst>
+                        <p:par>
+                          <p:cTn id="4" fill="hold">
+                            <p:stCondLst>
+                              <p:cond delay="0"/>
+                            </p:stCondLst>
+                            <p:childTnLst>
+                              <p:par>
+                                <p:cTn id="5" presetID="1" presetClass="entr" presetSubtype="0" fill="hold" grpId="0" nodeType="clickEffect">
+                                  <p:stCondLst>
+                                    <p:cond delay="0"/>
+                                  </p:stCondLst>
+                                  <p:childTnLst>
+                                    <p:set>
+                                      <p:cBhvr>
+                                        <p:cTn id="6" dur="1" fill="hold">
+                                          <p:stCondLst>
+                                            <p:cond delay="0"/>
+                                          </p:stCondLst>
+                                        </p:cTn>
+                                        <p:tgtEl>
+                                          <p:spTgt spid="3">
+                                            <p:txEl>
+                                              <p:pRg st="0" end="0"/>
+                                            </p:txEl>
+                                          </p:spTgt>
+                                        </p:tgtEl>
+                                        <p:attrNameLst>
+                                          <p:attrName>style.visibility</p:attrName>
+                                        </p:attrNameLst>
+                                      </p:cBhvr>
+                                      <p:to>
+                                        <p:strVal val="visible"/>
+                                      </p:to>
+                                    </p:set>
+                                  </p:childTnLst>
+                                </p:cTn>
+                              </p:par>
+                            </p:childTnLst>
+                          </p:cTn>
+                        </p:par>
+                      </p:childTnLst>
+                    </p:cTn>
+                  </p:par>
+                </p:childTnLst>
+              </p:cTn>
+              <p:prevCondLst>
+                <p:cond evt="onPrev" delay="0">
+                  <p:tgtEl>
+                    <p:sldTgt/>
+                  </p:tgtEl>
+                </p:cond>
+              </p:prevCondLst>
+              <p:nextCondLst>
+                <p:cond evt="onNext" delay="0">
+                  <p:tgtEl>
+                    <p:sldTgt/>
+                  </p:tgtEl>
+                </p:cond>
+              </p:nextCondLst>
+            </p:seq>
+          </p:childTnLst>
+        </p:cTn>
+      </p:par>
+    </p:tnLst>
+    <p:bldLst>
+      <p:bldP spid="3" grpId="0" build="p"/>
+    </p:bldLst>
+  </p:timing>
+</p:sld>
+</file>
+
+<file path=ppt/slides/slide16.xml><?xml version="1.0" encoding="utf-8"?>
+<p:sld xmlns:a="http://schemas.openxmlformats.org/drawingml/2006/main" xmlns:r="http://schemas.openxmlformats.org/officeDocument/2006/relationships" xmlns:p="http://schemas.openxmlformats.org/presentationml/2006/main">
+  <p:cSld>
+    <p:spTree>
+      <p:nvGrpSpPr>
+        <p:cNvPr id="1" name=""/>
+        <p:cNvGrpSpPr/>
+        <p:nvPr/>
+      </p:nvGrpSpPr>
+      <p:grpSpPr>
+        <a:xfrm>
+          <a:off x="0" y="0"/>
+          <a:ext cx="0" cy="0"/>
+          <a:chOff x="0" y="0"/>
+          <a:chExt cx="0" cy="0"/>
+        </a:xfrm>
+      </p:grpSpPr>
+      <p:sp>
+        <p:nvSpPr>
+          <p:cNvPr id="2" name="Titel 1">
+            <a:extLst>
+              <a:ext uri="{FF2B5EF4-FFF2-40B4-BE49-F238E27FC236}">
+                <a16:creationId xmlns:a16="http://schemas.microsoft.com/office/drawing/2014/main" id="{41E3EBD4-4114-4657-9052-2F75D8DE90AF}"/>
+              </a:ext>
+            </a:extLst>
+          </p:cNvPr>
+          <p:cNvSpPr>
+            <a:spLocks noGrp="1"/>
+          </p:cNvSpPr>
+          <p:nvPr>
+            <p:ph type="title"/>
+          </p:nvPr>
+        </p:nvSpPr>
+        <p:spPr/>
+        <p:txBody>
+          <a:bodyPr/>
+          <a:lstStyle/>
+          <a:p>
+            <a:r>
+              <a:rPr lang="de-DE" dirty="0"/>
+              <a:t>Schlussfolgerungen</a:t>
+            </a:r>
+          </a:p>
+        </p:txBody>
+      </p:sp>
+      <p:sp>
+        <p:nvSpPr>
+          <p:cNvPr id="3" name="Inhaltsplatzhalter 2">
+            <a:extLst>
+              <a:ext uri="{FF2B5EF4-FFF2-40B4-BE49-F238E27FC236}">
+                <a16:creationId xmlns:a16="http://schemas.microsoft.com/office/drawing/2014/main" id="{D8ADD939-B2FE-417E-B06B-B32ACF295CA4}"/>
+              </a:ext>
+            </a:extLst>
+          </p:cNvPr>
+          <p:cNvSpPr>
+            <a:spLocks noGrp="1"/>
+          </p:cNvSpPr>
+          <p:nvPr>
+            <p:ph idx="1"/>
+          </p:nvPr>
+        </p:nvSpPr>
+        <p:spPr/>
+        <p:txBody>
+          <a:bodyPr/>
+          <a:lstStyle/>
+          <a:p>
+            <a:r>
+              <a:rPr lang="de-DE" dirty="0"/>
+              <a:t>Gut gelungen</a:t>
+            </a:r>
+          </a:p>
+          <a:p>
+            <a:r>
+              <a:rPr lang="de-DE" dirty="0"/>
+              <a:t>Genaues definieren des Ziels</a:t>
+            </a:r>
+          </a:p>
+          <a:p>
+            <a:endParaRPr lang="de-DE" dirty="0"/>
+          </a:p>
+          <a:p>
+            <a:r>
+              <a:rPr lang="de-DE" dirty="0"/>
+              <a:t>Aufbauen des Modells als Differentialgleichung</a:t>
+            </a:r>
+          </a:p>
+          <a:p>
+            <a:endParaRPr lang="de-DE" dirty="0"/>
+          </a:p>
+        </p:txBody>
+      </p:sp>
+    </p:spTree>
+    <p:extLst>
+      <p:ext uri="{BB962C8B-B14F-4D97-AF65-F5344CB8AC3E}">
+        <p14:creationId xmlns:p14="http://schemas.microsoft.com/office/powerpoint/2010/main" val="2207851165"/>
+      </p:ext>
+    </p:extLst>
+  </p:cSld>
+  <p:clrMapOvr>
+    <a:masterClrMapping/>
+  </p:clrMapOvr>
+  <p:timing>
+    <p:tnLst>
+      <p:par>
+        <p:cTn id="1" dur="indefinite" restart="never" nodeType="tmRoot">
+          <p:childTnLst>
+            <p:seq concurrent="1" nextAc="seek">
+              <p:cTn id="2" dur="indefinite" nodeType="mainSeq">
+                <p:childTnLst>
+                  <p:par>
+                    <p:cTn id="3" fill="hold">
+                      <p:stCondLst>
+                        <p:cond delay="indefinite"/>
+                      </p:stCondLst>
+                      <p:childTnLst>
+                        <p:par>
+                          <p:cTn id="4" fill="hold">
+                            <p:stCondLst>
+                              <p:cond delay="0"/>
+                            </p:stCondLst>
+                            <p:childTnLst>
+                              <p:par>
+                                <p:cTn id="5" presetID="1" presetClass="entr" presetSubtype="0" fill="hold" grpId="0" nodeType="clickEffect">
+                                  <p:stCondLst>
+                                    <p:cond delay="0"/>
+                                  </p:stCondLst>
+                                  <p:childTnLst>
+                                    <p:set>
+                                      <p:cBhvr>
+                                        <p:cTn id="6" dur="1" fill="hold">
+                                          <p:stCondLst>
+                                            <p:cond delay="0"/>
+                                          </p:stCondLst>
+                                        </p:cTn>
+                                        <p:tgtEl>
+                                          <p:spTgt spid="3">
+                                            <p:txEl>
+                                              <p:pRg st="0" end="0"/>
+                                            </p:txEl>
+                                          </p:spTgt>
+                                        </p:tgtEl>
+                                        <p:attrNameLst>
+                                          <p:attrName>style.visibility</p:attrName>
+                                        </p:attrNameLst>
+                                      </p:cBhvr>
+                                      <p:to>
+                                        <p:strVal val="visible"/>
+                                      </p:to>
+                                    </p:set>
+                                  </p:childTnLst>
+                                </p:cTn>
+                              </p:par>
+                            </p:childTnLst>
+                          </p:cTn>
+                        </p:par>
+                      </p:childTnLst>
+                    </p:cTn>
+                  </p:par>
+                  <p:par>
+                    <p:cTn id="7" fill="hold">
+                      <p:stCondLst>
+                        <p:cond delay="indefinite"/>
+                      </p:stCondLst>
+                      <p:childTnLst>
+                        <p:par>
+                          <p:cTn id="8" fill="hold">
+                            <p:stCondLst>
+                              <p:cond delay="0"/>
+                            </p:stCondLst>
+                            <p:childTnLst>
+                              <p:par>
+                                <p:cTn id="9" presetID="1" presetClass="entr" presetSubtype="0" fill="hold" grpId="0" nodeType="clickEffect">
+                                  <p:stCondLst>
+                                    <p:cond delay="0"/>
+                                  </p:stCondLst>
+                                  <p:childTnLst>
+                                    <p:set>
+                                      <p:cBhvr>
+                                        <p:cTn id="10" dur="1" fill="hold">
+                                          <p:stCondLst>
+                                            <p:cond delay="0"/>
+                                          </p:stCondLst>
+                                        </p:cTn>
+                                        <p:tgtEl>
+                                          <p:spTgt spid="3">
+                                            <p:txEl>
+                                              <p:pRg st="1" end="1"/>
+                                            </p:txEl>
+                                          </p:spTgt>
+                                        </p:tgtEl>
+                                        <p:attrNameLst>
+                                          <p:attrName>style.visibility</p:attrName>
+                                        </p:attrNameLst>
+                                      </p:cBhvr>
+                                      <p:to>
+                                        <p:strVal val="visible"/>
+                                      </p:to>
+                                    </p:set>
+                                  </p:childTnLst>
+                                </p:cTn>
+                              </p:par>
+                            </p:childTnLst>
+                          </p:cTn>
+                        </p:par>
+                      </p:childTnLst>
+                    </p:cTn>
+                  </p:par>
+                  <p:par>
+                    <p:cTn id="11" fill="hold">
+                      <p:stCondLst>
+                        <p:cond delay="indefinite"/>
+                      </p:stCondLst>
+                      <p:childTnLst>
+                        <p:par>
+                          <p:cTn id="12" fill="hold">
+                            <p:stCondLst>
+                              <p:cond delay="0"/>
+                            </p:stCondLst>
+                            <p:childTnLst>
+                              <p:par>
+                                <p:cTn id="13" presetID="1" presetClass="entr" presetSubtype="0" fill="hold" grpId="0" nodeType="clickEffect">
+                                  <p:stCondLst>
+                                    <p:cond delay="0"/>
+                                  </p:stCondLst>
+                                  <p:childTnLst>
+                                    <p:set>
+                                      <p:cBhvr>
+                                        <p:cTn id="14" dur="1" fill="hold">
+                                          <p:stCondLst>
+                                            <p:cond delay="0"/>
+                                          </p:stCondLst>
+                                        </p:cTn>
+                                        <p:tgtEl>
+                                          <p:spTgt spid="3">
+                                            <p:txEl>
+                                              <p:pRg st="3" end="3"/>
+                                            </p:txEl>
+                                          </p:spTgt>
+                                        </p:tgtEl>
+                                        <p:attrNameLst>
+                                          <p:attrName>style.visibility</p:attrName>
+                                        </p:attrNameLst>
+                                      </p:cBhvr>
+                                      <p:to>
+                                        <p:strVal val="visible"/>
+                                      </p:to>
+                                    </p:set>
+                                  </p:childTnLst>
+                                </p:cTn>
+                              </p:par>
+                            </p:childTnLst>
+                          </p:cTn>
+                        </p:par>
+                      </p:childTnLst>
+                    </p:cTn>
+                  </p:par>
+                </p:childTnLst>
+              </p:cTn>
+              <p:prevCondLst>
+                <p:cond evt="onPrev" delay="0">
+                  <p:tgtEl>
+                    <p:sldTgt/>
+                  </p:tgtEl>
+                </p:cond>
+              </p:prevCondLst>
+              <p:nextCondLst>
+                <p:cond evt="onNext" delay="0">
+                  <p:tgtEl>
+                    <p:sldTgt/>
+                  </p:tgtEl>
+                </p:cond>
+              </p:nextCondLst>
+            </p:seq>
+          </p:childTnLst>
+        </p:cTn>
+      </p:par>
+    </p:tnLst>
+    <p:bldLst>
+      <p:bldP spid="3" grpId="0" build="p"/>
+    </p:bldLst>
+  </p:timing>
+</p:sld>
+</file>
+
 <file path=ppt/slides/slide2.xml><?xml version="1.0" encoding="utf-8"?>
 <p:sld xmlns:a="http://schemas.openxmlformats.org/drawingml/2006/main" xmlns:r="http://schemas.openxmlformats.org/officeDocument/2006/relationships" xmlns:p="http://schemas.openxmlformats.org/presentationml/2006/main">
   <p:cSld>
@@ -3806,7 +6344,7 @@
           </p:nvPr>
         </p:nvPicPr>
         <p:blipFill rotWithShape="1">
-          <a:blip r:embed="rId2">
+          <a:blip r:embed="rId3">
             <a:extLst>
               <a:ext uri="{28A0092B-C50C-407E-A947-70E740481C1C}">
                 <a14:useLocalDpi xmlns:a14="http://schemas.microsoft.com/office/drawing/2010/main" val="0"/>
@@ -3916,7 +6454,7 @@
           </p:nvPr>
         </p:nvPicPr>
         <p:blipFill>
-          <a:blip r:embed="rId2">
+          <a:blip r:embed="rId3">
             <a:extLst>
               <a:ext uri="{28A0092B-C50C-407E-A947-70E740481C1C}">
                 <a14:useLocalDpi xmlns:a14="http://schemas.microsoft.com/office/drawing/2010/main" val="0"/>
@@ -4088,6 +6626,81 @@
   <p:clrMapOvr>
     <a:masterClrMapping/>
   </p:clrMapOvr>
+  <p:timing>
+    <p:tnLst>
+      <p:par>
+        <p:cTn id="1" dur="indefinite" restart="never" nodeType="tmRoot">
+          <p:childTnLst>
+            <p:seq concurrent="1" nextAc="seek">
+              <p:cTn id="2" dur="indefinite" nodeType="mainSeq">
+                <p:childTnLst>
+                  <p:par>
+                    <p:cTn id="3" fill="hold">
+                      <p:stCondLst>
+                        <p:cond delay="indefinite"/>
+                      </p:stCondLst>
+                      <p:childTnLst>
+                        <p:par>
+                          <p:cTn id="4" fill="hold">
+                            <p:stCondLst>
+                              <p:cond delay="0"/>
+                            </p:stCondLst>
+                            <p:childTnLst>
+                              <p:par>
+                                <p:cTn id="5" presetID="1" presetClass="entr" presetSubtype="0" fill="hold" nodeType="clickEffect">
+                                  <p:stCondLst>
+                                    <p:cond delay="0"/>
+                                  </p:stCondLst>
+                                  <p:childTnLst>
+                                    <p:set>
+                                      <p:cBhvr>
+                                        <p:cTn id="6" dur="1" fill="hold">
+                                          <p:stCondLst>
+                                            <p:cond delay="0"/>
+                                          </p:stCondLst>
+                                        </p:cTn>
+                                        <p:tgtEl>
+                                          <p:spTgt spid="11"/>
+                                        </p:tgtEl>
+                                        <p:attrNameLst>
+                                          <p:attrName>style.visibility</p:attrName>
+                                        </p:attrNameLst>
+                                      </p:cBhvr>
+                                      <p:to>
+                                        <p:strVal val="visible"/>
+                                      </p:to>
+                                    </p:set>
+                                  </p:childTnLst>
+                                </p:cTn>
+                              </p:par>
+                            </p:childTnLst>
+                          </p:cTn>
+                        </p:par>
+                      </p:childTnLst>
+                    </p:cTn>
+                  </p:par>
+                </p:childTnLst>
+              </p:cTn>
+              <p:prevCondLst>
+                <p:cond evt="onPrev" delay="0">
+                  <p:tgtEl>
+                    <p:sldTgt/>
+                  </p:tgtEl>
+                </p:cond>
+              </p:prevCondLst>
+              <p:nextCondLst>
+                <p:cond evt="onNext" delay="0">
+                  <p:tgtEl>
+                    <p:sldTgt/>
+                  </p:tgtEl>
+                </p:cond>
+              </p:nextCondLst>
+            </p:seq>
+          </p:childTnLst>
+        </p:cTn>
+      </p:par>
+    </p:tnLst>
+  </p:timing>
 </p:sld>
 </file>
 
@@ -4183,6 +6796,81 @@
   <p:clrMapOvr>
     <a:masterClrMapping/>
   </p:clrMapOvr>
+  <p:timing>
+    <p:tnLst>
+      <p:par>
+        <p:cTn id="1" dur="indefinite" restart="never" nodeType="tmRoot">
+          <p:childTnLst>
+            <p:seq concurrent="1" nextAc="seek">
+              <p:cTn id="2" dur="indefinite" nodeType="mainSeq">
+                <p:childTnLst>
+                  <p:par>
+                    <p:cTn id="3" fill="hold">
+                      <p:stCondLst>
+                        <p:cond delay="indefinite"/>
+                      </p:stCondLst>
+                      <p:childTnLst>
+                        <p:par>
+                          <p:cTn id="4" fill="hold">
+                            <p:stCondLst>
+                              <p:cond delay="0"/>
+                            </p:stCondLst>
+                            <p:childTnLst>
+                              <p:par>
+                                <p:cTn id="5" presetID="1" presetClass="entr" presetSubtype="0" fill="hold" nodeType="clickEffect">
+                                  <p:stCondLst>
+                                    <p:cond delay="0"/>
+                                  </p:stCondLst>
+                                  <p:childTnLst>
+                                    <p:set>
+                                      <p:cBhvr>
+                                        <p:cTn id="6" dur="1" fill="hold">
+                                          <p:stCondLst>
+                                            <p:cond delay="0"/>
+                                          </p:stCondLst>
+                                        </p:cTn>
+                                        <p:tgtEl>
+                                          <p:spTgt spid="7"/>
+                                        </p:tgtEl>
+                                        <p:attrNameLst>
+                                          <p:attrName>style.visibility</p:attrName>
+                                        </p:attrNameLst>
+                                      </p:cBhvr>
+                                      <p:to>
+                                        <p:strVal val="visible"/>
+                                      </p:to>
+                                    </p:set>
+                                  </p:childTnLst>
+                                </p:cTn>
+                              </p:par>
+                            </p:childTnLst>
+                          </p:cTn>
+                        </p:par>
+                      </p:childTnLst>
+                    </p:cTn>
+                  </p:par>
+                </p:childTnLst>
+              </p:cTn>
+              <p:prevCondLst>
+                <p:cond evt="onPrev" delay="0">
+                  <p:tgtEl>
+                    <p:sldTgt/>
+                  </p:tgtEl>
+                </p:cond>
+              </p:prevCondLst>
+              <p:nextCondLst>
+                <p:cond evt="onNext" delay="0">
+                  <p:tgtEl>
+                    <p:sldTgt/>
+                  </p:tgtEl>
+                </p:cond>
+              </p:nextCondLst>
+            </p:seq>
+          </p:childTnLst>
+        </p:cTn>
+      </p:par>
+    </p:tnLst>
+  </p:timing>
 </p:sld>
 </file>
 
@@ -4300,13 +6988,13 @@
           <a:lstStyle/>
           <a:p>
             <a:r>
-              <a:rPr lang="de-DE" sz="4000" b="0" i="0">
+              <a:rPr lang="de-DE" sz="4000" b="0" i="0" dirty="0">
                 <a:effectLst/>
                 <a:latin typeface="Arial" panose="020B0604020202020204" pitchFamily="34" charset="0"/>
               </a:rPr>
               <a:t>Sprungantwort</a:t>
             </a:r>
-            <a:endParaRPr lang="de-DE" sz="4000"/>
+            <a:endParaRPr lang="de-DE" sz="4000" dirty="0"/>
           </a:p>
         </p:txBody>
       </p:sp>
@@ -4412,6 +7100,230 @@
           </a:prstGeom>
         </p:spPr>
       </p:pic>
+      <p:cxnSp>
+        <p:nvCxnSpPr>
+          <p:cNvPr id="20" name="Gerader Verbinder 19">
+            <a:extLst>
+              <a:ext uri="{FF2B5EF4-FFF2-40B4-BE49-F238E27FC236}">
+                <a16:creationId xmlns:a16="http://schemas.microsoft.com/office/drawing/2014/main" id="{A0EE0DDB-F6D2-4BE3-B928-C03C66EF19DD}"/>
+              </a:ext>
+            </a:extLst>
+          </p:cNvPr>
+          <p:cNvCxnSpPr/>
+          <p:nvPr/>
+        </p:nvCxnSpPr>
+        <p:spPr>
+          <a:xfrm>
+            <a:off x="1463040" y="3214468"/>
+            <a:ext cx="0" cy="2160000"/>
+          </a:xfrm>
+          <a:prstGeom prst="line">
+            <a:avLst/>
+          </a:prstGeom>
+          <a:ln w="19050"/>
+        </p:spPr>
+        <p:style>
+          <a:lnRef idx="1">
+            <a:schemeClr val="accent1"/>
+          </a:lnRef>
+          <a:fillRef idx="0">
+            <a:schemeClr val="accent1"/>
+          </a:fillRef>
+          <a:effectRef idx="0">
+            <a:schemeClr val="accent1"/>
+          </a:effectRef>
+          <a:fontRef idx="minor">
+            <a:schemeClr val="tx1"/>
+          </a:fontRef>
+        </p:style>
+      </p:cxnSp>
+      <p:cxnSp>
+        <p:nvCxnSpPr>
+          <p:cNvPr id="22" name="Gerader Verbinder 21">
+            <a:extLst>
+              <a:ext uri="{FF2B5EF4-FFF2-40B4-BE49-F238E27FC236}">
+                <a16:creationId xmlns:a16="http://schemas.microsoft.com/office/drawing/2014/main" id="{28E9C676-656B-400F-9EC0-0A598273EFCF}"/>
+              </a:ext>
+            </a:extLst>
+          </p:cNvPr>
+          <p:cNvCxnSpPr>
+            <a:cxnSpLocks/>
+          </p:cNvCxnSpPr>
+          <p:nvPr/>
+        </p:nvCxnSpPr>
+        <p:spPr>
+          <a:xfrm>
+            <a:off x="1854591" y="3214468"/>
+            <a:ext cx="0" cy="2160000"/>
+          </a:xfrm>
+          <a:prstGeom prst="line">
+            <a:avLst/>
+          </a:prstGeom>
+          <a:ln w="19050"/>
+        </p:spPr>
+        <p:style>
+          <a:lnRef idx="1">
+            <a:schemeClr val="accent1"/>
+          </a:lnRef>
+          <a:fillRef idx="0">
+            <a:schemeClr val="accent1"/>
+          </a:fillRef>
+          <a:effectRef idx="0">
+            <a:schemeClr val="accent1"/>
+          </a:effectRef>
+          <a:fontRef idx="minor">
+            <a:schemeClr val="tx1"/>
+          </a:fontRef>
+        </p:style>
+      </p:cxnSp>
+      <p:cxnSp>
+        <p:nvCxnSpPr>
+          <p:cNvPr id="24" name="Gerader Verbinder 23">
+            <a:extLst>
+              <a:ext uri="{FF2B5EF4-FFF2-40B4-BE49-F238E27FC236}">
+                <a16:creationId xmlns:a16="http://schemas.microsoft.com/office/drawing/2014/main" id="{A3A6B235-7FE4-42B1-862B-F665FFA6BE09}"/>
+              </a:ext>
+            </a:extLst>
+          </p:cNvPr>
+          <p:cNvCxnSpPr>
+            <a:cxnSpLocks/>
+          </p:cNvCxnSpPr>
+          <p:nvPr/>
+        </p:nvCxnSpPr>
+        <p:spPr>
+          <a:xfrm>
+            <a:off x="1629508" y="5577840"/>
+            <a:ext cx="0" cy="293686"/>
+          </a:xfrm>
+          <a:prstGeom prst="line">
+            <a:avLst/>
+          </a:prstGeom>
+          <a:ln w="19050"/>
+        </p:spPr>
+        <p:style>
+          <a:lnRef idx="1">
+            <a:schemeClr val="accent1"/>
+          </a:lnRef>
+          <a:fillRef idx="0">
+            <a:schemeClr val="accent1"/>
+          </a:fillRef>
+          <a:effectRef idx="0">
+            <a:schemeClr val="accent1"/>
+          </a:effectRef>
+          <a:fontRef idx="minor">
+            <a:schemeClr val="tx1"/>
+          </a:fontRef>
+        </p:style>
+      </p:cxnSp>
+      <p:cxnSp>
+        <p:nvCxnSpPr>
+          <p:cNvPr id="27" name="Gerader Verbinder 26">
+            <a:extLst>
+              <a:ext uri="{FF2B5EF4-FFF2-40B4-BE49-F238E27FC236}">
+                <a16:creationId xmlns:a16="http://schemas.microsoft.com/office/drawing/2014/main" id="{03EBE578-E83F-4E76-8646-9F4A4476A3A9}"/>
+              </a:ext>
+            </a:extLst>
+          </p:cNvPr>
+          <p:cNvCxnSpPr>
+            <a:cxnSpLocks/>
+          </p:cNvCxnSpPr>
+          <p:nvPr/>
+        </p:nvCxnSpPr>
+        <p:spPr>
+          <a:xfrm>
+            <a:off x="1553308" y="5577840"/>
+            <a:ext cx="152400" cy="0"/>
+          </a:xfrm>
+          <a:prstGeom prst="line">
+            <a:avLst/>
+          </a:prstGeom>
+          <a:ln w="19050"/>
+        </p:spPr>
+        <p:style>
+          <a:lnRef idx="1">
+            <a:schemeClr val="accent1"/>
+          </a:lnRef>
+          <a:fillRef idx="0">
+            <a:schemeClr val="accent1"/>
+          </a:fillRef>
+          <a:effectRef idx="0">
+            <a:schemeClr val="accent1"/>
+          </a:effectRef>
+          <a:fontRef idx="minor">
+            <a:schemeClr val="tx1"/>
+          </a:fontRef>
+        </p:style>
+      </p:cxnSp>
+      <p:cxnSp>
+        <p:nvCxnSpPr>
+          <p:cNvPr id="30" name="Gerade Verbindung mit Pfeil 29">
+            <a:extLst>
+              <a:ext uri="{FF2B5EF4-FFF2-40B4-BE49-F238E27FC236}">
+                <a16:creationId xmlns:a16="http://schemas.microsoft.com/office/drawing/2014/main" id="{E0B0B5EF-7B92-46C7-A74D-316B5AEF9B43}"/>
+              </a:ext>
+            </a:extLst>
+          </p:cNvPr>
+          <p:cNvCxnSpPr/>
+          <p:nvPr/>
+        </p:nvCxnSpPr>
+        <p:spPr>
+          <a:xfrm>
+            <a:off x="1463040" y="5374468"/>
+            <a:ext cx="391551" cy="0"/>
+          </a:xfrm>
+          <a:prstGeom prst="straightConnector1">
+            <a:avLst/>
+          </a:prstGeom>
+          <a:ln>
+            <a:headEnd type="triangle"/>
+            <a:tailEnd type="triangle"/>
+          </a:ln>
+        </p:spPr>
+        <p:style>
+          <a:lnRef idx="1">
+            <a:schemeClr val="accent1"/>
+          </a:lnRef>
+          <a:fillRef idx="0">
+            <a:schemeClr val="accent1"/>
+          </a:fillRef>
+          <a:effectRef idx="0">
+            <a:schemeClr val="accent1"/>
+          </a:effectRef>
+          <a:fontRef idx="minor">
+            <a:schemeClr val="tx1"/>
+          </a:fontRef>
+        </p:style>
+      </p:cxnSp>
+      <p:pic>
+        <p:nvPicPr>
+          <p:cNvPr id="32" name="Grafik 31">
+            <a:extLst>
+              <a:ext uri="{FF2B5EF4-FFF2-40B4-BE49-F238E27FC236}">
+                <a16:creationId xmlns:a16="http://schemas.microsoft.com/office/drawing/2014/main" id="{2D1B3A6B-4B16-42AE-8D14-D83AE2C3301D}"/>
+              </a:ext>
+            </a:extLst>
+          </p:cNvPr>
+          <p:cNvPicPr>
+            <a:picLocks noChangeAspect="1"/>
+          </p:cNvPicPr>
+          <p:nvPr/>
+        </p:nvPicPr>
+        <p:blipFill>
+          <a:blip r:embed="rId5"/>
+          <a:stretch>
+            <a:fillRect/>
+          </a:stretch>
+        </p:blipFill>
+        <p:spPr>
+          <a:xfrm>
+            <a:off x="7391476" y="3766447"/>
+            <a:ext cx="4288598" cy="1958377"/>
+          </a:xfrm>
+          <a:prstGeom prst="rect">
+            <a:avLst/>
+          </a:prstGeom>
+        </p:spPr>
+      </p:pic>
     </p:spTree>
     <p:extLst>
       <p:ext uri="{BB962C8B-B14F-4D97-AF65-F5344CB8AC3E}">
@@ -4422,6 +7334,1607 @@
   <p:clrMapOvr>
     <a:masterClrMapping/>
   </p:clrMapOvr>
+  <p:timing>
+    <p:tnLst>
+      <p:par>
+        <p:cTn id="1" dur="indefinite" restart="never" nodeType="tmRoot">
+          <p:childTnLst>
+            <p:seq concurrent="1" nextAc="seek">
+              <p:cTn id="2" dur="indefinite" nodeType="mainSeq">
+                <p:childTnLst>
+                  <p:par>
+                    <p:cTn id="3" fill="hold">
+                      <p:stCondLst>
+                        <p:cond delay="indefinite"/>
+                      </p:stCondLst>
+                      <p:childTnLst>
+                        <p:par>
+                          <p:cTn id="4" fill="hold">
+                            <p:stCondLst>
+                              <p:cond delay="0"/>
+                            </p:stCondLst>
+                            <p:childTnLst>
+                              <p:par>
+                                <p:cTn id="5" presetID="1" presetClass="entr" presetSubtype="0" fill="hold" nodeType="clickEffect">
+                                  <p:stCondLst>
+                                    <p:cond delay="0"/>
+                                  </p:stCondLst>
+                                  <p:childTnLst>
+                                    <p:set>
+                                      <p:cBhvr>
+                                        <p:cTn id="6" dur="1" fill="hold">
+                                          <p:stCondLst>
+                                            <p:cond delay="0"/>
+                                          </p:stCondLst>
+                                        </p:cTn>
+                                        <p:tgtEl>
+                                          <p:spTgt spid="20"/>
+                                        </p:tgtEl>
+                                        <p:attrNameLst>
+                                          <p:attrName>style.visibility</p:attrName>
+                                        </p:attrNameLst>
+                                      </p:cBhvr>
+                                      <p:to>
+                                        <p:strVal val="visible"/>
+                                      </p:to>
+                                    </p:set>
+                                  </p:childTnLst>
+                                </p:cTn>
+                              </p:par>
+                              <p:par>
+                                <p:cTn id="7" presetID="1" presetClass="entr" presetSubtype="0" fill="hold" nodeType="withEffect">
+                                  <p:stCondLst>
+                                    <p:cond delay="0"/>
+                                  </p:stCondLst>
+                                  <p:childTnLst>
+                                    <p:set>
+                                      <p:cBhvr>
+                                        <p:cTn id="8" dur="1" fill="hold">
+                                          <p:stCondLst>
+                                            <p:cond delay="0"/>
+                                          </p:stCondLst>
+                                        </p:cTn>
+                                        <p:tgtEl>
+                                          <p:spTgt spid="30"/>
+                                        </p:tgtEl>
+                                        <p:attrNameLst>
+                                          <p:attrName>style.visibility</p:attrName>
+                                        </p:attrNameLst>
+                                      </p:cBhvr>
+                                      <p:to>
+                                        <p:strVal val="visible"/>
+                                      </p:to>
+                                    </p:set>
+                                  </p:childTnLst>
+                                </p:cTn>
+                              </p:par>
+                              <p:par>
+                                <p:cTn id="9" presetID="1" presetClass="entr" presetSubtype="0" fill="hold" nodeType="withEffect">
+                                  <p:stCondLst>
+                                    <p:cond delay="0"/>
+                                  </p:stCondLst>
+                                  <p:childTnLst>
+                                    <p:set>
+                                      <p:cBhvr>
+                                        <p:cTn id="10" dur="1" fill="hold">
+                                          <p:stCondLst>
+                                            <p:cond delay="0"/>
+                                          </p:stCondLst>
+                                        </p:cTn>
+                                        <p:tgtEl>
+                                          <p:spTgt spid="22"/>
+                                        </p:tgtEl>
+                                        <p:attrNameLst>
+                                          <p:attrName>style.visibility</p:attrName>
+                                        </p:attrNameLst>
+                                      </p:cBhvr>
+                                      <p:to>
+                                        <p:strVal val="visible"/>
+                                      </p:to>
+                                    </p:set>
+                                  </p:childTnLst>
+                                </p:cTn>
+                              </p:par>
+                              <p:par>
+                                <p:cTn id="11" presetID="1" presetClass="entr" presetSubtype="0" fill="hold" nodeType="withEffect">
+                                  <p:stCondLst>
+                                    <p:cond delay="0"/>
+                                  </p:stCondLst>
+                                  <p:childTnLst>
+                                    <p:set>
+                                      <p:cBhvr>
+                                        <p:cTn id="12" dur="1" fill="hold">
+                                          <p:stCondLst>
+                                            <p:cond delay="0"/>
+                                          </p:stCondLst>
+                                        </p:cTn>
+                                        <p:tgtEl>
+                                          <p:spTgt spid="27"/>
+                                        </p:tgtEl>
+                                        <p:attrNameLst>
+                                          <p:attrName>style.visibility</p:attrName>
+                                        </p:attrNameLst>
+                                      </p:cBhvr>
+                                      <p:to>
+                                        <p:strVal val="visible"/>
+                                      </p:to>
+                                    </p:set>
+                                  </p:childTnLst>
+                                </p:cTn>
+                              </p:par>
+                              <p:par>
+                                <p:cTn id="13" presetID="1" presetClass="entr" presetSubtype="0" fill="hold" nodeType="withEffect">
+                                  <p:stCondLst>
+                                    <p:cond delay="0"/>
+                                  </p:stCondLst>
+                                  <p:childTnLst>
+                                    <p:set>
+                                      <p:cBhvr>
+                                        <p:cTn id="14" dur="1" fill="hold">
+                                          <p:stCondLst>
+                                            <p:cond delay="0"/>
+                                          </p:stCondLst>
+                                        </p:cTn>
+                                        <p:tgtEl>
+                                          <p:spTgt spid="24"/>
+                                        </p:tgtEl>
+                                        <p:attrNameLst>
+                                          <p:attrName>style.visibility</p:attrName>
+                                        </p:attrNameLst>
+                                      </p:cBhvr>
+                                      <p:to>
+                                        <p:strVal val="visible"/>
+                                      </p:to>
+                                    </p:set>
+                                  </p:childTnLst>
+                                </p:cTn>
+                              </p:par>
+                            </p:childTnLst>
+                          </p:cTn>
+                        </p:par>
+                      </p:childTnLst>
+                    </p:cTn>
+                  </p:par>
+                  <p:par>
+                    <p:cTn id="15" fill="hold">
+                      <p:stCondLst>
+                        <p:cond delay="indefinite"/>
+                      </p:stCondLst>
+                      <p:childTnLst>
+                        <p:par>
+                          <p:cTn id="16" fill="hold">
+                            <p:stCondLst>
+                              <p:cond delay="0"/>
+                            </p:stCondLst>
+                            <p:childTnLst>
+                              <p:par>
+                                <p:cTn id="17" presetID="1" presetClass="entr" presetSubtype="0" fill="hold" nodeType="clickEffect">
+                                  <p:stCondLst>
+                                    <p:cond delay="0"/>
+                                  </p:stCondLst>
+                                  <p:childTnLst>
+                                    <p:set>
+                                      <p:cBhvr>
+                                        <p:cTn id="18" dur="1" fill="hold">
+                                          <p:stCondLst>
+                                            <p:cond delay="0"/>
+                                          </p:stCondLst>
+                                        </p:cTn>
+                                        <p:tgtEl>
+                                          <p:spTgt spid="7"/>
+                                        </p:tgtEl>
+                                        <p:attrNameLst>
+                                          <p:attrName>style.visibility</p:attrName>
+                                        </p:attrNameLst>
+                                      </p:cBhvr>
+                                      <p:to>
+                                        <p:strVal val="visible"/>
+                                      </p:to>
+                                    </p:set>
+                                  </p:childTnLst>
+                                </p:cTn>
+                              </p:par>
+                            </p:childTnLst>
+                          </p:cTn>
+                        </p:par>
+                      </p:childTnLst>
+                    </p:cTn>
+                  </p:par>
+                  <p:par>
+                    <p:cTn id="19" fill="hold">
+                      <p:stCondLst>
+                        <p:cond delay="indefinite"/>
+                      </p:stCondLst>
+                      <p:childTnLst>
+                        <p:par>
+                          <p:cTn id="20" fill="hold">
+                            <p:stCondLst>
+                              <p:cond delay="0"/>
+                            </p:stCondLst>
+                            <p:childTnLst>
+                              <p:par>
+                                <p:cTn id="21" presetID="1" presetClass="entr" presetSubtype="0" fill="hold" nodeType="clickEffect">
+                                  <p:stCondLst>
+                                    <p:cond delay="0"/>
+                                  </p:stCondLst>
+                                  <p:childTnLst>
+                                    <p:set>
+                                      <p:cBhvr>
+                                        <p:cTn id="22" dur="1" fill="hold">
+                                          <p:stCondLst>
+                                            <p:cond delay="0"/>
+                                          </p:stCondLst>
+                                        </p:cTn>
+                                        <p:tgtEl>
+                                          <p:spTgt spid="32"/>
+                                        </p:tgtEl>
+                                        <p:attrNameLst>
+                                          <p:attrName>style.visibility</p:attrName>
+                                        </p:attrNameLst>
+                                      </p:cBhvr>
+                                      <p:to>
+                                        <p:strVal val="visible"/>
+                                      </p:to>
+                                    </p:set>
+                                  </p:childTnLst>
+                                </p:cTn>
+                              </p:par>
+                            </p:childTnLst>
+                          </p:cTn>
+                        </p:par>
+                      </p:childTnLst>
+                    </p:cTn>
+                  </p:par>
+                </p:childTnLst>
+              </p:cTn>
+              <p:prevCondLst>
+                <p:cond evt="onPrev" delay="0">
+                  <p:tgtEl>
+                    <p:sldTgt/>
+                  </p:tgtEl>
+                </p:cond>
+              </p:prevCondLst>
+              <p:nextCondLst>
+                <p:cond evt="onNext" delay="0">
+                  <p:tgtEl>
+                    <p:sldTgt/>
+                  </p:tgtEl>
+                </p:cond>
+              </p:nextCondLst>
+            </p:seq>
+          </p:childTnLst>
+        </p:cTn>
+      </p:par>
+    </p:tnLst>
+  </p:timing>
+</p:sld>
+</file>
+
+<file path=ppt/slides/slide7.xml><?xml version="1.0" encoding="utf-8"?>
+<p:sld xmlns:a="http://schemas.openxmlformats.org/drawingml/2006/main" xmlns:r="http://schemas.openxmlformats.org/officeDocument/2006/relationships" xmlns:p="http://schemas.openxmlformats.org/presentationml/2006/main">
+  <p:cSld>
+    <p:spTree>
+      <p:nvGrpSpPr>
+        <p:cNvPr id="1" name=""/>
+        <p:cNvGrpSpPr/>
+        <p:nvPr/>
+      </p:nvGrpSpPr>
+      <p:grpSpPr>
+        <a:xfrm>
+          <a:off x="0" y="0"/>
+          <a:ext cx="0" cy="0"/>
+          <a:chOff x="0" y="0"/>
+          <a:chExt cx="0" cy="0"/>
+        </a:xfrm>
+      </p:grpSpPr>
+      <p:sp>
+        <p:nvSpPr>
+          <p:cNvPr id="3" name="Inhaltsplatzhalter 2">
+            <a:extLst>
+              <a:ext uri="{FF2B5EF4-FFF2-40B4-BE49-F238E27FC236}">
+                <a16:creationId xmlns:a16="http://schemas.microsoft.com/office/drawing/2014/main" id="{0DCD54C1-D19F-4BE5-BC1A-D46C3377128E}"/>
+              </a:ext>
+            </a:extLst>
+          </p:cNvPr>
+          <p:cNvSpPr>
+            <a:spLocks noGrp="1"/>
+          </p:cNvSpPr>
+          <p:nvPr>
+            <p:ph idx="1"/>
+          </p:nvPr>
+        </p:nvSpPr>
+        <p:spPr/>
+        <p:txBody>
+          <a:bodyPr/>
+          <a:lstStyle/>
+          <a:p>
+            <a:pPr marL="0" indent="0">
+              <a:buNone/>
+            </a:pPr>
+            <a:endParaRPr lang="de-DE" dirty="0"/>
+          </a:p>
+          <a:p>
+            <a:endParaRPr lang="de-DE" dirty="0"/>
+          </a:p>
+          <a:p>
+            <a:endParaRPr lang="de-DE" dirty="0"/>
+          </a:p>
+        </p:txBody>
+      </p:sp>
+      <p:pic>
+        <p:nvPicPr>
+          <p:cNvPr id="5" name="Grafik 4">
+            <a:extLst>
+              <a:ext uri="{FF2B5EF4-FFF2-40B4-BE49-F238E27FC236}">
+                <a16:creationId xmlns:a16="http://schemas.microsoft.com/office/drawing/2014/main" id="{283C1DBB-2DB4-42D4-9C36-E7E6536C316E}"/>
+              </a:ext>
+            </a:extLst>
+          </p:cNvPr>
+          <p:cNvPicPr>
+            <a:picLocks noChangeAspect="1"/>
+          </p:cNvPicPr>
+          <p:nvPr/>
+        </p:nvPicPr>
+        <p:blipFill>
+          <a:blip r:embed="rId3"/>
+          <a:stretch>
+            <a:fillRect/>
+          </a:stretch>
+        </p:blipFill>
+        <p:spPr>
+          <a:xfrm>
+            <a:off x="4167186" y="1690688"/>
+            <a:ext cx="3857625" cy="828675"/>
+          </a:xfrm>
+          <a:prstGeom prst="rect">
+            <a:avLst/>
+          </a:prstGeom>
+        </p:spPr>
+      </p:pic>
+      <p:pic>
+        <p:nvPicPr>
+          <p:cNvPr id="7" name="Grafik 6">
+            <a:extLst>
+              <a:ext uri="{FF2B5EF4-FFF2-40B4-BE49-F238E27FC236}">
+                <a16:creationId xmlns:a16="http://schemas.microsoft.com/office/drawing/2014/main" id="{1CD984C0-7AFD-4015-B10B-13CECB9AD7EB}"/>
+              </a:ext>
+            </a:extLst>
+          </p:cNvPr>
+          <p:cNvPicPr>
+            <a:picLocks noChangeAspect="1"/>
+          </p:cNvPicPr>
+          <p:nvPr/>
+        </p:nvPicPr>
+        <p:blipFill>
+          <a:blip r:embed="rId4"/>
+          <a:stretch>
+            <a:fillRect/>
+          </a:stretch>
+        </p:blipFill>
+        <p:spPr>
+          <a:xfrm>
+            <a:off x="4133849" y="4098021"/>
+            <a:ext cx="3924300" cy="1419225"/>
+          </a:xfrm>
+          <a:prstGeom prst="rect">
+            <a:avLst/>
+          </a:prstGeom>
+        </p:spPr>
+      </p:pic>
+      <p:sp>
+        <p:nvSpPr>
+          <p:cNvPr id="9" name="Titel 8">
+            <a:extLst>
+              <a:ext uri="{FF2B5EF4-FFF2-40B4-BE49-F238E27FC236}">
+                <a16:creationId xmlns:a16="http://schemas.microsoft.com/office/drawing/2014/main" id="{6C8E01DC-FCF8-4680-AB6C-C4166233B327}"/>
+              </a:ext>
+            </a:extLst>
+          </p:cNvPr>
+          <p:cNvSpPr>
+            <a:spLocks noGrp="1"/>
+          </p:cNvSpPr>
+          <p:nvPr>
+            <p:ph type="title"/>
+          </p:nvPr>
+        </p:nvSpPr>
+        <p:spPr/>
+        <p:txBody>
+          <a:bodyPr/>
+          <a:lstStyle/>
+          <a:p>
+            <a:pPr algn="ctr"/>
+            <a:r>
+              <a:rPr lang="de-DE" dirty="0"/>
+              <a:t>Abtastrate</a:t>
+            </a:r>
+          </a:p>
+        </p:txBody>
+      </p:sp>
+    </p:spTree>
+    <p:extLst>
+      <p:ext uri="{BB962C8B-B14F-4D97-AF65-F5344CB8AC3E}">
+        <p14:creationId xmlns:p14="http://schemas.microsoft.com/office/powerpoint/2010/main" val="1696942782"/>
+      </p:ext>
+    </p:extLst>
+  </p:cSld>
+  <p:clrMapOvr>
+    <a:masterClrMapping/>
+  </p:clrMapOvr>
+  <p:timing>
+    <p:tnLst>
+      <p:par>
+        <p:cTn id="1" dur="indefinite" restart="never" nodeType="tmRoot">
+          <p:childTnLst>
+            <p:seq concurrent="1" nextAc="seek">
+              <p:cTn id="2" dur="indefinite" nodeType="mainSeq">
+                <p:childTnLst>
+                  <p:par>
+                    <p:cTn id="3" fill="hold">
+                      <p:stCondLst>
+                        <p:cond delay="indefinite"/>
+                      </p:stCondLst>
+                      <p:childTnLst>
+                        <p:par>
+                          <p:cTn id="4" fill="hold">
+                            <p:stCondLst>
+                              <p:cond delay="0"/>
+                            </p:stCondLst>
+                            <p:childTnLst>
+                              <p:par>
+                                <p:cTn id="5" presetID="1" presetClass="entr" presetSubtype="0" fill="hold" nodeType="clickEffect">
+                                  <p:stCondLst>
+                                    <p:cond delay="0"/>
+                                  </p:stCondLst>
+                                  <p:childTnLst>
+                                    <p:set>
+                                      <p:cBhvr>
+                                        <p:cTn id="6" dur="1" fill="hold">
+                                          <p:stCondLst>
+                                            <p:cond delay="0"/>
+                                          </p:stCondLst>
+                                        </p:cTn>
+                                        <p:tgtEl>
+                                          <p:spTgt spid="5"/>
+                                        </p:tgtEl>
+                                        <p:attrNameLst>
+                                          <p:attrName>style.visibility</p:attrName>
+                                        </p:attrNameLst>
+                                      </p:cBhvr>
+                                      <p:to>
+                                        <p:strVal val="visible"/>
+                                      </p:to>
+                                    </p:set>
+                                  </p:childTnLst>
+                                </p:cTn>
+                              </p:par>
+                            </p:childTnLst>
+                          </p:cTn>
+                        </p:par>
+                      </p:childTnLst>
+                    </p:cTn>
+                  </p:par>
+                  <p:par>
+                    <p:cTn id="7" fill="hold">
+                      <p:stCondLst>
+                        <p:cond delay="indefinite"/>
+                      </p:stCondLst>
+                      <p:childTnLst>
+                        <p:par>
+                          <p:cTn id="8" fill="hold">
+                            <p:stCondLst>
+                              <p:cond delay="0"/>
+                            </p:stCondLst>
+                            <p:childTnLst>
+                              <p:par>
+                                <p:cTn id="9" presetID="1" presetClass="entr" presetSubtype="0" fill="hold" nodeType="clickEffect">
+                                  <p:stCondLst>
+                                    <p:cond delay="0"/>
+                                  </p:stCondLst>
+                                  <p:childTnLst>
+                                    <p:set>
+                                      <p:cBhvr>
+                                        <p:cTn id="10" dur="1" fill="hold">
+                                          <p:stCondLst>
+                                            <p:cond delay="0"/>
+                                          </p:stCondLst>
+                                        </p:cTn>
+                                        <p:tgtEl>
+                                          <p:spTgt spid="7"/>
+                                        </p:tgtEl>
+                                        <p:attrNameLst>
+                                          <p:attrName>style.visibility</p:attrName>
+                                        </p:attrNameLst>
+                                      </p:cBhvr>
+                                      <p:to>
+                                        <p:strVal val="visible"/>
+                                      </p:to>
+                                    </p:set>
+                                  </p:childTnLst>
+                                </p:cTn>
+                              </p:par>
+                            </p:childTnLst>
+                          </p:cTn>
+                        </p:par>
+                      </p:childTnLst>
+                    </p:cTn>
+                  </p:par>
+                </p:childTnLst>
+              </p:cTn>
+              <p:prevCondLst>
+                <p:cond evt="onPrev" delay="0">
+                  <p:tgtEl>
+                    <p:sldTgt/>
+                  </p:tgtEl>
+                </p:cond>
+              </p:prevCondLst>
+              <p:nextCondLst>
+                <p:cond evt="onNext" delay="0">
+                  <p:tgtEl>
+                    <p:sldTgt/>
+                  </p:tgtEl>
+                </p:cond>
+              </p:nextCondLst>
+            </p:seq>
+          </p:childTnLst>
+        </p:cTn>
+      </p:par>
+    </p:tnLst>
+  </p:timing>
+</p:sld>
+</file>
+
+<file path=ppt/slides/slide8.xml><?xml version="1.0" encoding="utf-8"?>
+<p:sld xmlns:a="http://schemas.openxmlformats.org/drawingml/2006/main" xmlns:r="http://schemas.openxmlformats.org/officeDocument/2006/relationships" xmlns:p="http://schemas.openxmlformats.org/presentationml/2006/main">
+  <p:cSld>
+    <p:spTree>
+      <p:nvGrpSpPr>
+        <p:cNvPr id="1" name=""/>
+        <p:cNvGrpSpPr/>
+        <p:nvPr/>
+      </p:nvGrpSpPr>
+      <p:grpSpPr>
+        <a:xfrm>
+          <a:off x="0" y="0"/>
+          <a:ext cx="0" cy="0"/>
+          <a:chOff x="0" y="0"/>
+          <a:chExt cx="0" cy="0"/>
+        </a:xfrm>
+      </p:grpSpPr>
+      <p:sp>
+        <p:nvSpPr>
+          <p:cNvPr id="2" name="Titel 1">
+            <a:extLst>
+              <a:ext uri="{FF2B5EF4-FFF2-40B4-BE49-F238E27FC236}">
+                <a16:creationId xmlns:a16="http://schemas.microsoft.com/office/drawing/2014/main" id="{EC2BD81A-E64B-4678-BFF9-CDD7D81BDB15}"/>
+              </a:ext>
+            </a:extLst>
+          </p:cNvPr>
+          <p:cNvSpPr>
+            <a:spLocks noGrp="1"/>
+          </p:cNvSpPr>
+          <p:nvPr>
+            <p:ph type="title"/>
+          </p:nvPr>
+        </p:nvSpPr>
+        <p:spPr/>
+        <p:txBody>
+          <a:bodyPr/>
+          <a:lstStyle/>
+          <a:p>
+            <a:pPr algn="ctr"/>
+            <a:r>
+              <a:rPr lang="de-DE" dirty="0"/>
+              <a:t>Anti-Aliasing Filter</a:t>
+            </a:r>
+          </a:p>
+        </p:txBody>
+      </p:sp>
+      <p:pic>
+        <p:nvPicPr>
+          <p:cNvPr id="5" name="Grafik 4">
+            <a:extLst>
+              <a:ext uri="{FF2B5EF4-FFF2-40B4-BE49-F238E27FC236}">
+                <a16:creationId xmlns:a16="http://schemas.microsoft.com/office/drawing/2014/main" id="{B8A1986A-C784-4322-900E-6CC72887D705}"/>
+              </a:ext>
+            </a:extLst>
+          </p:cNvPr>
+          <p:cNvPicPr>
+            <a:picLocks noChangeAspect="1"/>
+          </p:cNvPicPr>
+          <p:nvPr/>
+        </p:nvPicPr>
+        <p:blipFill>
+          <a:blip r:embed="rId3"/>
+          <a:stretch>
+            <a:fillRect/>
+          </a:stretch>
+        </p:blipFill>
+        <p:spPr>
+          <a:xfrm>
+            <a:off x="4163121" y="4732702"/>
+            <a:ext cx="3865758" cy="1360282"/>
+          </a:xfrm>
+          <a:prstGeom prst="rect">
+            <a:avLst/>
+          </a:prstGeom>
+        </p:spPr>
+      </p:pic>
+      <p:pic>
+        <p:nvPicPr>
+          <p:cNvPr id="7" name="Grafik 6">
+            <a:extLst>
+              <a:ext uri="{FF2B5EF4-FFF2-40B4-BE49-F238E27FC236}">
+                <a16:creationId xmlns:a16="http://schemas.microsoft.com/office/drawing/2014/main" id="{633BAAC1-206E-4966-A6A1-5CC92A521A17}"/>
+              </a:ext>
+            </a:extLst>
+          </p:cNvPr>
+          <p:cNvPicPr>
+            <a:picLocks noChangeAspect="1"/>
+          </p:cNvPicPr>
+          <p:nvPr/>
+        </p:nvPicPr>
+        <p:blipFill>
+          <a:blip r:embed="rId4"/>
+          <a:stretch>
+            <a:fillRect/>
+          </a:stretch>
+        </p:blipFill>
+        <p:spPr>
+          <a:xfrm>
+            <a:off x="4551613" y="2004565"/>
+            <a:ext cx="3088774" cy="1424435"/>
+          </a:xfrm>
+          <a:prstGeom prst="rect">
+            <a:avLst/>
+          </a:prstGeom>
+        </p:spPr>
+      </p:pic>
+    </p:spTree>
+    <p:extLst>
+      <p:ext uri="{BB962C8B-B14F-4D97-AF65-F5344CB8AC3E}">
+        <p14:creationId xmlns:p14="http://schemas.microsoft.com/office/powerpoint/2010/main" val="545340232"/>
+      </p:ext>
+    </p:extLst>
+  </p:cSld>
+  <p:clrMapOvr>
+    <a:masterClrMapping/>
+  </p:clrMapOvr>
+  <p:timing>
+    <p:tnLst>
+      <p:par>
+        <p:cTn id="1" dur="indefinite" restart="never" nodeType="tmRoot">
+          <p:childTnLst>
+            <p:seq concurrent="1" nextAc="seek">
+              <p:cTn id="2" dur="indefinite" nodeType="mainSeq">
+                <p:childTnLst>
+                  <p:par>
+                    <p:cTn id="3" fill="hold">
+                      <p:stCondLst>
+                        <p:cond delay="indefinite"/>
+                      </p:stCondLst>
+                      <p:childTnLst>
+                        <p:par>
+                          <p:cTn id="4" fill="hold">
+                            <p:stCondLst>
+                              <p:cond delay="0"/>
+                            </p:stCondLst>
+                            <p:childTnLst>
+                              <p:par>
+                                <p:cTn id="5" presetID="1" presetClass="entr" presetSubtype="0" fill="hold" nodeType="clickEffect">
+                                  <p:stCondLst>
+                                    <p:cond delay="0"/>
+                                  </p:stCondLst>
+                                  <p:childTnLst>
+                                    <p:set>
+                                      <p:cBhvr>
+                                        <p:cTn id="6" dur="1" fill="hold">
+                                          <p:stCondLst>
+                                            <p:cond delay="0"/>
+                                          </p:stCondLst>
+                                        </p:cTn>
+                                        <p:tgtEl>
+                                          <p:spTgt spid="7"/>
+                                        </p:tgtEl>
+                                        <p:attrNameLst>
+                                          <p:attrName>style.visibility</p:attrName>
+                                        </p:attrNameLst>
+                                      </p:cBhvr>
+                                      <p:to>
+                                        <p:strVal val="visible"/>
+                                      </p:to>
+                                    </p:set>
+                                  </p:childTnLst>
+                                </p:cTn>
+                              </p:par>
+                            </p:childTnLst>
+                          </p:cTn>
+                        </p:par>
+                      </p:childTnLst>
+                    </p:cTn>
+                  </p:par>
+                  <p:par>
+                    <p:cTn id="7" fill="hold">
+                      <p:stCondLst>
+                        <p:cond delay="indefinite"/>
+                      </p:stCondLst>
+                      <p:childTnLst>
+                        <p:par>
+                          <p:cTn id="8" fill="hold">
+                            <p:stCondLst>
+                              <p:cond delay="0"/>
+                            </p:stCondLst>
+                            <p:childTnLst>
+                              <p:par>
+                                <p:cTn id="9" presetID="1" presetClass="entr" presetSubtype="0" fill="hold" nodeType="clickEffect">
+                                  <p:stCondLst>
+                                    <p:cond delay="0"/>
+                                  </p:stCondLst>
+                                  <p:childTnLst>
+                                    <p:set>
+                                      <p:cBhvr>
+                                        <p:cTn id="10" dur="1" fill="hold">
+                                          <p:stCondLst>
+                                            <p:cond delay="0"/>
+                                          </p:stCondLst>
+                                        </p:cTn>
+                                        <p:tgtEl>
+                                          <p:spTgt spid="5"/>
+                                        </p:tgtEl>
+                                        <p:attrNameLst>
+                                          <p:attrName>style.visibility</p:attrName>
+                                        </p:attrNameLst>
+                                      </p:cBhvr>
+                                      <p:to>
+                                        <p:strVal val="visible"/>
+                                      </p:to>
+                                    </p:set>
+                                  </p:childTnLst>
+                                </p:cTn>
+                              </p:par>
+                            </p:childTnLst>
+                          </p:cTn>
+                        </p:par>
+                      </p:childTnLst>
+                    </p:cTn>
+                  </p:par>
+                </p:childTnLst>
+              </p:cTn>
+              <p:prevCondLst>
+                <p:cond evt="onPrev" delay="0">
+                  <p:tgtEl>
+                    <p:sldTgt/>
+                  </p:tgtEl>
+                </p:cond>
+              </p:prevCondLst>
+              <p:nextCondLst>
+                <p:cond evt="onNext" delay="0">
+                  <p:tgtEl>
+                    <p:sldTgt/>
+                  </p:tgtEl>
+                </p:cond>
+              </p:nextCondLst>
+            </p:seq>
+          </p:childTnLst>
+        </p:cTn>
+      </p:par>
+    </p:tnLst>
+  </p:timing>
+</p:sld>
+</file>
+
+<file path=ppt/slides/slide9.xml><?xml version="1.0" encoding="utf-8"?>
+<p:sld xmlns:a="http://schemas.openxmlformats.org/drawingml/2006/main" xmlns:r="http://schemas.openxmlformats.org/officeDocument/2006/relationships" xmlns:p="http://schemas.openxmlformats.org/presentationml/2006/main">
+  <p:cSld>
+    <p:spTree>
+      <p:nvGrpSpPr>
+        <p:cNvPr id="1" name=""/>
+        <p:cNvGrpSpPr/>
+        <p:nvPr/>
+      </p:nvGrpSpPr>
+      <p:grpSpPr>
+        <a:xfrm>
+          <a:off x="0" y="0"/>
+          <a:ext cx="0" cy="0"/>
+          <a:chOff x="0" y="0"/>
+          <a:chExt cx="0" cy="0"/>
+        </a:xfrm>
+      </p:grpSpPr>
+      <p:sp>
+        <p:nvSpPr>
+          <p:cNvPr id="2" name="Titel 1">
+            <a:extLst>
+              <a:ext uri="{FF2B5EF4-FFF2-40B4-BE49-F238E27FC236}">
+                <a16:creationId xmlns:a16="http://schemas.microsoft.com/office/drawing/2014/main" id="{A022B15D-E8D9-465B-91AD-16DD0111D120}"/>
+              </a:ext>
+            </a:extLst>
+          </p:cNvPr>
+          <p:cNvSpPr>
+            <a:spLocks noGrp="1"/>
+          </p:cNvSpPr>
+          <p:nvPr>
+            <p:ph type="title"/>
+          </p:nvPr>
+        </p:nvSpPr>
+        <p:spPr/>
+        <p:txBody>
+          <a:bodyPr/>
+          <a:lstStyle/>
+          <a:p>
+            <a:pPr algn="ctr"/>
+            <a:r>
+              <a:rPr lang="de-DE" b="0" i="0" dirty="0">
+                <a:effectLst/>
+                <a:latin typeface="Arial" panose="020B0604020202020204" pitchFamily="34" charset="0"/>
+              </a:rPr>
+              <a:t>Stabilit</a:t>
+            </a:r>
+            <a:r>
+              <a:rPr lang="de-DE" dirty="0">
+                <a:latin typeface="Arial" panose="020B0604020202020204" pitchFamily="34" charset="0"/>
+              </a:rPr>
+              <a:t>ä</a:t>
+            </a:r>
+            <a:r>
+              <a:rPr lang="de-DE" b="0" i="0" dirty="0">
+                <a:effectLst/>
+                <a:latin typeface="Arial" panose="020B0604020202020204" pitchFamily="34" charset="0"/>
+              </a:rPr>
+              <a:t>tsrandverfahren</a:t>
+            </a:r>
+            <a:endParaRPr lang="de-DE" dirty="0"/>
+          </a:p>
+        </p:txBody>
+      </p:sp>
+      <p:pic>
+        <p:nvPicPr>
+          <p:cNvPr id="7" name="Inhaltsplatzhalter 6">
+            <a:extLst>
+              <a:ext uri="{FF2B5EF4-FFF2-40B4-BE49-F238E27FC236}">
+                <a16:creationId xmlns:a16="http://schemas.microsoft.com/office/drawing/2014/main" id="{B8CE1A49-E655-4A7E-BE7D-4006C3DDE0B6}"/>
+              </a:ext>
+            </a:extLst>
+          </p:cNvPr>
+          <p:cNvPicPr>
+            <a:picLocks noGrp="1" noChangeAspect="1"/>
+          </p:cNvPicPr>
+          <p:nvPr>
+            <p:ph idx="1"/>
+          </p:nvPr>
+        </p:nvPicPr>
+        <p:blipFill>
+          <a:blip r:embed="rId3"/>
+          <a:stretch>
+            <a:fillRect/>
+          </a:stretch>
+        </p:blipFill>
+        <p:spPr>
+          <a:xfrm>
+            <a:off x="6967538" y="2162234"/>
+            <a:ext cx="3827462" cy="755336"/>
+          </a:xfrm>
+        </p:spPr>
+      </p:pic>
+      <p:pic>
+        <p:nvPicPr>
+          <p:cNvPr id="5" name="Grafik 4">
+            <a:extLst>
+              <a:ext uri="{FF2B5EF4-FFF2-40B4-BE49-F238E27FC236}">
+                <a16:creationId xmlns:a16="http://schemas.microsoft.com/office/drawing/2014/main" id="{CE656A7E-4EF5-4B54-8AA8-DCD836B8E615}"/>
+              </a:ext>
+            </a:extLst>
+          </p:cNvPr>
+          <p:cNvPicPr>
+            <a:picLocks noChangeAspect="1"/>
+          </p:cNvPicPr>
+          <p:nvPr/>
+        </p:nvPicPr>
+        <p:blipFill>
+          <a:blip r:embed="rId4"/>
+          <a:stretch>
+            <a:fillRect/>
+          </a:stretch>
+        </p:blipFill>
+        <p:spPr>
+          <a:xfrm>
+            <a:off x="501674" y="1955018"/>
+            <a:ext cx="5800725" cy="3695700"/>
+          </a:xfrm>
+          <a:prstGeom prst="rect">
+            <a:avLst/>
+          </a:prstGeom>
+        </p:spPr>
+      </p:pic>
+      <p:cxnSp>
+        <p:nvCxnSpPr>
+          <p:cNvPr id="9" name="Gerader Verbinder 8">
+            <a:extLst>
+              <a:ext uri="{FF2B5EF4-FFF2-40B4-BE49-F238E27FC236}">
+                <a16:creationId xmlns:a16="http://schemas.microsoft.com/office/drawing/2014/main" id="{248E821E-86DF-451A-B739-90BFEAB92709}"/>
+              </a:ext>
+            </a:extLst>
+          </p:cNvPr>
+          <p:cNvCxnSpPr>
+            <a:cxnSpLocks/>
+          </p:cNvCxnSpPr>
+          <p:nvPr/>
+        </p:nvCxnSpPr>
+        <p:spPr>
+          <a:xfrm>
+            <a:off x="1990578" y="3828952"/>
+            <a:ext cx="0" cy="2160000"/>
+          </a:xfrm>
+          <a:prstGeom prst="line">
+            <a:avLst/>
+          </a:prstGeom>
+          <a:ln w="19050"/>
+        </p:spPr>
+        <p:style>
+          <a:lnRef idx="1">
+            <a:schemeClr val="accent1"/>
+          </a:lnRef>
+          <a:fillRef idx="0">
+            <a:schemeClr val="accent1"/>
+          </a:fillRef>
+          <a:effectRef idx="0">
+            <a:schemeClr val="accent1"/>
+          </a:effectRef>
+          <a:fontRef idx="minor">
+            <a:schemeClr val="tx1"/>
+          </a:fontRef>
+        </p:style>
+      </p:cxnSp>
+      <p:cxnSp>
+        <p:nvCxnSpPr>
+          <p:cNvPr id="11" name="Gerader Verbinder 10">
+            <a:extLst>
+              <a:ext uri="{FF2B5EF4-FFF2-40B4-BE49-F238E27FC236}">
+                <a16:creationId xmlns:a16="http://schemas.microsoft.com/office/drawing/2014/main" id="{4E836CE6-7C68-433B-B53A-C6D95E3A84DC}"/>
+              </a:ext>
+            </a:extLst>
+          </p:cNvPr>
+          <p:cNvCxnSpPr>
+            <a:cxnSpLocks/>
+          </p:cNvCxnSpPr>
+          <p:nvPr/>
+        </p:nvCxnSpPr>
+        <p:spPr>
+          <a:xfrm>
+            <a:off x="2581422" y="3828952"/>
+            <a:ext cx="0" cy="2160000"/>
+          </a:xfrm>
+          <a:prstGeom prst="line">
+            <a:avLst/>
+          </a:prstGeom>
+          <a:ln w="19050"/>
+        </p:spPr>
+        <p:style>
+          <a:lnRef idx="1">
+            <a:schemeClr val="accent1"/>
+          </a:lnRef>
+          <a:fillRef idx="0">
+            <a:schemeClr val="accent1"/>
+          </a:fillRef>
+          <a:effectRef idx="0">
+            <a:schemeClr val="accent1"/>
+          </a:effectRef>
+          <a:fontRef idx="minor">
+            <a:schemeClr val="tx1"/>
+          </a:fontRef>
+        </p:style>
+      </p:cxnSp>
+      <p:cxnSp>
+        <p:nvCxnSpPr>
+          <p:cNvPr id="13" name="Gerader Verbinder 12">
+            <a:extLst>
+              <a:ext uri="{FF2B5EF4-FFF2-40B4-BE49-F238E27FC236}">
+                <a16:creationId xmlns:a16="http://schemas.microsoft.com/office/drawing/2014/main" id="{C5A59A06-3C74-4EE3-A4BA-BFFC15443E2B}"/>
+              </a:ext>
+            </a:extLst>
+          </p:cNvPr>
+          <p:cNvCxnSpPr>
+            <a:cxnSpLocks/>
+          </p:cNvCxnSpPr>
+          <p:nvPr/>
+        </p:nvCxnSpPr>
+        <p:spPr>
+          <a:xfrm>
+            <a:off x="2262553" y="6129019"/>
+            <a:ext cx="0" cy="187961"/>
+          </a:xfrm>
+          <a:prstGeom prst="line">
+            <a:avLst/>
+          </a:prstGeom>
+          <a:ln w="19050"/>
+        </p:spPr>
+        <p:style>
+          <a:lnRef idx="1">
+            <a:schemeClr val="accent1"/>
+          </a:lnRef>
+          <a:fillRef idx="0">
+            <a:schemeClr val="accent1"/>
+          </a:fillRef>
+          <a:effectRef idx="0">
+            <a:schemeClr val="accent1"/>
+          </a:effectRef>
+          <a:fontRef idx="minor">
+            <a:schemeClr val="tx1"/>
+          </a:fontRef>
+        </p:style>
+      </p:cxnSp>
+      <p:cxnSp>
+        <p:nvCxnSpPr>
+          <p:cNvPr id="15" name="Gerader Verbinder 14">
+            <a:extLst>
+              <a:ext uri="{FF2B5EF4-FFF2-40B4-BE49-F238E27FC236}">
+                <a16:creationId xmlns:a16="http://schemas.microsoft.com/office/drawing/2014/main" id="{59EFC834-7664-4C9B-86CD-1C78AA8B897C}"/>
+              </a:ext>
+            </a:extLst>
+          </p:cNvPr>
+          <p:cNvCxnSpPr>
+            <a:cxnSpLocks/>
+          </p:cNvCxnSpPr>
+          <p:nvPr/>
+        </p:nvCxnSpPr>
+        <p:spPr>
+          <a:xfrm>
+            <a:off x="2186353" y="6129019"/>
+            <a:ext cx="152400" cy="0"/>
+          </a:xfrm>
+          <a:prstGeom prst="line">
+            <a:avLst/>
+          </a:prstGeom>
+          <a:ln w="19050"/>
+        </p:spPr>
+        <p:style>
+          <a:lnRef idx="1">
+            <a:schemeClr val="accent1"/>
+          </a:lnRef>
+          <a:fillRef idx="0">
+            <a:schemeClr val="accent1"/>
+          </a:fillRef>
+          <a:effectRef idx="0">
+            <a:schemeClr val="accent1"/>
+          </a:effectRef>
+          <a:fontRef idx="minor">
+            <a:schemeClr val="tx1"/>
+          </a:fontRef>
+        </p:style>
+      </p:cxnSp>
+      <p:cxnSp>
+        <p:nvCxnSpPr>
+          <p:cNvPr id="17" name="Gerade Verbindung mit Pfeil 16">
+            <a:extLst>
+              <a:ext uri="{FF2B5EF4-FFF2-40B4-BE49-F238E27FC236}">
+                <a16:creationId xmlns:a16="http://schemas.microsoft.com/office/drawing/2014/main" id="{F1B8B142-64C2-464C-BC08-65278B940C01}"/>
+              </a:ext>
+            </a:extLst>
+          </p:cNvPr>
+          <p:cNvCxnSpPr>
+            <a:cxnSpLocks/>
+          </p:cNvCxnSpPr>
+          <p:nvPr/>
+        </p:nvCxnSpPr>
+        <p:spPr>
+          <a:xfrm>
+            <a:off x="1990578" y="5988952"/>
+            <a:ext cx="590844" cy="0"/>
+          </a:xfrm>
+          <a:prstGeom prst="straightConnector1">
+            <a:avLst/>
+          </a:prstGeom>
+          <a:ln>
+            <a:headEnd type="triangle"/>
+            <a:tailEnd type="triangle"/>
+          </a:ln>
+        </p:spPr>
+        <p:style>
+          <a:lnRef idx="1">
+            <a:schemeClr val="accent1"/>
+          </a:lnRef>
+          <a:fillRef idx="0">
+            <a:schemeClr val="accent1"/>
+          </a:fillRef>
+          <a:effectRef idx="0">
+            <a:schemeClr val="accent1"/>
+          </a:effectRef>
+          <a:fontRef idx="minor">
+            <a:schemeClr val="tx1"/>
+          </a:fontRef>
+        </p:style>
+      </p:cxnSp>
+      <p:cxnSp>
+        <p:nvCxnSpPr>
+          <p:cNvPr id="22" name="Gerader Verbinder 21">
+            <a:extLst>
+              <a:ext uri="{FF2B5EF4-FFF2-40B4-BE49-F238E27FC236}">
+                <a16:creationId xmlns:a16="http://schemas.microsoft.com/office/drawing/2014/main" id="{12D2DE13-CDA6-4905-A0F2-636045090849}"/>
+              </a:ext>
+            </a:extLst>
+          </p:cNvPr>
+          <p:cNvCxnSpPr>
+            <a:cxnSpLocks/>
+          </p:cNvCxnSpPr>
+          <p:nvPr/>
+        </p:nvCxnSpPr>
+        <p:spPr>
+          <a:xfrm>
+            <a:off x="2359391" y="6296499"/>
+            <a:ext cx="0" cy="98105"/>
+          </a:xfrm>
+          <a:prstGeom prst="line">
+            <a:avLst/>
+          </a:prstGeom>
+          <a:ln w="19050"/>
+        </p:spPr>
+        <p:style>
+          <a:lnRef idx="1">
+            <a:schemeClr val="accent1"/>
+          </a:lnRef>
+          <a:fillRef idx="0">
+            <a:schemeClr val="accent1"/>
+          </a:fillRef>
+          <a:effectRef idx="0">
+            <a:schemeClr val="accent1"/>
+          </a:effectRef>
+          <a:fontRef idx="minor">
+            <a:schemeClr val="tx1"/>
+          </a:fontRef>
+        </p:style>
+      </p:cxnSp>
+      <p:cxnSp>
+        <p:nvCxnSpPr>
+          <p:cNvPr id="25" name="Gerader Verbinder 24">
+            <a:extLst>
+              <a:ext uri="{FF2B5EF4-FFF2-40B4-BE49-F238E27FC236}">
+                <a16:creationId xmlns:a16="http://schemas.microsoft.com/office/drawing/2014/main" id="{CFDF3BDA-643E-4416-A468-9F155582E451}"/>
+              </a:ext>
+            </a:extLst>
+          </p:cNvPr>
+          <p:cNvCxnSpPr>
+            <a:cxnSpLocks/>
+          </p:cNvCxnSpPr>
+          <p:nvPr/>
+        </p:nvCxnSpPr>
+        <p:spPr>
+          <a:xfrm>
+            <a:off x="2417272" y="6296499"/>
+            <a:ext cx="0" cy="98105"/>
+          </a:xfrm>
+          <a:prstGeom prst="line">
+            <a:avLst/>
+          </a:prstGeom>
+          <a:ln w="19050"/>
+        </p:spPr>
+        <p:style>
+          <a:lnRef idx="1">
+            <a:schemeClr val="accent1"/>
+          </a:lnRef>
+          <a:fillRef idx="0">
+            <a:schemeClr val="accent1"/>
+          </a:fillRef>
+          <a:effectRef idx="0">
+            <a:schemeClr val="accent1"/>
+          </a:effectRef>
+          <a:fontRef idx="minor">
+            <a:schemeClr val="tx1"/>
+          </a:fontRef>
+        </p:style>
+      </p:cxnSp>
+      <p:cxnSp>
+        <p:nvCxnSpPr>
+          <p:cNvPr id="28" name="Gerader Verbinder 27">
+            <a:extLst>
+              <a:ext uri="{FF2B5EF4-FFF2-40B4-BE49-F238E27FC236}">
+                <a16:creationId xmlns:a16="http://schemas.microsoft.com/office/drawing/2014/main" id="{68ED9D4C-705F-4A4D-803F-FA66878D344B}"/>
+              </a:ext>
+            </a:extLst>
+          </p:cNvPr>
+          <p:cNvCxnSpPr>
+            <a:cxnSpLocks/>
+          </p:cNvCxnSpPr>
+          <p:nvPr/>
+        </p:nvCxnSpPr>
+        <p:spPr>
+          <a:xfrm>
+            <a:off x="2359391" y="6394604"/>
+            <a:ext cx="55928" cy="0"/>
+          </a:xfrm>
+          <a:prstGeom prst="line">
+            <a:avLst/>
+          </a:prstGeom>
+          <a:ln w="19050"/>
+        </p:spPr>
+        <p:style>
+          <a:lnRef idx="1">
+            <a:schemeClr val="accent1"/>
+          </a:lnRef>
+          <a:fillRef idx="0">
+            <a:schemeClr val="accent1"/>
+          </a:fillRef>
+          <a:effectRef idx="0">
+            <a:schemeClr val="accent1"/>
+          </a:effectRef>
+          <a:fontRef idx="minor">
+            <a:schemeClr val="tx1"/>
+          </a:fontRef>
+        </p:style>
+      </p:cxnSp>
+      <p:pic>
+        <p:nvPicPr>
+          <p:cNvPr id="34" name="Grafik 33">
+            <a:extLst>
+              <a:ext uri="{FF2B5EF4-FFF2-40B4-BE49-F238E27FC236}">
+                <a16:creationId xmlns:a16="http://schemas.microsoft.com/office/drawing/2014/main" id="{DCD11BD2-5EE8-4953-9593-ABDA0F601C6C}"/>
+              </a:ext>
+            </a:extLst>
+          </p:cNvPr>
+          <p:cNvPicPr>
+            <a:picLocks noChangeAspect="1"/>
+          </p:cNvPicPr>
+          <p:nvPr/>
+        </p:nvPicPr>
+        <p:blipFill>
+          <a:blip r:embed="rId5"/>
+          <a:stretch>
+            <a:fillRect/>
+          </a:stretch>
+        </p:blipFill>
+        <p:spPr>
+          <a:xfrm>
+            <a:off x="6686899" y="3828952"/>
+            <a:ext cx="4666901" cy="755336"/>
+          </a:xfrm>
+          <a:prstGeom prst="rect">
+            <a:avLst/>
+          </a:prstGeom>
+        </p:spPr>
+      </p:pic>
+    </p:spTree>
+    <p:extLst>
+      <p:ext uri="{BB962C8B-B14F-4D97-AF65-F5344CB8AC3E}">
+        <p14:creationId xmlns:p14="http://schemas.microsoft.com/office/powerpoint/2010/main" val="2297735866"/>
+      </p:ext>
+    </p:extLst>
+  </p:cSld>
+  <p:clrMapOvr>
+    <a:masterClrMapping/>
+  </p:clrMapOvr>
+  <p:timing>
+    <p:tnLst>
+      <p:par>
+        <p:cTn id="1" dur="indefinite" restart="never" nodeType="tmRoot">
+          <p:childTnLst>
+            <p:seq concurrent="1" nextAc="seek">
+              <p:cTn id="2" dur="indefinite" nodeType="mainSeq">
+                <p:childTnLst>
+                  <p:par>
+                    <p:cTn id="3" fill="hold">
+                      <p:stCondLst>
+                        <p:cond delay="indefinite"/>
+                      </p:stCondLst>
+                      <p:childTnLst>
+                        <p:par>
+                          <p:cTn id="4" fill="hold">
+                            <p:stCondLst>
+                              <p:cond delay="0"/>
+                            </p:stCondLst>
+                            <p:childTnLst>
+                              <p:par>
+                                <p:cTn id="5" presetID="1" presetClass="entr" presetSubtype="0" fill="hold" nodeType="clickEffect">
+                                  <p:stCondLst>
+                                    <p:cond delay="0"/>
+                                  </p:stCondLst>
+                                  <p:childTnLst>
+                                    <p:set>
+                                      <p:cBhvr>
+                                        <p:cTn id="6" dur="1" fill="hold">
+                                          <p:stCondLst>
+                                            <p:cond delay="0"/>
+                                          </p:stCondLst>
+                                        </p:cTn>
+                                        <p:tgtEl>
+                                          <p:spTgt spid="13"/>
+                                        </p:tgtEl>
+                                        <p:attrNameLst>
+                                          <p:attrName>style.visibility</p:attrName>
+                                        </p:attrNameLst>
+                                      </p:cBhvr>
+                                      <p:to>
+                                        <p:strVal val="visible"/>
+                                      </p:to>
+                                    </p:set>
+                                  </p:childTnLst>
+                                </p:cTn>
+                              </p:par>
+                              <p:par>
+                                <p:cTn id="7" presetID="1" presetClass="entr" presetSubtype="0" fill="hold" nodeType="withEffect">
+                                  <p:stCondLst>
+                                    <p:cond delay="0"/>
+                                  </p:stCondLst>
+                                  <p:childTnLst>
+                                    <p:set>
+                                      <p:cBhvr>
+                                        <p:cTn id="8" dur="1" fill="hold">
+                                          <p:stCondLst>
+                                            <p:cond delay="0"/>
+                                          </p:stCondLst>
+                                        </p:cTn>
+                                        <p:tgtEl>
+                                          <p:spTgt spid="15"/>
+                                        </p:tgtEl>
+                                        <p:attrNameLst>
+                                          <p:attrName>style.visibility</p:attrName>
+                                        </p:attrNameLst>
+                                      </p:cBhvr>
+                                      <p:to>
+                                        <p:strVal val="visible"/>
+                                      </p:to>
+                                    </p:set>
+                                  </p:childTnLst>
+                                </p:cTn>
+                              </p:par>
+                              <p:par>
+                                <p:cTn id="9" presetID="1" presetClass="entr" presetSubtype="0" fill="hold" nodeType="withEffect">
+                                  <p:stCondLst>
+                                    <p:cond delay="0"/>
+                                  </p:stCondLst>
+                                  <p:childTnLst>
+                                    <p:set>
+                                      <p:cBhvr>
+                                        <p:cTn id="10" dur="1" fill="hold">
+                                          <p:stCondLst>
+                                            <p:cond delay="0"/>
+                                          </p:stCondLst>
+                                        </p:cTn>
+                                        <p:tgtEl>
+                                          <p:spTgt spid="17"/>
+                                        </p:tgtEl>
+                                        <p:attrNameLst>
+                                          <p:attrName>style.visibility</p:attrName>
+                                        </p:attrNameLst>
+                                      </p:cBhvr>
+                                      <p:to>
+                                        <p:strVal val="visible"/>
+                                      </p:to>
+                                    </p:set>
+                                  </p:childTnLst>
+                                </p:cTn>
+                              </p:par>
+                              <p:par>
+                                <p:cTn id="11" presetID="1" presetClass="entr" presetSubtype="0" fill="hold" nodeType="withEffect">
+                                  <p:stCondLst>
+                                    <p:cond delay="0"/>
+                                  </p:stCondLst>
+                                  <p:childTnLst>
+                                    <p:set>
+                                      <p:cBhvr>
+                                        <p:cTn id="12" dur="1" fill="hold">
+                                          <p:stCondLst>
+                                            <p:cond delay="0"/>
+                                          </p:stCondLst>
+                                        </p:cTn>
+                                        <p:tgtEl>
+                                          <p:spTgt spid="22"/>
+                                        </p:tgtEl>
+                                        <p:attrNameLst>
+                                          <p:attrName>style.visibility</p:attrName>
+                                        </p:attrNameLst>
+                                      </p:cBhvr>
+                                      <p:to>
+                                        <p:strVal val="visible"/>
+                                      </p:to>
+                                    </p:set>
+                                  </p:childTnLst>
+                                </p:cTn>
+                              </p:par>
+                              <p:par>
+                                <p:cTn id="13" presetID="1" presetClass="entr" presetSubtype="0" fill="hold" nodeType="withEffect">
+                                  <p:stCondLst>
+                                    <p:cond delay="0"/>
+                                  </p:stCondLst>
+                                  <p:childTnLst>
+                                    <p:set>
+                                      <p:cBhvr>
+                                        <p:cTn id="14" dur="1" fill="hold">
+                                          <p:stCondLst>
+                                            <p:cond delay="0"/>
+                                          </p:stCondLst>
+                                        </p:cTn>
+                                        <p:tgtEl>
+                                          <p:spTgt spid="25"/>
+                                        </p:tgtEl>
+                                        <p:attrNameLst>
+                                          <p:attrName>style.visibility</p:attrName>
+                                        </p:attrNameLst>
+                                      </p:cBhvr>
+                                      <p:to>
+                                        <p:strVal val="visible"/>
+                                      </p:to>
+                                    </p:set>
+                                  </p:childTnLst>
+                                </p:cTn>
+                              </p:par>
+                              <p:par>
+                                <p:cTn id="15" presetID="1" presetClass="entr" presetSubtype="0" fill="hold" nodeType="withEffect">
+                                  <p:stCondLst>
+                                    <p:cond delay="0"/>
+                                  </p:stCondLst>
+                                  <p:childTnLst>
+                                    <p:set>
+                                      <p:cBhvr>
+                                        <p:cTn id="16" dur="1" fill="hold">
+                                          <p:stCondLst>
+                                            <p:cond delay="0"/>
+                                          </p:stCondLst>
+                                        </p:cTn>
+                                        <p:tgtEl>
+                                          <p:spTgt spid="28"/>
+                                        </p:tgtEl>
+                                        <p:attrNameLst>
+                                          <p:attrName>style.visibility</p:attrName>
+                                        </p:attrNameLst>
+                                      </p:cBhvr>
+                                      <p:to>
+                                        <p:strVal val="visible"/>
+                                      </p:to>
+                                    </p:set>
+                                  </p:childTnLst>
+                                </p:cTn>
+                              </p:par>
+                              <p:par>
+                                <p:cTn id="17" presetID="1" presetClass="entr" presetSubtype="0" fill="hold" nodeType="withEffect">
+                                  <p:stCondLst>
+                                    <p:cond delay="0"/>
+                                  </p:stCondLst>
+                                  <p:childTnLst>
+                                    <p:set>
+                                      <p:cBhvr>
+                                        <p:cTn id="18" dur="1" fill="hold">
+                                          <p:stCondLst>
+                                            <p:cond delay="0"/>
+                                          </p:stCondLst>
+                                        </p:cTn>
+                                        <p:tgtEl>
+                                          <p:spTgt spid="11"/>
+                                        </p:tgtEl>
+                                        <p:attrNameLst>
+                                          <p:attrName>style.visibility</p:attrName>
+                                        </p:attrNameLst>
+                                      </p:cBhvr>
+                                      <p:to>
+                                        <p:strVal val="visible"/>
+                                      </p:to>
+                                    </p:set>
+                                  </p:childTnLst>
+                                </p:cTn>
+                              </p:par>
+                              <p:par>
+                                <p:cTn id="19" presetID="1" presetClass="entr" presetSubtype="0" fill="hold" nodeType="withEffect">
+                                  <p:stCondLst>
+                                    <p:cond delay="0"/>
+                                  </p:stCondLst>
+                                  <p:childTnLst>
+                                    <p:set>
+                                      <p:cBhvr>
+                                        <p:cTn id="20" dur="1" fill="hold">
+                                          <p:stCondLst>
+                                            <p:cond delay="0"/>
+                                          </p:stCondLst>
+                                        </p:cTn>
+                                        <p:tgtEl>
+                                          <p:spTgt spid="9"/>
+                                        </p:tgtEl>
+                                        <p:attrNameLst>
+                                          <p:attrName>style.visibility</p:attrName>
+                                        </p:attrNameLst>
+                                      </p:cBhvr>
+                                      <p:to>
+                                        <p:strVal val="visible"/>
+                                      </p:to>
+                                    </p:set>
+                                  </p:childTnLst>
+                                </p:cTn>
+                              </p:par>
+                              <p:par>
+                                <p:cTn id="21" presetID="1" presetClass="entr" presetSubtype="0" fill="hold" nodeType="withEffect">
+                                  <p:stCondLst>
+                                    <p:cond delay="0"/>
+                                  </p:stCondLst>
+                                  <p:childTnLst>
+                                    <p:set>
+                                      <p:cBhvr>
+                                        <p:cTn id="22" dur="1" fill="hold">
+                                          <p:stCondLst>
+                                            <p:cond delay="0"/>
+                                          </p:stCondLst>
+                                        </p:cTn>
+                                        <p:tgtEl>
+                                          <p:spTgt spid="7"/>
+                                        </p:tgtEl>
+                                        <p:attrNameLst>
+                                          <p:attrName>style.visibility</p:attrName>
+                                        </p:attrNameLst>
+                                      </p:cBhvr>
+                                      <p:to>
+                                        <p:strVal val="visible"/>
+                                      </p:to>
+                                    </p:set>
+                                  </p:childTnLst>
+                                </p:cTn>
+                              </p:par>
+                            </p:childTnLst>
+                          </p:cTn>
+                        </p:par>
+                      </p:childTnLst>
+                    </p:cTn>
+                  </p:par>
+                  <p:par>
+                    <p:cTn id="23" fill="hold">
+                      <p:stCondLst>
+                        <p:cond delay="indefinite"/>
+                      </p:stCondLst>
+                      <p:childTnLst>
+                        <p:par>
+                          <p:cTn id="24" fill="hold">
+                            <p:stCondLst>
+                              <p:cond delay="0"/>
+                            </p:stCondLst>
+                            <p:childTnLst>
+                              <p:par>
+                                <p:cTn id="25" presetID="1" presetClass="entr" presetSubtype="0" fill="hold" nodeType="clickEffect">
+                                  <p:stCondLst>
+                                    <p:cond delay="0"/>
+                                  </p:stCondLst>
+                                  <p:childTnLst>
+                                    <p:set>
+                                      <p:cBhvr>
+                                        <p:cTn id="26" dur="1" fill="hold">
+                                          <p:stCondLst>
+                                            <p:cond delay="0"/>
+                                          </p:stCondLst>
+                                        </p:cTn>
+                                        <p:tgtEl>
+                                          <p:spTgt spid="34"/>
+                                        </p:tgtEl>
+                                        <p:attrNameLst>
+                                          <p:attrName>style.visibility</p:attrName>
+                                        </p:attrNameLst>
+                                      </p:cBhvr>
+                                      <p:to>
+                                        <p:strVal val="visible"/>
+                                      </p:to>
+                                    </p:set>
+                                  </p:childTnLst>
+                                </p:cTn>
+                              </p:par>
+                            </p:childTnLst>
+                          </p:cTn>
+                        </p:par>
+                      </p:childTnLst>
+                    </p:cTn>
+                  </p:par>
+                </p:childTnLst>
+              </p:cTn>
+              <p:prevCondLst>
+                <p:cond evt="onPrev" delay="0">
+                  <p:tgtEl>
+                    <p:sldTgt/>
+                  </p:tgtEl>
+                </p:cond>
+              </p:prevCondLst>
+              <p:nextCondLst>
+                <p:cond evt="onNext" delay="0">
+                  <p:tgtEl>
+                    <p:sldTgt/>
+                  </p:tgtEl>
+                </p:cond>
+              </p:nextCondLst>
+            </p:seq>
+          </p:childTnLst>
+        </p:cTn>
+      </p:par>
+    </p:tnLst>
+  </p:timing>
 </p:sld>
 </file>
 

--- a/Projekt_4Aay_DustinWalker.pptx
+++ b/Projekt_4Aay_DustinWalker.pptx
@@ -5,7 +5,7 @@
     <p:sldMasterId id="2147483660" r:id="rId1"/>
   </p:sldMasterIdLst>
   <p:notesMasterIdLst>
-    <p:notesMasterId r:id="rId18"/>
+    <p:notesMasterId r:id="rId19"/>
   </p:notesMasterIdLst>
   <p:sldIdLst>
     <p:sldId id="256" r:id="rId2"/>
@@ -24,6 +24,7 @@
     <p:sldId id="269" r:id="rId15"/>
     <p:sldId id="270" r:id="rId16"/>
     <p:sldId id="271" r:id="rId17"/>
+    <p:sldId id="272" r:id="rId18"/>
   </p:sldIdLst>
   <p:sldSz cx="12192000" cy="6858000"/>
   <p:notesSz cx="6858000" cy="9144000"/>
@@ -6269,6 +6270,143 @@
       <p:bldP spid="3" grpId="0" build="p"/>
     </p:bldLst>
   </p:timing>
+</p:sld>
+</file>
+
+<file path=ppt/slides/slide17.xml><?xml version="1.0" encoding="utf-8"?>
+<p:sld xmlns:a="http://schemas.openxmlformats.org/drawingml/2006/main" xmlns:r="http://schemas.openxmlformats.org/officeDocument/2006/relationships" xmlns:p="http://schemas.openxmlformats.org/presentationml/2006/main">
+  <p:cSld>
+    <p:spTree>
+      <p:nvGrpSpPr>
+        <p:cNvPr id="1" name=""/>
+        <p:cNvGrpSpPr/>
+        <p:nvPr/>
+      </p:nvGrpSpPr>
+      <p:grpSpPr>
+        <a:xfrm>
+          <a:off x="0" y="0"/>
+          <a:ext cx="0" cy="0"/>
+          <a:chOff x="0" y="0"/>
+          <a:chExt cx="0" cy="0"/>
+        </a:xfrm>
+      </p:grpSpPr>
+      <p:sp>
+        <p:nvSpPr>
+          <p:cNvPr id="2" name="Titel 1">
+            <a:extLst>
+              <a:ext uri="{FF2B5EF4-FFF2-40B4-BE49-F238E27FC236}">
+                <a16:creationId xmlns:a16="http://schemas.microsoft.com/office/drawing/2014/main" id="{744A4AB8-3E5F-4A8D-B7DB-C9A1B32DA3EE}"/>
+              </a:ext>
+            </a:extLst>
+          </p:cNvPr>
+          <p:cNvSpPr>
+            <a:spLocks noGrp="1"/>
+          </p:cNvSpPr>
+          <p:nvPr>
+            <p:ph type="title"/>
+          </p:nvPr>
+        </p:nvSpPr>
+        <p:spPr/>
+        <p:txBody>
+          <a:bodyPr/>
+          <a:lstStyle/>
+          <a:p>
+            <a:r>
+              <a:rPr lang="de-DE" dirty="0" err="1"/>
+              <a:t>Presented</a:t>
+            </a:r>
+            <a:r>
+              <a:rPr lang="de-DE" dirty="0"/>
+              <a:t> </a:t>
+            </a:r>
+            <a:r>
+              <a:rPr lang="de-DE" dirty="0" err="1"/>
+              <a:t>to</a:t>
+            </a:r>
+            <a:r>
+              <a:rPr lang="de-DE" dirty="0"/>
+              <a:t> </a:t>
+            </a:r>
+            <a:r>
+              <a:rPr lang="de-DE" dirty="0" err="1"/>
+              <a:t>you</a:t>
+            </a:r>
+            <a:r>
+              <a:rPr lang="de-DE" dirty="0"/>
+              <a:t> </a:t>
+            </a:r>
+            <a:r>
+              <a:rPr lang="de-DE" dirty="0" err="1"/>
+              <a:t>by</a:t>
+            </a:r>
+            <a:endParaRPr lang="de-DE" dirty="0"/>
+          </a:p>
+        </p:txBody>
+      </p:sp>
+      <p:sp>
+        <p:nvSpPr>
+          <p:cNvPr id="4" name="Titel 1">
+            <a:extLst>
+              <a:ext uri="{FF2B5EF4-FFF2-40B4-BE49-F238E27FC236}">
+                <a16:creationId xmlns:a16="http://schemas.microsoft.com/office/drawing/2014/main" id="{06C8914B-34FD-4A98-8EFE-7F84AB651E67}"/>
+              </a:ext>
+            </a:extLst>
+          </p:cNvPr>
+          <p:cNvSpPr txBox="1">
+            <a:spLocks/>
+          </p:cNvSpPr>
+          <p:nvPr/>
+        </p:nvSpPr>
+        <p:spPr>
+          <a:xfrm>
+            <a:off x="8333752" y="5251304"/>
+            <a:ext cx="3633165" cy="1325563"/>
+          </a:xfrm>
+          <a:prstGeom prst="rect">
+            <a:avLst/>
+          </a:prstGeom>
+        </p:spPr>
+        <p:txBody>
+          <a:bodyPr vert="horz" lIns="91440" tIns="45720" rIns="91440" bIns="45720" rtlCol="0" anchor="ctr">
+            <a:normAutofit/>
+          </a:bodyPr>
+          <a:lstStyle>
+            <a:lvl1pPr algn="l" defTabSz="914400" rtl="0" eaLnBrk="1" latinLnBrk="0" hangingPunct="1">
+              <a:lnSpc>
+                <a:spcPct val="90000"/>
+              </a:lnSpc>
+              <a:spcBef>
+                <a:spcPct val="0"/>
+              </a:spcBef>
+              <a:buNone/>
+              <a:defRPr sz="4400" kern="1200">
+                <a:solidFill>
+                  <a:schemeClr val="tx1"/>
+                </a:solidFill>
+                <a:latin typeface="+mj-lt"/>
+                <a:ea typeface="+mj-ea"/>
+                <a:cs typeface="+mj-cs"/>
+              </a:defRPr>
+            </a:lvl1pPr>
+          </a:lstStyle>
+          <a:p>
+            <a:r>
+              <a:rPr lang="de-DE" dirty="0"/>
+              <a:t>Dustin Walker</a:t>
+            </a:r>
+          </a:p>
+        </p:txBody>
+      </p:sp>
+    </p:spTree>
+    <p:extLst>
+      <p:ext uri="{BB962C8B-B14F-4D97-AF65-F5344CB8AC3E}">
+        <p14:creationId xmlns:p14="http://schemas.microsoft.com/office/powerpoint/2010/main" val="623553165"/>
+      </p:ext>
+    </p:extLst>
+  </p:cSld>
+  <p:clrMapOvr>
+    <a:masterClrMapping/>
+  </p:clrMapOvr>
 </p:sld>
 </file>
 

--- a/Projekt_4Aay_DustinWalker.pptx
+++ b/Projekt_4Aay_DustinWalker.pptx
@@ -123,6 +123,11 @@
       </a:defRPr>
     </a:lvl9pPr>
   </p:defaultTextStyle>
+  <p:extLst>
+    <p:ext uri="{EFAFB233-063F-42B5-8137-9DF3F51BA10A}">
+      <p15:sldGuideLst xmlns:p15="http://schemas.microsoft.com/office/powerpoint/2012/main"/>
+    </p:ext>
+  </p:extLst>
 </p:presentation>
 </file>
 
@@ -208,7 +213,7 @@
           <a:p>
             <a:fld id="{BF37EBAA-12BE-462C-86C0-ED551697A0A5}" type="datetimeFigureOut">
               <a:rPr lang="de-DE" smtClean="0"/>
-              <a:t>18.07.2020</a:t>
+              <a:t>22.07.2020</a:t>
             </a:fld>
             <a:endParaRPr lang="de-DE"/>
           </a:p>
@@ -603,28 +608,12 @@
           <a:bodyPr/>
           <a:lstStyle/>
           <a:p>
+            <a:endParaRPr lang="de-DE" dirty="0"/>
+          </a:p>
+          <a:p>
             <a:r>
               <a:rPr lang="de-DE" dirty="0"/>
-              <a:t>Dieses Regelverhalten sieht Ziemlich unglaublich aus</a:t>
-            </a:r>
-            <a:br>
-              <a:rPr lang="de-DE" dirty="0"/>
-            </a:br>
-            <a:br>
-              <a:rPr lang="de-DE" dirty="0"/>
-            </a:br>
-            <a:r>
-              <a:rPr lang="de-DE" dirty="0"/>
-              <a:t>Aber das wollen wir gar nicht</a:t>
-            </a:r>
-          </a:p>
-          <a:p>
-            <a:endParaRPr lang="de-DE" dirty="0"/>
-          </a:p>
-          <a:p>
-            <a:r>
-              <a:rPr lang="de-DE" dirty="0"/>
-              <a:t>Beschleunigung von bis zu 40.000 g </a:t>
+              <a:t>Beschleunigung 40.000 g </a:t>
             </a:r>
           </a:p>
           <a:p>
@@ -836,214 +825,62 @@
                 <a:effectLst/>
                 <a:latin typeface="Arial" panose="020B0604020202020204" pitchFamily="34" charset="0"/>
               </a:rPr>
-              <a:t>Nun ist mir eine Idee gekommen. Die Beschleunigung </a:t>
-            </a:r>
-            <a:r>
-              <a:rPr lang="de-DE" b="0" i="0" dirty="0" err="1">
-                <a:effectLst/>
-                <a:latin typeface="Arial" panose="020B0604020202020204" pitchFamily="34" charset="0"/>
-              </a:rPr>
-              <a:t>desLaderaums</a:t>
-            </a:r>
+              <a:t>Nun ist mir eine Idee gekommen. </a:t>
+            </a:r>
+          </a:p>
+          <a:p>
             <a:r>
               <a:rPr lang="de-DE" b="0" i="0" dirty="0">
                 <a:effectLst/>
                 <a:latin typeface="Arial" panose="020B0604020202020204" pitchFamily="34" charset="0"/>
               </a:rPr>
-              <a:t> und die ̈</a:t>
-            </a:r>
-            <a:r>
-              <a:rPr lang="de-DE" b="0" i="0" dirty="0" err="1">
-                <a:effectLst/>
-                <a:latin typeface="Arial" panose="020B0604020202020204" pitchFamily="34" charset="0"/>
-              </a:rPr>
-              <a:t>Uberwindung</a:t>
-            </a:r>
+              <a:t>Die Beschleunigung des Laderaums und die </a:t>
+            </a:r>
+          </a:p>
+          <a:p>
             <a:r>
               <a:rPr lang="de-DE" b="0" i="0" dirty="0">
                 <a:effectLst/>
                 <a:latin typeface="Arial" panose="020B0604020202020204" pitchFamily="34" charset="0"/>
               </a:rPr>
-              <a:t> der Feder-R ̈</a:t>
-            </a:r>
-            <a:r>
-              <a:rPr lang="de-DE" b="0" i="0" dirty="0" err="1">
-                <a:effectLst/>
-                <a:latin typeface="Arial" panose="020B0604020202020204" pitchFamily="34" charset="0"/>
-              </a:rPr>
-              <a:t>uckstellkraftkann</a:t>
-            </a:r>
+              <a:t>Überwindung der Feder-Rückstellkraft </a:t>
+            </a:r>
+          </a:p>
+          <a:p>
             <a:r>
               <a:rPr lang="de-DE" b="0" i="0" dirty="0">
                 <a:effectLst/>
                 <a:latin typeface="Arial" panose="020B0604020202020204" pitchFamily="34" charset="0"/>
               </a:rPr>
-              <a:t> </a:t>
-            </a:r>
-            <a:r>
-              <a:rPr lang="de-DE" b="0" i="0" dirty="0" err="1">
-                <a:effectLst/>
-                <a:latin typeface="Arial" panose="020B0604020202020204" pitchFamily="34" charset="0"/>
-              </a:rPr>
-              <a:t>unabh</a:t>
-            </a:r>
+              <a:t>kann unabhängig voneinander sein. </a:t>
+            </a:r>
+          </a:p>
+          <a:p>
             <a:r>
               <a:rPr lang="de-DE" b="0" i="0" dirty="0">
                 <a:effectLst/>
                 <a:latin typeface="Arial" panose="020B0604020202020204" pitchFamily="34" charset="0"/>
               </a:rPr>
-              <a:t> ̈</a:t>
-            </a:r>
-            <a:r>
-              <a:rPr lang="de-DE" b="0" i="0" dirty="0" err="1">
-                <a:effectLst/>
-                <a:latin typeface="Arial" panose="020B0604020202020204" pitchFamily="34" charset="0"/>
-              </a:rPr>
-              <a:t>angig</a:t>
-            </a:r>
+              <a:t>In jedem beliebigen Arbeitspunkt kann die Kraft der Feder berechnet werden,</a:t>
+            </a:r>
+          </a:p>
+          <a:p>
             <a:r>
               <a:rPr lang="de-DE" b="0" i="0" dirty="0">
                 <a:effectLst/>
                 <a:latin typeface="Arial" panose="020B0604020202020204" pitchFamily="34" charset="0"/>
               </a:rPr>
-              <a:t> voneinander sein. In jedem beliebigen Ar-</a:t>
-            </a:r>
-            <a:r>
-              <a:rPr lang="de-DE" b="0" i="0" dirty="0" err="1">
-                <a:effectLst/>
-                <a:latin typeface="Arial" panose="020B0604020202020204" pitchFamily="34" charset="0"/>
-              </a:rPr>
-              <a:t>beitspunkt</a:t>
-            </a:r>
+              <a:t> und auf die Stellgröße oben drauf gerechnet werden. </a:t>
+            </a:r>
+          </a:p>
+          <a:p>
             <a:r>
               <a:rPr lang="de-DE" b="0" i="0" dirty="0">
                 <a:effectLst/>
                 <a:latin typeface="Arial" panose="020B0604020202020204" pitchFamily="34" charset="0"/>
               </a:rPr>
-              <a:t> kann die Kraft der Feder berechnet werden, </a:t>
-            </a:r>
-            <a:r>
-              <a:rPr lang="de-DE" b="0" i="0" dirty="0" err="1">
-                <a:effectLst/>
-                <a:latin typeface="Arial" panose="020B0604020202020204" pitchFamily="34" charset="0"/>
-              </a:rPr>
-              <a:t>undauf</a:t>
-            </a:r>
-            <a:r>
-              <a:rPr lang="de-DE" b="0" i="0" dirty="0">
-                <a:effectLst/>
-                <a:latin typeface="Arial" panose="020B0604020202020204" pitchFamily="34" charset="0"/>
-              </a:rPr>
-              <a:t> die </a:t>
-            </a:r>
-            <a:r>
-              <a:rPr lang="de-DE" b="0" i="0" dirty="0" err="1">
-                <a:effectLst/>
-                <a:latin typeface="Arial" panose="020B0604020202020204" pitchFamily="34" charset="0"/>
-              </a:rPr>
-              <a:t>Stellgr</a:t>
-            </a:r>
-            <a:r>
-              <a:rPr lang="de-DE" b="0" i="0" dirty="0">
-                <a:effectLst/>
-                <a:latin typeface="Arial" panose="020B0604020202020204" pitchFamily="34" charset="0"/>
-              </a:rPr>
-              <a:t> ̈</a:t>
-            </a:r>
-            <a:r>
-              <a:rPr lang="de-DE" b="0" i="0" dirty="0" err="1">
-                <a:effectLst/>
-                <a:latin typeface="Arial" panose="020B0604020202020204" pitchFamily="34" charset="0"/>
-              </a:rPr>
-              <a:t>oße</a:t>
-            </a:r>
-            <a:r>
-              <a:rPr lang="de-DE" b="0" i="0" dirty="0">
-                <a:effectLst/>
-                <a:latin typeface="Arial" panose="020B0604020202020204" pitchFamily="34" charset="0"/>
-              </a:rPr>
-              <a:t> oben drauf gerechnet werden. So kann </a:t>
-            </a:r>
-            <a:r>
-              <a:rPr lang="de-DE" b="0" i="0" dirty="0" err="1">
-                <a:effectLst/>
-                <a:latin typeface="Arial" panose="020B0604020202020204" pitchFamily="34" charset="0"/>
-              </a:rPr>
-              <a:t>sichder</a:t>
-            </a:r>
-            <a:r>
-              <a:rPr lang="de-DE" b="0" i="0" dirty="0">
-                <a:effectLst/>
-                <a:latin typeface="Arial" panose="020B0604020202020204" pitchFamily="34" charset="0"/>
-              </a:rPr>
-              <a:t> Regler auf </a:t>
-            </a:r>
-            <a:r>
-              <a:rPr lang="de-DE" b="0" i="0" dirty="0" err="1">
-                <a:effectLst/>
-                <a:latin typeface="Arial" panose="020B0604020202020204" pitchFamily="34" charset="0"/>
-              </a:rPr>
-              <a:t>dei</a:t>
-            </a:r>
-            <a:r>
-              <a:rPr lang="de-DE" b="0" i="0" dirty="0">
-                <a:effectLst/>
-                <a:latin typeface="Arial" panose="020B0604020202020204" pitchFamily="34" charset="0"/>
-              </a:rPr>
-              <a:t> Beschleunigung der Masse konzentrieren.</a:t>
-            </a:r>
-          </a:p>
-          <a:p>
-            <a:endParaRPr lang="de-DE" b="0" i="0" dirty="0">
-              <a:effectLst/>
-              <a:latin typeface="Arial" panose="020B0604020202020204" pitchFamily="34" charset="0"/>
-            </a:endParaRPr>
-          </a:p>
-          <a:p>
-            <a:r>
-              <a:rPr lang="de-DE" b="0" i="0" dirty="0">
-                <a:effectLst/>
-                <a:latin typeface="Arial" panose="020B0604020202020204" pitchFamily="34" charset="0"/>
-              </a:rPr>
-              <a:t>Parameter manuell optimiert</a:t>
-            </a:r>
-          </a:p>
-          <a:p>
-            <a:endParaRPr lang="de-DE" b="0" i="0" dirty="0">
-              <a:effectLst/>
-              <a:latin typeface="Arial" panose="020B0604020202020204" pitchFamily="34" charset="0"/>
-            </a:endParaRPr>
-          </a:p>
-          <a:p>
-            <a:r>
-              <a:rPr lang="de-DE" b="0" i="0" dirty="0">
-                <a:effectLst/>
-                <a:latin typeface="Arial" panose="020B0604020202020204" pitchFamily="34" charset="0"/>
-              </a:rPr>
-              <a:t>Back-</a:t>
-            </a:r>
-            <a:r>
-              <a:rPr lang="de-DE" b="0" i="0" dirty="0" err="1">
-                <a:effectLst/>
-                <a:latin typeface="Arial" panose="020B0604020202020204" pitchFamily="34" charset="0"/>
-              </a:rPr>
-              <a:t>calculation</a:t>
-            </a:r>
-            <a:r>
-              <a:rPr lang="de-DE" b="0" i="0" dirty="0">
-                <a:effectLst/>
-                <a:latin typeface="Arial" panose="020B0604020202020204" pitchFamily="34" charset="0"/>
-              </a:rPr>
-              <a:t> Methode für Anti </a:t>
-            </a:r>
-            <a:r>
-              <a:rPr lang="de-DE" b="0" i="0" dirty="0" err="1">
-                <a:effectLst/>
-                <a:latin typeface="Arial" panose="020B0604020202020204" pitchFamily="34" charset="0"/>
-              </a:rPr>
-              <a:t>Windup</a:t>
-            </a:r>
-            <a:endParaRPr lang="de-DE" dirty="0"/>
+              <a:t>So kann sich der Regler auf die Beschleunigung der Masse konzentrieren.</a:t>
+            </a:r>
           </a:p>
         </p:txBody>
       </p:sp>
@@ -1528,8 +1365,61 @@
                 <a:effectLst/>
                 <a:latin typeface="Arial" panose="020B0604020202020204" pitchFamily="34" charset="0"/>
               </a:rPr>
-              <a:t>Analysieren des Systems</a:t>
-            </a:r>
+              <a:t>Offenen Regelstrecke</a:t>
+            </a:r>
+          </a:p>
+          <a:p>
+            <a:r>
+              <a:rPr lang="de-DE" b="0" i="0" dirty="0">
+                <a:effectLst/>
+                <a:latin typeface="Arial" panose="020B0604020202020204" pitchFamily="34" charset="0"/>
+              </a:rPr>
+              <a:t>Aus der Sprungantwort können alle wichtigen</a:t>
+            </a:r>
+          </a:p>
+          <a:p>
+            <a:r>
+              <a:rPr lang="de-DE" b="0" i="0" dirty="0">
+                <a:effectLst/>
+                <a:latin typeface="Arial" panose="020B0604020202020204" pitchFamily="34" charset="0"/>
+              </a:rPr>
+              <a:t>Kenngrößen ermittelt werden.</a:t>
+            </a:r>
+          </a:p>
+          <a:p>
+            <a:endParaRPr lang="de-DE" b="0" i="0" dirty="0">
+              <a:effectLst/>
+              <a:latin typeface="Arial" panose="020B0604020202020204" pitchFamily="34" charset="0"/>
+            </a:endParaRPr>
+          </a:p>
+          <a:p>
+            <a:r>
+              <a:rPr lang="de-DE" b="0" i="0" dirty="0">
+                <a:effectLst/>
+                <a:latin typeface="Arial" panose="020B0604020202020204" pitchFamily="34" charset="0"/>
+              </a:rPr>
+              <a:t>Periodendauer Eigenfrequenz</a:t>
+            </a:r>
+          </a:p>
+          <a:p>
+            <a:r>
+              <a:rPr lang="de-DE" b="0" i="0" dirty="0">
+                <a:effectLst/>
+                <a:latin typeface="Arial" panose="020B0604020202020204" pitchFamily="34" charset="0"/>
+              </a:rPr>
+              <a:t>Statische Verstärkung K</a:t>
+            </a:r>
+          </a:p>
+          <a:p>
+            <a:r>
+              <a:rPr lang="de-DE" b="0" i="0" dirty="0">
+                <a:effectLst/>
+                <a:latin typeface="Arial" panose="020B0604020202020204" pitchFamily="34" charset="0"/>
+              </a:rPr>
+              <a:t>Dämpfung d</a:t>
+            </a:r>
+          </a:p>
+          <a:p>
             <a:endParaRPr lang="de-DE" dirty="0"/>
           </a:p>
         </p:txBody>
@@ -1616,7 +1506,28 @@
           <a:p>
             <a:r>
               <a:rPr lang="de-DE" dirty="0"/>
-              <a:t>Analoger Wert des Sensors wird von einem Sensor ausgelesen und digitalisiert.</a:t>
+              <a:t>Nach der Formel</a:t>
+            </a:r>
+          </a:p>
+          <a:p>
+            <a:r>
+              <a:rPr lang="de-DE" dirty="0"/>
+              <a:t>Aber mehr ist immer besser</a:t>
+            </a:r>
+          </a:p>
+          <a:p>
+            <a:endParaRPr lang="de-DE" dirty="0"/>
+          </a:p>
+          <a:p>
+            <a:r>
+              <a:rPr lang="de-DE" dirty="0"/>
+              <a:t>Deswegen moderate 10kHz </a:t>
+            </a:r>
+          </a:p>
+          <a:p>
+            <a:r>
+              <a:rPr lang="de-DE" dirty="0"/>
+              <a:t>(Abtastrate des Arduino)</a:t>
             </a:r>
           </a:p>
         </p:txBody>
@@ -1706,72 +1617,7 @@
                 <a:effectLst/>
                 <a:latin typeface="Arial" panose="020B0604020202020204" pitchFamily="34" charset="0"/>
               </a:rPr>
-              <a:t>Da es in dieser Simulation keine St ̈</a:t>
-            </a:r>
-            <a:r>
-              <a:rPr lang="de-DE" b="0" i="0" dirty="0" err="1">
-                <a:effectLst/>
-                <a:latin typeface="Arial" panose="020B0604020202020204" pitchFamily="34" charset="0"/>
-              </a:rPr>
-              <a:t>orun</a:t>
-            </a:r>
-            <a:r>
-              <a:rPr lang="de-DE" b="0" i="0" dirty="0">
-                <a:effectLst/>
-                <a:latin typeface="Arial" panose="020B0604020202020204" pitchFamily="34" charset="0"/>
-              </a:rPr>
-              <a:t>-gen gibt, w ̈</a:t>
-            </a:r>
-            <a:r>
-              <a:rPr lang="de-DE" b="0" i="0" dirty="0" err="1">
-                <a:effectLst/>
-                <a:latin typeface="Arial" panose="020B0604020202020204" pitchFamily="34" charset="0"/>
-              </a:rPr>
-              <a:t>are</a:t>
-            </a:r>
-            <a:r>
-              <a:rPr lang="de-DE" b="0" i="0" dirty="0">
-                <a:effectLst/>
-                <a:latin typeface="Arial" panose="020B0604020202020204" pitchFamily="34" charset="0"/>
-              </a:rPr>
-              <a:t> kein Anti-Aliasing-Filter notwendig.</a:t>
-            </a:r>
-          </a:p>
-          <a:p>
-            <a:endParaRPr lang="de-DE" b="0" i="0" dirty="0">
-              <a:effectLst/>
-              <a:latin typeface="Arial" panose="020B0604020202020204" pitchFamily="34" charset="0"/>
-            </a:endParaRPr>
-          </a:p>
-          <a:p>
-            <a:r>
-              <a:rPr lang="de-DE" b="0" i="0" dirty="0" err="1">
-                <a:effectLst/>
-                <a:latin typeface="Arial" panose="020B0604020202020204" pitchFamily="34" charset="0"/>
-              </a:rPr>
-              <a:t>Nyquist</a:t>
-            </a:r>
-            <a:r>
-              <a:rPr lang="de-DE" b="0" i="0" dirty="0">
-                <a:effectLst/>
-                <a:latin typeface="Arial" panose="020B0604020202020204" pitchFamily="34" charset="0"/>
-              </a:rPr>
-              <a:t>-Shannon-Abtasttheorems besagt</a:t>
-            </a:r>
-          </a:p>
-          <a:p>
-            <a:endParaRPr lang="de-DE" b="0" i="0" dirty="0">
-              <a:effectLst/>
-              <a:latin typeface="Arial" panose="020B0604020202020204" pitchFamily="34" charset="0"/>
-            </a:endParaRPr>
-          </a:p>
-          <a:p>
-            <a:r>
-              <a:rPr lang="de-DE" b="0" i="0" dirty="0">
-                <a:effectLst/>
-                <a:latin typeface="Arial" panose="020B0604020202020204" pitchFamily="34" charset="0"/>
-              </a:rPr>
-              <a:t>Maximal Vorkommende Frequenz in Signal muss kleiner sein als die Hälfte der Abtastfrequenz</a:t>
+              <a:t>Doppelte Sicherheit</a:t>
             </a:r>
           </a:p>
           <a:p>
@@ -1877,8 +1723,42 @@
                 <a:effectLst/>
                 <a:latin typeface="Arial" panose="020B0604020202020204" pitchFamily="34" charset="0"/>
               </a:rPr>
+              <a:t>Regelkreis mit P-Regler geschlossen.</a:t>
+            </a:r>
+          </a:p>
+          <a:p>
+            <a:endParaRPr lang="de-DE" b="0" i="0" dirty="0">
+              <a:effectLst/>
+              <a:latin typeface="Arial" panose="020B0604020202020204" pitchFamily="34" charset="0"/>
+            </a:endParaRPr>
+          </a:p>
+          <a:p>
+            <a:pPr marL="0" marR="0" lvl="0" indent="0" algn="l" defTabSz="914400" rtl="0" eaLnBrk="1" fontAlgn="auto" latinLnBrk="0" hangingPunct="1">
+              <a:lnSpc>
+                <a:spcPct val="100000"/>
+              </a:lnSpc>
+              <a:spcBef>
+                <a:spcPts val="0"/>
+              </a:spcBef>
+              <a:spcAft>
+                <a:spcPts val="0"/>
+              </a:spcAft>
+              <a:buClrTx/>
+              <a:buSzTx/>
+              <a:buFontTx/>
+              <a:buNone/>
+              <a:tabLst/>
+              <a:defRPr/>
+            </a:pPr>
+            <a:r>
+              <a:rPr lang="de-DE" b="0" i="0" dirty="0">
+                <a:effectLst/>
+                <a:latin typeface="Arial" panose="020B0604020202020204" pitchFamily="34" charset="0"/>
+              </a:rPr>
               <a:t>PARAMETER-BERECHNUNG NACH ZIEGLER-NICHOLS</a:t>
             </a:r>
+          </a:p>
+          <a:p>
             <a:endParaRPr lang="de-DE" dirty="0"/>
           </a:p>
         </p:txBody>
@@ -1968,7 +1848,7 @@
                 <a:effectLst/>
                 <a:latin typeface="Arial" panose="020B0604020202020204" pitchFamily="34" charset="0"/>
               </a:rPr>
-              <a:t>Optimalerweise sollte ein Aperiodische Regelverhalten er-reicht werden</a:t>
+              <a:t>Optimalerweise sollte ein Aperiodische Regelverhalten erreicht werden</a:t>
             </a:r>
           </a:p>
           <a:p>
@@ -1976,15 +1856,6 @@
               <a:effectLst/>
               <a:latin typeface="Arial" panose="020B0604020202020204" pitchFamily="34" charset="0"/>
             </a:endParaRPr>
-          </a:p>
-          <a:p>
-            <a:r>
-              <a:rPr lang="de-DE" b="0" i="0" dirty="0">
-                <a:effectLst/>
-                <a:latin typeface="Arial" panose="020B0604020202020204" pitchFamily="34" charset="0"/>
-              </a:rPr>
-              <a:t>Verringern der Geschwindigkeit und damit verringern der Schwingung</a:t>
-            </a:r>
           </a:p>
           <a:p>
             <a:endParaRPr lang="de-DE" b="0" i="0" dirty="0">
@@ -2180,7 +2051,7 @@
           <a:p>
             <a:fld id="{45D34A27-9B6E-4EE5-8365-E1E928C10A82}" type="datetimeFigureOut">
               <a:rPr lang="de-DE" smtClean="0"/>
-              <a:t>18.07.2020</a:t>
+              <a:t>22.07.2020</a:t>
             </a:fld>
             <a:endParaRPr lang="de-DE"/>
           </a:p>
@@ -2350,7 +2221,7 @@
           <a:p>
             <a:fld id="{45D34A27-9B6E-4EE5-8365-E1E928C10A82}" type="datetimeFigureOut">
               <a:rPr lang="de-DE" smtClean="0"/>
-              <a:t>18.07.2020</a:t>
+              <a:t>22.07.2020</a:t>
             </a:fld>
             <a:endParaRPr lang="de-DE"/>
           </a:p>
@@ -2530,7 +2401,7 @@
           <a:p>
             <a:fld id="{45D34A27-9B6E-4EE5-8365-E1E928C10A82}" type="datetimeFigureOut">
               <a:rPr lang="de-DE" smtClean="0"/>
-              <a:t>18.07.2020</a:t>
+              <a:t>22.07.2020</a:t>
             </a:fld>
             <a:endParaRPr lang="de-DE"/>
           </a:p>
@@ -2700,7 +2571,7 @@
           <a:p>
             <a:fld id="{45D34A27-9B6E-4EE5-8365-E1E928C10A82}" type="datetimeFigureOut">
               <a:rPr lang="de-DE" smtClean="0"/>
-              <a:t>18.07.2020</a:t>
+              <a:t>22.07.2020</a:t>
             </a:fld>
             <a:endParaRPr lang="de-DE"/>
           </a:p>
@@ -2946,7 +2817,7 @@
           <a:p>
             <a:fld id="{45D34A27-9B6E-4EE5-8365-E1E928C10A82}" type="datetimeFigureOut">
               <a:rPr lang="de-DE" smtClean="0"/>
-              <a:t>18.07.2020</a:t>
+              <a:t>22.07.2020</a:t>
             </a:fld>
             <a:endParaRPr lang="de-DE"/>
           </a:p>
@@ -3178,7 +3049,7 @@
           <a:p>
             <a:fld id="{45D34A27-9B6E-4EE5-8365-E1E928C10A82}" type="datetimeFigureOut">
               <a:rPr lang="de-DE" smtClean="0"/>
-              <a:t>18.07.2020</a:t>
+              <a:t>22.07.2020</a:t>
             </a:fld>
             <a:endParaRPr lang="de-DE"/>
           </a:p>
@@ -3545,7 +3416,7 @@
           <a:p>
             <a:fld id="{45D34A27-9B6E-4EE5-8365-E1E928C10A82}" type="datetimeFigureOut">
               <a:rPr lang="de-DE" smtClean="0"/>
-              <a:t>18.07.2020</a:t>
+              <a:t>22.07.2020</a:t>
             </a:fld>
             <a:endParaRPr lang="de-DE"/>
           </a:p>
@@ -3663,7 +3534,7 @@
           <a:p>
             <a:fld id="{45D34A27-9B6E-4EE5-8365-E1E928C10A82}" type="datetimeFigureOut">
               <a:rPr lang="de-DE" smtClean="0"/>
-              <a:t>18.07.2020</a:t>
+              <a:t>22.07.2020</a:t>
             </a:fld>
             <a:endParaRPr lang="de-DE"/>
           </a:p>
@@ -3758,7 +3629,7 @@
           <a:p>
             <a:fld id="{45D34A27-9B6E-4EE5-8365-E1E928C10A82}" type="datetimeFigureOut">
               <a:rPr lang="de-DE" smtClean="0"/>
-              <a:t>18.07.2020</a:t>
+              <a:t>22.07.2020</a:t>
             </a:fld>
             <a:endParaRPr lang="de-DE"/>
           </a:p>
@@ -4035,7 +3906,7 @@
           <a:p>
             <a:fld id="{45D34A27-9B6E-4EE5-8365-E1E928C10A82}" type="datetimeFigureOut">
               <a:rPr lang="de-DE" smtClean="0"/>
-              <a:t>18.07.2020</a:t>
+              <a:t>22.07.2020</a:t>
             </a:fld>
             <a:endParaRPr lang="de-DE"/>
           </a:p>
@@ -4292,7 +4163,7 @@
           <a:p>
             <a:fld id="{45D34A27-9B6E-4EE5-8365-E1E928C10A82}" type="datetimeFigureOut">
               <a:rPr lang="de-DE" smtClean="0"/>
-              <a:t>18.07.2020</a:t>
+              <a:t>22.07.2020</a:t>
             </a:fld>
             <a:endParaRPr lang="de-DE"/>
           </a:p>
@@ -4505,7 +4376,7 @@
           <a:p>
             <a:fld id="{45D34A27-9B6E-4EE5-8365-E1E928C10A82}" type="datetimeFigureOut">
               <a:rPr lang="de-DE" smtClean="0"/>
-              <a:t>18.07.2020</a:t>
+              <a:t>22.07.2020</a:t>
             </a:fld>
             <a:endParaRPr lang="de-DE"/>
           </a:p>
@@ -6061,6 +5932,12 @@
             </a:r>
           </a:p>
           <a:p>
+            <a:pPr marL="0" indent="0">
+              <a:buNone/>
+            </a:pPr>
+            <a:endParaRPr lang="de-DE" dirty="0"/>
+          </a:p>
+          <a:p>
             <a:r>
               <a:rPr lang="de-DE" dirty="0"/>
               <a:t>Genaues definieren des Ziels</a:t>
@@ -6175,7 +6052,7 @@
                                         <p:tgtEl>
                                           <p:spTgt spid="3">
                                             <p:txEl>
-                                              <p:pRg st="1" end="1"/>
+                                              <p:pRg st="2" end="2"/>
                                             </p:txEl>
                                           </p:spTgt>
                                         </p:tgtEl>
@@ -6224,7 +6101,7 @@
                                         <p:tgtEl>
                                           <p:spTgt spid="3">
                                             <p:txEl>
-                                              <p:pRg st="3" end="3"/>
+                                              <p:pRg st="4" end="4"/>
                                             </p:txEl>
                                           </p:spTgt>
                                         </p:tgtEl>
